--- a/1stReview.pptx
+++ b/1stReview.pptx
@@ -1235,14 +1235,35 @@
         </dgm:presLayoutVars>
       </dgm:prSet>
       <dgm:spPr/>
+      <dgm:t>
+        <a:bodyPr/>
+        <a:lstStyle/>
+        <a:p>
+          <a:endParaRPr lang="en-IN"/>
+        </a:p>
+      </dgm:t>
     </dgm:pt>
     <dgm:pt modelId="{8C4C5F29-AF79-4F45-92E7-E9319B319BD4}" type="pres">
       <dgm:prSet presAssocID="{B144019F-50EE-455C-83FF-CCD7DDE2DD29}" presName="sibTrans" presStyleLbl="sibTrans2D1" presStyleIdx="0" presStyleCnt="5"/>
       <dgm:spPr/>
+      <dgm:t>
+        <a:bodyPr/>
+        <a:lstStyle/>
+        <a:p>
+          <a:endParaRPr lang="en-IN"/>
+        </a:p>
+      </dgm:t>
     </dgm:pt>
     <dgm:pt modelId="{5902A0FE-36F2-43DD-8747-E92BA707B9CA}" type="pres">
       <dgm:prSet presAssocID="{B144019F-50EE-455C-83FF-CCD7DDE2DD29}" presName="connectorText" presStyleLbl="sibTrans2D1" presStyleIdx="0" presStyleCnt="5"/>
       <dgm:spPr/>
+      <dgm:t>
+        <a:bodyPr/>
+        <a:lstStyle/>
+        <a:p>
+          <a:endParaRPr lang="en-IN"/>
+        </a:p>
+      </dgm:t>
     </dgm:pt>
     <dgm:pt modelId="{B530F978-CF8E-411E-BE1C-19A1A5E5956E}" type="pres">
       <dgm:prSet presAssocID="{9D1DBD0A-08F3-4F13-ACEC-9971142856D0}" presName="node" presStyleLbl="node1" presStyleIdx="1" presStyleCnt="6">
@@ -1251,14 +1272,35 @@
         </dgm:presLayoutVars>
       </dgm:prSet>
       <dgm:spPr/>
+      <dgm:t>
+        <a:bodyPr/>
+        <a:lstStyle/>
+        <a:p>
+          <a:endParaRPr lang="en-IN"/>
+        </a:p>
+      </dgm:t>
     </dgm:pt>
     <dgm:pt modelId="{06A5D9D1-FA6A-4F8A-96FA-BB45E26CEDE3}" type="pres">
       <dgm:prSet presAssocID="{CE723D4A-33F1-4ABA-9F64-1498D27BB2E8}" presName="sibTrans" presStyleLbl="sibTrans2D1" presStyleIdx="1" presStyleCnt="5"/>
       <dgm:spPr/>
+      <dgm:t>
+        <a:bodyPr/>
+        <a:lstStyle/>
+        <a:p>
+          <a:endParaRPr lang="en-IN"/>
+        </a:p>
+      </dgm:t>
     </dgm:pt>
     <dgm:pt modelId="{87B0AC49-A9D6-48F1-8F93-F253789CE4C2}" type="pres">
       <dgm:prSet presAssocID="{CE723D4A-33F1-4ABA-9F64-1498D27BB2E8}" presName="connectorText" presStyleLbl="sibTrans2D1" presStyleIdx="1" presStyleCnt="5"/>
       <dgm:spPr/>
+      <dgm:t>
+        <a:bodyPr/>
+        <a:lstStyle/>
+        <a:p>
+          <a:endParaRPr lang="en-IN"/>
+        </a:p>
+      </dgm:t>
     </dgm:pt>
     <dgm:pt modelId="{94C40648-371F-4BC6-B6E7-4712D74AECC7}" type="pres">
       <dgm:prSet presAssocID="{960031CB-2B53-4F83-B162-39AB86A4344B}" presName="node" presStyleLbl="node1" presStyleIdx="2" presStyleCnt="6">
@@ -1267,14 +1309,35 @@
         </dgm:presLayoutVars>
       </dgm:prSet>
       <dgm:spPr/>
+      <dgm:t>
+        <a:bodyPr/>
+        <a:lstStyle/>
+        <a:p>
+          <a:endParaRPr lang="en-IN"/>
+        </a:p>
+      </dgm:t>
     </dgm:pt>
     <dgm:pt modelId="{39789CDC-4D80-435B-A1E8-72E5C74A3D74}" type="pres">
       <dgm:prSet presAssocID="{A9B1815D-F135-41AF-997A-99DD3FE7689A}" presName="sibTrans" presStyleLbl="sibTrans2D1" presStyleIdx="2" presStyleCnt="5"/>
       <dgm:spPr/>
+      <dgm:t>
+        <a:bodyPr/>
+        <a:lstStyle/>
+        <a:p>
+          <a:endParaRPr lang="en-IN"/>
+        </a:p>
+      </dgm:t>
     </dgm:pt>
     <dgm:pt modelId="{B223A4B6-82C4-46D9-8448-5320CF47AB33}" type="pres">
       <dgm:prSet presAssocID="{A9B1815D-F135-41AF-997A-99DD3FE7689A}" presName="connectorText" presStyleLbl="sibTrans2D1" presStyleIdx="2" presStyleCnt="5"/>
       <dgm:spPr/>
+      <dgm:t>
+        <a:bodyPr/>
+        <a:lstStyle/>
+        <a:p>
+          <a:endParaRPr lang="en-IN"/>
+        </a:p>
+      </dgm:t>
     </dgm:pt>
     <dgm:pt modelId="{5349EE11-60F2-4C85-A757-EDB368F63FCA}" type="pres">
       <dgm:prSet presAssocID="{6612F01A-1FFA-4A80-B677-46455A20F3AA}" presName="node" presStyleLbl="node1" presStyleIdx="3" presStyleCnt="6">
@@ -1283,14 +1346,35 @@
         </dgm:presLayoutVars>
       </dgm:prSet>
       <dgm:spPr/>
+      <dgm:t>
+        <a:bodyPr/>
+        <a:lstStyle/>
+        <a:p>
+          <a:endParaRPr lang="en-IN"/>
+        </a:p>
+      </dgm:t>
     </dgm:pt>
     <dgm:pt modelId="{8EB8FCCD-DCF2-4268-900F-6A55EAC4EE4F}" type="pres">
       <dgm:prSet presAssocID="{EA9B7AEF-2E7D-4D7A-8B26-9CF678308988}" presName="sibTrans" presStyleLbl="sibTrans2D1" presStyleIdx="3" presStyleCnt="5"/>
       <dgm:spPr/>
+      <dgm:t>
+        <a:bodyPr/>
+        <a:lstStyle/>
+        <a:p>
+          <a:endParaRPr lang="en-IN"/>
+        </a:p>
+      </dgm:t>
     </dgm:pt>
     <dgm:pt modelId="{D6D3FEED-264A-46E0-A07E-04D1A2B814F3}" type="pres">
       <dgm:prSet presAssocID="{EA9B7AEF-2E7D-4D7A-8B26-9CF678308988}" presName="connectorText" presStyleLbl="sibTrans2D1" presStyleIdx="3" presStyleCnt="5"/>
       <dgm:spPr/>
+      <dgm:t>
+        <a:bodyPr/>
+        <a:lstStyle/>
+        <a:p>
+          <a:endParaRPr lang="en-IN"/>
+        </a:p>
+      </dgm:t>
     </dgm:pt>
     <dgm:pt modelId="{66ECA77E-EA26-49AB-A7BC-CC25D7E5D4A6}" type="pres">
       <dgm:prSet presAssocID="{E8A83E0B-7EDF-49BB-AC44-B076DAE3078B}" presName="node" presStyleLbl="node1" presStyleIdx="4" presStyleCnt="6">
@@ -1299,14 +1383,35 @@
         </dgm:presLayoutVars>
       </dgm:prSet>
       <dgm:spPr/>
+      <dgm:t>
+        <a:bodyPr/>
+        <a:lstStyle/>
+        <a:p>
+          <a:endParaRPr lang="en-IN"/>
+        </a:p>
+      </dgm:t>
     </dgm:pt>
     <dgm:pt modelId="{C15693EE-9092-48BD-BA48-F4C24710CDFC}" type="pres">
       <dgm:prSet presAssocID="{CFF48017-A3B4-41E6-B27E-370980386250}" presName="sibTrans" presStyleLbl="sibTrans2D1" presStyleIdx="4" presStyleCnt="5"/>
       <dgm:spPr/>
+      <dgm:t>
+        <a:bodyPr/>
+        <a:lstStyle/>
+        <a:p>
+          <a:endParaRPr lang="en-IN"/>
+        </a:p>
+      </dgm:t>
     </dgm:pt>
     <dgm:pt modelId="{EC7FFE64-08E1-49BB-920A-CF0442EA6AD1}" type="pres">
       <dgm:prSet presAssocID="{CFF48017-A3B4-41E6-B27E-370980386250}" presName="connectorText" presStyleLbl="sibTrans2D1" presStyleIdx="4" presStyleCnt="5"/>
       <dgm:spPr/>
+      <dgm:t>
+        <a:bodyPr/>
+        <a:lstStyle/>
+        <a:p>
+          <a:endParaRPr lang="en-IN"/>
+        </a:p>
+      </dgm:t>
     </dgm:pt>
     <dgm:pt modelId="{CB81F5CB-83D9-4FB6-8D55-75DABC9BDE1D}" type="pres">
       <dgm:prSet presAssocID="{535B36E0-37A0-4E3A-B7BC-978D18169B0C}" presName="node" presStyleLbl="node1" presStyleIdx="5" presStyleCnt="6">
@@ -1315,32 +1420,39 @@
         </dgm:presLayoutVars>
       </dgm:prSet>
       <dgm:spPr/>
+      <dgm:t>
+        <a:bodyPr/>
+        <a:lstStyle/>
+        <a:p>
+          <a:endParaRPr lang="en-IN"/>
+        </a:p>
+      </dgm:t>
     </dgm:pt>
   </dgm:ptLst>
   <dgm:cxnLst>
+    <dgm:cxn modelId="{C3308E6D-C2F6-46C4-9F3E-930547398581}" type="presOf" srcId="{53E6CD66-D5FF-4736-A946-89907CC188E9}" destId="{881AA785-622C-4ED1-9138-19C0D27B55FE}" srcOrd="0" destOrd="0" presId="urn:microsoft.com/office/officeart/2005/8/layout/process2"/>
+    <dgm:cxn modelId="{B6150159-5179-4EE1-AAF9-853A4C7865CF}" type="presOf" srcId="{CFF48017-A3B4-41E6-B27E-370980386250}" destId="{C15693EE-9092-48BD-BA48-F4C24710CDFC}" srcOrd="0" destOrd="0" presId="urn:microsoft.com/office/officeart/2005/8/layout/process2"/>
+    <dgm:cxn modelId="{DB7612F7-B816-44FA-8761-7B33EC1B5AD5}" type="presOf" srcId="{CE723D4A-33F1-4ABA-9F64-1498D27BB2E8}" destId="{87B0AC49-A9D6-48F1-8F93-F253789CE4C2}" srcOrd="1" destOrd="0" presId="urn:microsoft.com/office/officeart/2005/8/layout/process2"/>
+    <dgm:cxn modelId="{7DEB283D-9ACE-4BE2-AC06-975C6AC0EC4D}" type="presOf" srcId="{B144019F-50EE-455C-83FF-CCD7DDE2DD29}" destId="{5902A0FE-36F2-43DD-8747-E92BA707B9CA}" srcOrd="1" destOrd="0" presId="urn:microsoft.com/office/officeart/2005/8/layout/process2"/>
+    <dgm:cxn modelId="{91DFC79E-26EA-4E72-BC2F-ED860723D1D4}" type="presOf" srcId="{535B36E0-37A0-4E3A-B7BC-978D18169B0C}" destId="{CB81F5CB-83D9-4FB6-8D55-75DABC9BDE1D}" srcOrd="0" destOrd="0" presId="urn:microsoft.com/office/officeart/2005/8/layout/process2"/>
+    <dgm:cxn modelId="{F122509E-E9CD-4430-9CBC-848C3BE2C6FE}" type="presOf" srcId="{960031CB-2B53-4F83-B162-39AB86A4344B}" destId="{94C40648-371F-4BC6-B6E7-4712D74AECC7}" srcOrd="0" destOrd="0" presId="urn:microsoft.com/office/officeart/2005/8/layout/process2"/>
+    <dgm:cxn modelId="{6901F736-5DC8-4CF0-9908-FB22FED1840C}" type="presOf" srcId="{E8A83E0B-7EDF-49BB-AC44-B076DAE3078B}" destId="{66ECA77E-EA26-49AB-A7BC-CC25D7E5D4A6}" srcOrd="0" destOrd="0" presId="urn:microsoft.com/office/officeart/2005/8/layout/process2"/>
     <dgm:cxn modelId="{2D705810-6CF7-420A-B85C-47D8B10C8E93}" srcId="{5AEA3307-9430-43CB-B304-50A8877AFE45}" destId="{960031CB-2B53-4F83-B162-39AB86A4344B}" srcOrd="2" destOrd="0" parTransId="{5BE08B08-8F3D-4661-B28D-2020812F4925}" sibTransId="{A9B1815D-F135-41AF-997A-99DD3FE7689A}"/>
+    <dgm:cxn modelId="{2B197641-CE47-4C40-B5AA-B81143A654F7}" type="presOf" srcId="{EA9B7AEF-2E7D-4D7A-8B26-9CF678308988}" destId="{8EB8FCCD-DCF2-4268-900F-6A55EAC4EE4F}" srcOrd="0" destOrd="0" presId="urn:microsoft.com/office/officeart/2005/8/layout/process2"/>
+    <dgm:cxn modelId="{AE192D70-C26B-470D-8E76-452CE385A1F5}" type="presOf" srcId="{A9B1815D-F135-41AF-997A-99DD3FE7689A}" destId="{39789CDC-4D80-435B-A1E8-72E5C74A3D74}" srcOrd="0" destOrd="0" presId="urn:microsoft.com/office/officeart/2005/8/layout/process2"/>
+    <dgm:cxn modelId="{3B811494-E7C4-4CE4-A2BD-9E7A05520821}" srcId="{5AEA3307-9430-43CB-B304-50A8877AFE45}" destId="{53E6CD66-D5FF-4736-A946-89907CC188E9}" srcOrd="0" destOrd="0" parTransId="{6DF7521C-F7F1-4724-8984-732EF12F5C2C}" sibTransId="{B144019F-50EE-455C-83FF-CCD7DDE2DD29}"/>
+    <dgm:cxn modelId="{9E84D2EB-B5F6-4AC9-A393-63F798EB6318}" type="presOf" srcId="{CE723D4A-33F1-4ABA-9F64-1498D27BB2E8}" destId="{06A5D9D1-FA6A-4F8A-96FA-BB45E26CEDE3}" srcOrd="0" destOrd="0" presId="urn:microsoft.com/office/officeart/2005/8/layout/process2"/>
+    <dgm:cxn modelId="{6D4AC9E6-52B4-4FB1-9B02-5CD060E5C842}" srcId="{5AEA3307-9430-43CB-B304-50A8877AFE45}" destId="{6612F01A-1FFA-4A80-B677-46455A20F3AA}" srcOrd="3" destOrd="0" parTransId="{DF814C82-0992-420A-BBB0-458E17F9C702}" sibTransId="{EA9B7AEF-2E7D-4D7A-8B26-9CF678308988}"/>
+    <dgm:cxn modelId="{6BF7F52B-189F-42A1-BCC5-9D654F5EC898}" type="presOf" srcId="{B144019F-50EE-455C-83FF-CCD7DDE2DD29}" destId="{8C4C5F29-AF79-4F45-92E7-E9319B319BD4}" srcOrd="0" destOrd="0" presId="urn:microsoft.com/office/officeart/2005/8/layout/process2"/>
+    <dgm:cxn modelId="{5E323E3E-1269-4502-B5F2-23058CD6EE2F}" type="presOf" srcId="{5AEA3307-9430-43CB-B304-50A8877AFE45}" destId="{47923ABE-A7F3-4BAE-AE6D-740C1C33D98B}" srcOrd="0" destOrd="0" presId="urn:microsoft.com/office/officeart/2005/8/layout/process2"/>
+    <dgm:cxn modelId="{F884F076-4982-42C7-A6AA-59B6DDA8CCB1}" type="presOf" srcId="{A9B1815D-F135-41AF-997A-99DD3FE7689A}" destId="{B223A4B6-82C4-46D9-8448-5320CF47AB33}" srcOrd="1" destOrd="0" presId="urn:microsoft.com/office/officeart/2005/8/layout/process2"/>
+    <dgm:cxn modelId="{E181CF35-A6DE-44AC-A923-50F15B800502}" srcId="{5AEA3307-9430-43CB-B304-50A8877AFE45}" destId="{E8A83E0B-7EDF-49BB-AC44-B076DAE3078B}" srcOrd="4" destOrd="0" parTransId="{AFFBB716-E07E-4A4C-9419-7F7C5D615136}" sibTransId="{CFF48017-A3B4-41E6-B27E-370980386250}"/>
     <dgm:cxn modelId="{173F9F1C-4F2D-4F16-900F-FD4BFAD6BAC2}" type="presOf" srcId="{6612F01A-1FFA-4A80-B677-46455A20F3AA}" destId="{5349EE11-60F2-4C85-A757-EDB368F63FCA}" srcOrd="0" destOrd="0" presId="urn:microsoft.com/office/officeart/2005/8/layout/process2"/>
-    <dgm:cxn modelId="{6BF7F52B-189F-42A1-BCC5-9D654F5EC898}" type="presOf" srcId="{B144019F-50EE-455C-83FF-CCD7DDE2DD29}" destId="{8C4C5F29-AF79-4F45-92E7-E9319B319BD4}" srcOrd="0" destOrd="0" presId="urn:microsoft.com/office/officeart/2005/8/layout/process2"/>
-    <dgm:cxn modelId="{E181CF35-A6DE-44AC-A923-50F15B800502}" srcId="{5AEA3307-9430-43CB-B304-50A8877AFE45}" destId="{E8A83E0B-7EDF-49BB-AC44-B076DAE3078B}" srcOrd="4" destOrd="0" parTransId="{AFFBB716-E07E-4A4C-9419-7F7C5D615136}" sibTransId="{CFF48017-A3B4-41E6-B27E-370980386250}"/>
-    <dgm:cxn modelId="{6901F736-5DC8-4CF0-9908-FB22FED1840C}" type="presOf" srcId="{E8A83E0B-7EDF-49BB-AC44-B076DAE3078B}" destId="{66ECA77E-EA26-49AB-A7BC-CC25D7E5D4A6}" srcOrd="0" destOrd="0" presId="urn:microsoft.com/office/officeart/2005/8/layout/process2"/>
-    <dgm:cxn modelId="{7DEB283D-9ACE-4BE2-AC06-975C6AC0EC4D}" type="presOf" srcId="{B144019F-50EE-455C-83FF-CCD7DDE2DD29}" destId="{5902A0FE-36F2-43DD-8747-E92BA707B9CA}" srcOrd="1" destOrd="0" presId="urn:microsoft.com/office/officeart/2005/8/layout/process2"/>
-    <dgm:cxn modelId="{5E323E3E-1269-4502-B5F2-23058CD6EE2F}" type="presOf" srcId="{5AEA3307-9430-43CB-B304-50A8877AFE45}" destId="{47923ABE-A7F3-4BAE-AE6D-740C1C33D98B}" srcOrd="0" destOrd="0" presId="urn:microsoft.com/office/officeart/2005/8/layout/process2"/>
-    <dgm:cxn modelId="{2B197641-CE47-4C40-B5AA-B81143A654F7}" type="presOf" srcId="{EA9B7AEF-2E7D-4D7A-8B26-9CF678308988}" destId="{8EB8FCCD-DCF2-4268-900F-6A55EAC4EE4F}" srcOrd="0" destOrd="0" presId="urn:microsoft.com/office/officeart/2005/8/layout/process2"/>
+    <dgm:cxn modelId="{F1E46F9C-2452-428A-B15F-F55877189EFE}" srcId="{5AEA3307-9430-43CB-B304-50A8877AFE45}" destId="{535B36E0-37A0-4E3A-B7BC-978D18169B0C}" srcOrd="5" destOrd="0" parTransId="{226E5B98-9A93-4F07-A617-D517EE23BDB3}" sibTransId="{9F3774C7-1B2B-495F-88C0-B3AE21A96C79}"/>
     <dgm:cxn modelId="{55C1A467-9C5A-4CD8-97D2-EB47109D08F2}" type="presOf" srcId="{EA9B7AEF-2E7D-4D7A-8B26-9CF678308988}" destId="{D6D3FEED-264A-46E0-A07E-04D1A2B814F3}" srcOrd="1" destOrd="0" presId="urn:microsoft.com/office/officeart/2005/8/layout/process2"/>
-    <dgm:cxn modelId="{C3308E6D-C2F6-46C4-9F3E-930547398581}" type="presOf" srcId="{53E6CD66-D5FF-4736-A946-89907CC188E9}" destId="{881AA785-622C-4ED1-9138-19C0D27B55FE}" srcOrd="0" destOrd="0" presId="urn:microsoft.com/office/officeart/2005/8/layout/process2"/>
-    <dgm:cxn modelId="{AE192D70-C26B-470D-8E76-452CE385A1F5}" type="presOf" srcId="{A9B1815D-F135-41AF-997A-99DD3FE7689A}" destId="{39789CDC-4D80-435B-A1E8-72E5C74A3D74}" srcOrd="0" destOrd="0" presId="urn:microsoft.com/office/officeart/2005/8/layout/process2"/>
+    <dgm:cxn modelId="{906560A2-3A15-4D27-919B-CD749316CD66}" type="presOf" srcId="{9D1DBD0A-08F3-4F13-ACEC-9971142856D0}" destId="{B530F978-CF8E-411E-BE1C-19A1A5E5956E}" srcOrd="0" destOrd="0" presId="urn:microsoft.com/office/officeart/2005/8/layout/process2"/>
     <dgm:cxn modelId="{6F12FB70-F30F-4ED8-BC99-44DA96FD1059}" srcId="{5AEA3307-9430-43CB-B304-50A8877AFE45}" destId="{9D1DBD0A-08F3-4F13-ACEC-9971142856D0}" srcOrd="1" destOrd="0" parTransId="{79A99C7D-45F5-4A3C-9FCE-A0D806F7A5E6}" sibTransId="{CE723D4A-33F1-4ABA-9F64-1498D27BB2E8}"/>
-    <dgm:cxn modelId="{F884F076-4982-42C7-A6AA-59B6DDA8CCB1}" type="presOf" srcId="{A9B1815D-F135-41AF-997A-99DD3FE7689A}" destId="{B223A4B6-82C4-46D9-8448-5320CF47AB33}" srcOrd="1" destOrd="0" presId="urn:microsoft.com/office/officeart/2005/8/layout/process2"/>
-    <dgm:cxn modelId="{B6150159-5179-4EE1-AAF9-853A4C7865CF}" type="presOf" srcId="{CFF48017-A3B4-41E6-B27E-370980386250}" destId="{C15693EE-9092-48BD-BA48-F4C24710CDFC}" srcOrd="0" destOrd="0" presId="urn:microsoft.com/office/officeart/2005/8/layout/process2"/>
-    <dgm:cxn modelId="{3B811494-E7C4-4CE4-A2BD-9E7A05520821}" srcId="{5AEA3307-9430-43CB-B304-50A8877AFE45}" destId="{53E6CD66-D5FF-4736-A946-89907CC188E9}" srcOrd="0" destOrd="0" parTransId="{6DF7521C-F7F1-4724-8984-732EF12F5C2C}" sibTransId="{B144019F-50EE-455C-83FF-CCD7DDE2DD29}"/>
-    <dgm:cxn modelId="{F1E46F9C-2452-428A-B15F-F55877189EFE}" srcId="{5AEA3307-9430-43CB-B304-50A8877AFE45}" destId="{535B36E0-37A0-4E3A-B7BC-978D18169B0C}" srcOrd="5" destOrd="0" parTransId="{226E5B98-9A93-4F07-A617-D517EE23BDB3}" sibTransId="{9F3774C7-1B2B-495F-88C0-B3AE21A96C79}"/>
-    <dgm:cxn modelId="{F122509E-E9CD-4430-9CBC-848C3BE2C6FE}" type="presOf" srcId="{960031CB-2B53-4F83-B162-39AB86A4344B}" destId="{94C40648-371F-4BC6-B6E7-4712D74AECC7}" srcOrd="0" destOrd="0" presId="urn:microsoft.com/office/officeart/2005/8/layout/process2"/>
-    <dgm:cxn modelId="{91DFC79E-26EA-4E72-BC2F-ED860723D1D4}" type="presOf" srcId="{535B36E0-37A0-4E3A-B7BC-978D18169B0C}" destId="{CB81F5CB-83D9-4FB6-8D55-75DABC9BDE1D}" srcOrd="0" destOrd="0" presId="urn:microsoft.com/office/officeart/2005/8/layout/process2"/>
-    <dgm:cxn modelId="{906560A2-3A15-4D27-919B-CD749316CD66}" type="presOf" srcId="{9D1DBD0A-08F3-4F13-ACEC-9971142856D0}" destId="{B530F978-CF8E-411E-BE1C-19A1A5E5956E}" srcOrd="0" destOrd="0" presId="urn:microsoft.com/office/officeart/2005/8/layout/process2"/>
     <dgm:cxn modelId="{5A3757C7-81B8-4F58-8CCD-18338DD43DF8}" type="presOf" srcId="{CFF48017-A3B4-41E6-B27E-370980386250}" destId="{EC7FFE64-08E1-49BB-920A-CF0442EA6AD1}" srcOrd="1" destOrd="0" presId="urn:microsoft.com/office/officeart/2005/8/layout/process2"/>
-    <dgm:cxn modelId="{6D4AC9E6-52B4-4FB1-9B02-5CD060E5C842}" srcId="{5AEA3307-9430-43CB-B304-50A8877AFE45}" destId="{6612F01A-1FFA-4A80-B677-46455A20F3AA}" srcOrd="3" destOrd="0" parTransId="{DF814C82-0992-420A-BBB0-458E17F9C702}" sibTransId="{EA9B7AEF-2E7D-4D7A-8B26-9CF678308988}"/>
-    <dgm:cxn modelId="{9E84D2EB-B5F6-4AC9-A393-63F798EB6318}" type="presOf" srcId="{CE723D4A-33F1-4ABA-9F64-1498D27BB2E8}" destId="{06A5D9D1-FA6A-4F8A-96FA-BB45E26CEDE3}" srcOrd="0" destOrd="0" presId="urn:microsoft.com/office/officeart/2005/8/layout/process2"/>
-    <dgm:cxn modelId="{DB7612F7-B816-44FA-8761-7B33EC1B5AD5}" type="presOf" srcId="{CE723D4A-33F1-4ABA-9F64-1498D27BB2E8}" destId="{87B0AC49-A9D6-48F1-8F93-F253789CE4C2}" srcOrd="1" destOrd="0" presId="urn:microsoft.com/office/officeart/2005/8/layout/process2"/>
     <dgm:cxn modelId="{26ADC0F2-0328-45EC-B02E-C9E5928ECB46}" type="presParOf" srcId="{47923ABE-A7F3-4BAE-AE6D-740C1C33D98B}" destId="{881AA785-622C-4ED1-9138-19C0D27B55FE}" srcOrd="0" destOrd="0" presId="urn:microsoft.com/office/officeart/2005/8/layout/process2"/>
     <dgm:cxn modelId="{D0454913-44D1-4014-87C8-CCE36A156A1E}" type="presParOf" srcId="{47923ABE-A7F3-4BAE-AE6D-740C1C33D98B}" destId="{8C4C5F29-AF79-4F45-92E7-E9319B319BD4}" srcOrd="1" destOrd="0" presId="urn:microsoft.com/office/officeart/2005/8/layout/process2"/>
     <dgm:cxn modelId="{5A283688-1E29-4A4C-BFDE-FB8516D46789}" type="presParOf" srcId="{8C4C5F29-AF79-4F45-92E7-E9319B319BD4}" destId="{5902A0FE-36F2-43DD-8747-E92BA707B9CA}" srcOrd="0" destOrd="0" presId="urn:microsoft.com/office/officeart/2005/8/layout/process2"/>
@@ -1438,7 +1550,7 @@
         </a:bodyPr>
         <a:lstStyle/>
         <a:p>
-          <a:pPr marL="0" lvl="0" indent="0" algn="ctr" defTabSz="577850">
+          <a:pPr lvl="0" algn="ctr" defTabSz="577850">
             <a:lnSpc>
               <a:spcPct val="90000"/>
             </a:lnSpc>
@@ -1448,7 +1560,6 @@
             <a:spcAft>
               <a:spcPct val="35000"/>
             </a:spcAft>
-            <a:buNone/>
           </a:pPr>
           <a:r>
             <a:rPr lang="en-IN" sz="1300" b="1" kern="1200">
@@ -1546,7 +1657,7 @@
         </a:bodyPr>
         <a:lstStyle/>
         <a:p>
-          <a:pPr marL="0" lvl="0" indent="0" algn="ctr" defTabSz="488950">
+          <a:pPr lvl="0" algn="ctr" defTabSz="488950">
             <a:lnSpc>
               <a:spcPct val="90000"/>
             </a:lnSpc>
@@ -1556,7 +1667,6 @@
             <a:spcAft>
               <a:spcPct val="35000"/>
             </a:spcAft>
-            <a:buNone/>
           </a:pPr>
           <a:endParaRPr lang="en-IN" sz="1100" kern="1200"/>
         </a:p>
@@ -1628,7 +1738,7 @@
         </a:bodyPr>
         <a:lstStyle/>
         <a:p>
-          <a:pPr marL="0" lvl="0" indent="0" algn="ctr" defTabSz="577850">
+          <a:pPr lvl="0" algn="ctr" defTabSz="577850">
             <a:lnSpc>
               <a:spcPct val="90000"/>
             </a:lnSpc>
@@ -1638,7 +1748,6 @@
             <a:spcAft>
               <a:spcPct val="35000"/>
             </a:spcAft>
-            <a:buNone/>
           </a:pPr>
           <a:r>
             <a:rPr lang="en-IN" sz="1300" b="1" kern="1200">
@@ -1716,7 +1825,7 @@
         </a:bodyPr>
         <a:lstStyle/>
         <a:p>
-          <a:pPr marL="0" lvl="0" indent="0" algn="ctr" defTabSz="488950">
+          <a:pPr lvl="0" algn="ctr" defTabSz="488950">
             <a:lnSpc>
               <a:spcPct val="90000"/>
             </a:lnSpc>
@@ -1726,7 +1835,6 @@
             <a:spcAft>
               <a:spcPct val="35000"/>
             </a:spcAft>
-            <a:buNone/>
           </a:pPr>
           <a:endParaRPr lang="en-IN" sz="1100" kern="1200"/>
         </a:p>
@@ -1798,7 +1906,7 @@
         </a:bodyPr>
         <a:lstStyle/>
         <a:p>
-          <a:pPr marL="0" lvl="0" indent="0" algn="ctr" defTabSz="577850">
+          <a:pPr lvl="0" algn="ctr" defTabSz="577850">
             <a:lnSpc>
               <a:spcPct val="90000"/>
             </a:lnSpc>
@@ -1808,7 +1916,6 @@
             <a:spcAft>
               <a:spcPct val="35000"/>
             </a:spcAft>
-            <a:buNone/>
           </a:pPr>
           <a:r>
             <a:rPr lang="en-IN" sz="1300" b="1" kern="1200" dirty="0">
@@ -1885,7 +1992,7 @@
         </a:bodyPr>
         <a:lstStyle/>
         <a:p>
-          <a:pPr marL="0" lvl="0" indent="0" algn="ctr" defTabSz="488950">
+          <a:pPr lvl="0" algn="ctr" defTabSz="488950">
             <a:lnSpc>
               <a:spcPct val="90000"/>
             </a:lnSpc>
@@ -1895,7 +2002,6 @@
             <a:spcAft>
               <a:spcPct val="35000"/>
             </a:spcAft>
-            <a:buNone/>
           </a:pPr>
           <a:endParaRPr lang="en-IN" sz="1100" kern="1200"/>
         </a:p>
@@ -1967,7 +2073,7 @@
         </a:bodyPr>
         <a:lstStyle/>
         <a:p>
-          <a:pPr marL="0" lvl="0" indent="0" algn="ctr" defTabSz="577850">
+          <a:pPr lvl="0" algn="ctr" defTabSz="577850">
             <a:lnSpc>
               <a:spcPct val="90000"/>
             </a:lnSpc>
@@ -1977,7 +2083,6 @@
             <a:spcAft>
               <a:spcPct val="35000"/>
             </a:spcAft>
-            <a:buNone/>
           </a:pPr>
           <a:r>
             <a:rPr lang="en-US" sz="1300" b="1" kern="1200" dirty="0">
@@ -2063,7 +2168,7 @@
         </a:bodyPr>
         <a:lstStyle/>
         <a:p>
-          <a:pPr marL="0" lvl="0" indent="0" algn="ctr" defTabSz="488950">
+          <a:pPr lvl="0" algn="ctr" defTabSz="488950">
             <a:lnSpc>
               <a:spcPct val="90000"/>
             </a:lnSpc>
@@ -2073,7 +2178,6 @@
             <a:spcAft>
               <a:spcPct val="35000"/>
             </a:spcAft>
-            <a:buNone/>
           </a:pPr>
           <a:endParaRPr lang="en-IN" sz="1100" kern="1200"/>
         </a:p>
@@ -2145,7 +2249,7 @@
         </a:bodyPr>
         <a:lstStyle/>
         <a:p>
-          <a:pPr marL="0" lvl="0" indent="0" algn="ctr" defTabSz="577850">
+          <a:pPr lvl="0" algn="ctr" defTabSz="577850">
             <a:lnSpc>
               <a:spcPct val="90000"/>
             </a:lnSpc>
@@ -2155,7 +2259,6 @@
             <a:spcAft>
               <a:spcPct val="35000"/>
             </a:spcAft>
-            <a:buNone/>
           </a:pPr>
           <a:r>
             <a:rPr lang="en-US" sz="1300" b="1" kern="1200" dirty="0">
@@ -2241,7 +2344,7 @@
         </a:bodyPr>
         <a:lstStyle/>
         <a:p>
-          <a:pPr marL="0" lvl="0" indent="0" algn="ctr" defTabSz="488950">
+          <a:pPr lvl="0" algn="ctr" defTabSz="488950">
             <a:lnSpc>
               <a:spcPct val="90000"/>
             </a:lnSpc>
@@ -2251,7 +2354,6 @@
             <a:spcAft>
               <a:spcPct val="35000"/>
             </a:spcAft>
-            <a:buNone/>
           </a:pPr>
           <a:endParaRPr lang="en-IN" sz="1100" kern="1200"/>
         </a:p>
@@ -2323,7 +2425,7 @@
         </a:bodyPr>
         <a:lstStyle/>
         <a:p>
-          <a:pPr marL="0" lvl="0" indent="0" algn="ctr" defTabSz="577850">
+          <a:pPr lvl="0" algn="ctr" defTabSz="577850">
             <a:lnSpc>
               <a:spcPct val="90000"/>
             </a:lnSpc>
@@ -2333,7 +2435,6 @@
             <a:spcAft>
               <a:spcPct val="35000"/>
             </a:spcAft>
-            <a:buNone/>
           </a:pPr>
           <a:r>
             <a:rPr lang="en-US" sz="1300" b="1" kern="1200" dirty="0">
@@ -3645,7 +3746,7 @@
             <a:fld id="{0C8BE59F-16DE-44CA-B7E7-E5BFDDA19DBF}" type="datetimeFigureOut">
               <a:rPr lang="en-IN" smtClean="0"/>
               <a:pPr/>
-              <a:t>09-03-2021</a:t>
+              <a:t>15-03-2021</a:t>
             </a:fld>
             <a:endParaRPr lang="en-IN"/>
           </a:p>
@@ -4074,6 +4175,11 @@
         </p:txBody>
       </p:sp>
     </p:spTree>
+    <p:extLst>
+      <p:ext uri="{BB962C8B-B14F-4D97-AF65-F5344CB8AC3E}">
+        <p14:creationId xmlns:p14="http://schemas.microsoft.com/office/powerpoint/2010/main" val="3432244296"/>
+      </p:ext>
+    </p:extLst>
   </p:cSld>
   <p:clrMapOvr>
     <a:masterClrMapping/>
@@ -4248,7 +4354,7 @@
           <a:p>
             <a:fld id="{4C87D1CE-E214-4AAC-AE8B-D12339F1B431}" type="datetime1">
               <a:rPr lang="en-US" smtClean="0"/>
-              <a:t>3/9/2021</a:t>
+              <a:t>3/15/2021</a:t>
             </a:fld>
             <a:endParaRPr lang="en-US" dirty="0"/>
           </a:p>
@@ -4851,7 +4957,7 @@
           <a:p>
             <a:fld id="{3088770F-05DB-4F79-A71A-F550FAD6E8E7}" type="datetime1">
               <a:rPr lang="en-US" smtClean="0"/>
-              <a:t>3/9/2021</a:t>
+              <a:t>3/15/2021</a:t>
             </a:fld>
             <a:endParaRPr lang="en-US" dirty="0"/>
           </a:p>
@@ -5004,7 +5110,7 @@
           <a:p>
             <a:fld id="{E7D08E61-8815-497E-B7CD-4D273E70B526}" type="datetime1">
               <a:rPr lang="en-US" smtClean="0"/>
-              <a:t>3/9/2021</a:t>
+              <a:t>3/15/2021</a:t>
             </a:fld>
             <a:endParaRPr lang="en-US" dirty="0"/>
           </a:p>
@@ -5167,7 +5273,7 @@
           <a:p>
             <a:fld id="{161BB087-26BA-4137-BCC4-CBBC9CB47CA0}" type="datetime1">
               <a:rPr lang="en-US" smtClean="0"/>
-              <a:t>3/9/2021</a:t>
+              <a:t>3/15/2021</a:t>
             </a:fld>
             <a:endParaRPr lang="en-US" dirty="0"/>
           </a:p>
@@ -5312,7 +5418,7 @@
           <a:p>
             <a:fld id="{0B86606F-D0DD-446C-BC2E-A5F6ACE1E9CA}" type="datetime1">
               <a:rPr lang="en-US" smtClean="0"/>
-              <a:t>3/9/2021</a:t>
+              <a:t>3/15/2021</a:t>
             </a:fld>
             <a:endParaRPr lang="en-US" dirty="0"/>
           </a:p>
@@ -5421,7 +5527,7 @@
           <a:p>
             <a:fld id="{5F6CB90D-1C07-4D67-919C-49165583E1B0}" type="datetime1">
               <a:rPr lang="en-US" smtClean="0"/>
-              <a:t>3/9/2021</a:t>
+              <a:t>3/15/2021</a:t>
             </a:fld>
             <a:endParaRPr lang="en-US" dirty="0"/>
           </a:p>
@@ -5646,7 +5752,7 @@
           <a:p>
             <a:fld id="{F3F27728-FD14-4E29-8511-687B947F9289}" type="datetime1">
               <a:rPr lang="en-US" smtClean="0"/>
-              <a:t>3/9/2021</a:t>
+              <a:t>3/15/2021</a:t>
             </a:fld>
             <a:endParaRPr lang="en-US"/>
           </a:p>
@@ -5799,7 +5905,7 @@
           <a:p>
             <a:fld id="{CABC50F2-5103-4C40-8D42-0FB71A437930}" type="datetime1">
               <a:rPr lang="en-US" smtClean="0"/>
-              <a:t>3/9/2021</a:t>
+              <a:t>3/15/2021</a:t>
             </a:fld>
             <a:endParaRPr lang="en-US"/>
           </a:p>
@@ -6029,7 +6135,7 @@
           <a:p>
             <a:fld id="{1D879D3B-60D5-4182-862E-DCEB8C482019}" type="datetime1">
               <a:rPr lang="en-US" smtClean="0"/>
-              <a:t>3/9/2021</a:t>
+              <a:t>3/15/2021</a:t>
             </a:fld>
             <a:endParaRPr lang="en-US"/>
           </a:p>
@@ -6326,7 +6432,7 @@
           <a:p>
             <a:fld id="{B677FE42-D8CC-4B1F-BFF0-3C5637021384}" type="datetime1">
               <a:rPr lang="en-US" smtClean="0"/>
-              <a:t>3/9/2021</a:t>
+              <a:t>3/15/2021</a:t>
             </a:fld>
             <a:endParaRPr lang="en-US"/>
           </a:p>
@@ -6726,7 +6832,7 @@
           <a:p>
             <a:fld id="{5E35B676-ECFD-49F2-B568-A5FB3D684524}" type="datetime1">
               <a:rPr lang="en-US" smtClean="0"/>
-              <a:t>3/9/2021</a:t>
+              <a:t>3/15/2021</a:t>
             </a:fld>
             <a:endParaRPr lang="en-US"/>
           </a:p>
@@ -6794,7 +6900,7 @@
           <p:cNvPr id="2" name="Title 1">
             <a:extLst>
               <a:ext uri="{FF2B5EF4-FFF2-40B4-BE49-F238E27FC236}">
-                <a16:creationId xmlns:a16="http://schemas.microsoft.com/office/drawing/2014/main" id="{C6FEEA76-DA9F-47EF-8286-93BC3642357B}"/>
+                <a16:creationId xmlns:a16="http://schemas.microsoft.com/office/drawing/2014/main" xmlns="" id="{C6FEEA76-DA9F-47EF-8286-93BC3642357B}"/>
               </a:ext>
             </a:extLst>
           </p:cNvPr>
@@ -6823,7 +6929,7 @@
           <p:cNvPr id="3" name="Date Placeholder 2">
             <a:extLst>
               <a:ext uri="{FF2B5EF4-FFF2-40B4-BE49-F238E27FC236}">
-                <a16:creationId xmlns:a16="http://schemas.microsoft.com/office/drawing/2014/main" id="{4E1FC156-2374-47FB-A11A-38D9F235B095}"/>
+                <a16:creationId xmlns:a16="http://schemas.microsoft.com/office/drawing/2014/main" xmlns="" id="{4E1FC156-2374-47FB-A11A-38D9F235B095}"/>
               </a:ext>
             </a:extLst>
           </p:cNvPr>
@@ -6841,7 +6947,7 @@
           <a:p>
             <a:fld id="{FFBD6C5F-D19C-45A7-A6E7-E00D5D4F02D5}" type="datetime1">
               <a:rPr lang="en-US" smtClean="0"/>
-              <a:t>3/9/2021</a:t>
+              <a:t>3/15/2021</a:t>
             </a:fld>
             <a:endParaRPr lang="en-US" dirty="0"/>
           </a:p>
@@ -6852,7 +6958,7 @@
           <p:cNvPr id="4" name="Slide Number Placeholder 3">
             <a:extLst>
               <a:ext uri="{FF2B5EF4-FFF2-40B4-BE49-F238E27FC236}">
-                <a16:creationId xmlns:a16="http://schemas.microsoft.com/office/drawing/2014/main" id="{F0A9C734-4EA3-4FA2-9148-0F32114CD8D1}"/>
+                <a16:creationId xmlns:a16="http://schemas.microsoft.com/office/drawing/2014/main" xmlns="" id="{F0A9C734-4EA3-4FA2-9148-0F32114CD8D1}"/>
               </a:ext>
             </a:extLst>
           </p:cNvPr>
@@ -6945,7 +7051,7 @@
           <a:p>
             <a:fld id="{CA55F96B-A020-403F-9B2B-EC73D0B85AC9}" type="datetime1">
               <a:rPr lang="en-US" smtClean="0"/>
-              <a:t>3/9/2021</a:t>
+              <a:t>3/15/2021</a:t>
             </a:fld>
             <a:endParaRPr lang="en-US"/>
           </a:p>
@@ -7025,7 +7131,7 @@
           <a:p>
             <a:fld id="{FC0392CB-EC12-4834-99A1-9F56612E0C30}" type="datetime1">
               <a:rPr lang="en-US" smtClean="0"/>
-              <a:t>3/9/2021</a:t>
+              <a:t>3/15/2021</a:t>
             </a:fld>
             <a:endParaRPr lang="en-US"/>
           </a:p>
@@ -7285,7 +7391,7 @@
           <a:p>
             <a:fld id="{F2884F66-F0AA-4823-80F5-445FE66E80E0}" type="datetime1">
               <a:rPr lang="en-US" smtClean="0"/>
-              <a:t>3/9/2021</a:t>
+              <a:t>3/15/2021</a:t>
             </a:fld>
             <a:endParaRPr lang="en-US"/>
           </a:p>
@@ -7525,7 +7631,7 @@
           <a:p>
             <a:fld id="{5AFEA3F4-5A26-467F-95CB-C050ABDCC05F}" type="datetime1">
               <a:rPr lang="en-US" smtClean="0"/>
-              <a:t>3/9/2021</a:t>
+              <a:t>3/15/2021</a:t>
             </a:fld>
             <a:endParaRPr lang="en-US"/>
           </a:p>
@@ -7678,7 +7784,7 @@
           <a:p>
             <a:fld id="{27CE5F48-6F2A-4782-B9AE-4455046598CB}" type="datetime1">
               <a:rPr lang="en-US" smtClean="0"/>
-              <a:t>3/9/2021</a:t>
+              <a:t>3/15/2021</a:t>
             </a:fld>
             <a:endParaRPr lang="en-US"/>
           </a:p>
@@ -7841,7 +7947,7 @@
           <a:p>
             <a:fld id="{F910AFC0-283D-4C35-A30E-D38795BB796E}" type="datetime1">
               <a:rPr lang="en-US" smtClean="0"/>
-              <a:t>3/9/2021</a:t>
+              <a:t>3/15/2021</a:t>
             </a:fld>
             <a:endParaRPr lang="en-US"/>
           </a:p>
@@ -8039,7 +8145,7 @@
           <a:p>
             <a:fld id="{FB9F0392-E29C-465F-9D7A-6F9CEC27A5E3}" type="datetime1">
               <a:rPr lang="en-US" smtClean="0"/>
-              <a:t>3/9/2021</a:t>
+              <a:t>3/15/2021</a:t>
             </a:fld>
             <a:endParaRPr lang="en-US"/>
           </a:p>
@@ -8192,7 +8298,7 @@
           <a:p>
             <a:fld id="{D20641F9-6BD5-4417-A77A-1DEA28A13AFD}" type="datetime1">
               <a:rPr lang="en-US" smtClean="0"/>
-              <a:t>3/9/2021</a:t>
+              <a:t>3/15/2021</a:t>
             </a:fld>
             <a:endParaRPr lang="en-US"/>
           </a:p>
@@ -8422,7 +8528,7 @@
           <a:p>
             <a:fld id="{F0651BE5-7709-46D3-8545-9B0F38FA0292}" type="datetime1">
               <a:rPr lang="en-US" smtClean="0"/>
-              <a:t>3/9/2021</a:t>
+              <a:t>3/15/2021</a:t>
             </a:fld>
             <a:endParaRPr lang="en-US"/>
           </a:p>
@@ -8692,7 +8798,7 @@
           <a:p>
             <a:fld id="{C781F14B-E3AC-4C91-895C-923FF6D90352}" type="datetime1">
               <a:rPr lang="en-US" smtClean="0"/>
-              <a:t>3/9/2021</a:t>
+              <a:t>3/15/2021</a:t>
             </a:fld>
             <a:endParaRPr lang="en-US"/>
           </a:p>
@@ -8845,7 +8951,7 @@
           <a:p>
             <a:fld id="{4DD0A433-6C03-44F6-8EBD-482DA781EE1A}" type="datetime1">
               <a:rPr lang="en-US" smtClean="0"/>
-              <a:t>3/9/2021</a:t>
+              <a:t>3/15/2021</a:t>
             </a:fld>
             <a:endParaRPr lang="en-US" dirty="0"/>
           </a:p>
@@ -9245,7 +9351,7 @@
           <a:p>
             <a:fld id="{07870CDE-D40B-40E3-B780-6A43B1FB8842}" type="datetime1">
               <a:rPr lang="en-US" smtClean="0"/>
-              <a:t>3/9/2021</a:t>
+              <a:t>3/15/2021</a:t>
             </a:fld>
             <a:endParaRPr lang="en-US"/>
           </a:p>
@@ -9347,7 +9453,7 @@
           <a:p>
             <a:fld id="{6A9CF68D-4248-4DF3-BC5C-88EC3095EA6B}" type="datetime1">
               <a:rPr lang="en-US" smtClean="0"/>
-              <a:t>3/9/2021</a:t>
+              <a:t>3/15/2021</a:t>
             </a:fld>
             <a:endParaRPr lang="en-US"/>
           </a:p>
@@ -9427,7 +9533,7 @@
           <a:p>
             <a:fld id="{367C1B89-7206-42B3-A3ED-A927FAA661AC}" type="datetime1">
               <a:rPr lang="en-US" smtClean="0"/>
-              <a:t>3/9/2021</a:t>
+              <a:t>3/15/2021</a:t>
             </a:fld>
             <a:endParaRPr lang="en-US"/>
           </a:p>
@@ -9687,7 +9793,7 @@
           <a:p>
             <a:fld id="{EE22058E-18D3-41E9-842E-5ECD73ECB586}" type="datetime1">
               <a:rPr lang="en-US" smtClean="0"/>
-              <a:t>3/9/2021</a:t>
+              <a:t>3/15/2021</a:t>
             </a:fld>
             <a:endParaRPr lang="en-US"/>
           </a:p>
@@ -9927,7 +10033,7 @@
           <a:p>
             <a:fld id="{065FD2CE-67D3-4F15-BE37-B607BC20056D}" type="datetime1">
               <a:rPr lang="en-US" smtClean="0"/>
-              <a:t>3/9/2021</a:t>
+              <a:t>3/15/2021</a:t>
             </a:fld>
             <a:endParaRPr lang="en-US"/>
           </a:p>
@@ -10080,7 +10186,7 @@
           <a:p>
             <a:fld id="{55ABD46E-38D5-4222-B06B-7B1255C48910}" type="datetime1">
               <a:rPr lang="en-US" smtClean="0"/>
-              <a:t>3/9/2021</a:t>
+              <a:t>3/15/2021</a:t>
             </a:fld>
             <a:endParaRPr lang="en-US"/>
           </a:p>
@@ -10243,7 +10349,7 @@
           <a:p>
             <a:fld id="{8AD3C42B-88F3-4AF1-8E86-2734785255E2}" type="datetime1">
               <a:rPr lang="en-US" smtClean="0"/>
-              <a:t>3/9/2021</a:t>
+              <a:t>3/15/2021</a:t>
             </a:fld>
             <a:endParaRPr lang="en-US"/>
           </a:p>
@@ -10456,7 +10562,7 @@
           <a:p>
             <a:fld id="{E86EC269-F097-4C29-A0FD-95889A30E536}" type="datetime1">
               <a:rPr lang="en-US" smtClean="0"/>
-              <a:t>3/9/2021</a:t>
+              <a:t>3/15/2021</a:t>
             </a:fld>
             <a:endParaRPr lang="en-US" dirty="0"/>
           </a:p>
@@ -10614,7 +10720,7 @@
           <a:p>
             <a:fld id="{5CC23257-FE55-45D8-8194-AFE9FFC3B35F}" type="datetime1">
               <a:rPr lang="en-US" smtClean="0"/>
-              <a:t>3/9/2021</a:t>
+              <a:t>3/15/2021</a:t>
             </a:fld>
             <a:endParaRPr lang="en-US" dirty="0"/>
           </a:p>
@@ -10840,7 +10946,7 @@
           <a:p>
             <a:fld id="{B53B44AA-7C4A-4A44-979B-2349393C81E8}" type="datetime1">
               <a:rPr lang="en-US" smtClean="0"/>
-              <a:t>3/9/2021</a:t>
+              <a:t>3/15/2021</a:t>
             </a:fld>
             <a:endParaRPr lang="en-US" dirty="0"/>
           </a:p>
@@ -11066,7 +11172,7 @@
           <a:p>
             <a:fld id="{93ACD14C-BE13-4811-B170-A8CBF7DF0A87}" type="datetime1">
               <a:rPr lang="en-US" smtClean="0"/>
-              <a:t>3/9/2021</a:t>
+              <a:t>3/15/2021</a:t>
             </a:fld>
             <a:endParaRPr lang="en-US" dirty="0"/>
           </a:p>
@@ -11317,7 +11423,7 @@
           <a:p>
             <a:fld id="{0FCF7798-C46E-467E-B800-0CE438176041}" type="datetime1">
               <a:rPr lang="en-US" smtClean="0"/>
-              <a:t>3/9/2021</a:t>
+              <a:t>3/15/2021</a:t>
             </a:fld>
             <a:endParaRPr lang="en-US" dirty="0"/>
           </a:p>
@@ -11683,7 +11789,7 @@
           <a:p>
             <a:fld id="{75F34092-C566-471C-8E7B-2195FC324B56}" type="datetime1">
               <a:rPr lang="en-US" smtClean="0"/>
-              <a:t>3/9/2021</a:t>
+              <a:t>3/15/2021</a:t>
             </a:fld>
             <a:endParaRPr lang="en-US" dirty="0"/>
           </a:p>
@@ -11827,7 +11933,7 @@
           <a:p>
             <a:fld id="{E72AEDA4-777E-45FF-932F-341650B308D3}" type="datetime1">
               <a:rPr lang="en-US" smtClean="0"/>
-              <a:t>3/9/2021</a:t>
+              <a:t>3/15/2021</a:t>
             </a:fld>
             <a:endParaRPr lang="en-US" dirty="0"/>
           </a:p>
@@ -11907,7 +12013,7 @@
           <a:p>
             <a:fld id="{F10F8F9C-642C-4CE6-92DE-0E5E7B64DBE9}" type="datetime1">
               <a:rPr lang="en-US" smtClean="0"/>
-              <a:t>3/9/2021</a:t>
+              <a:t>3/15/2021</a:t>
             </a:fld>
             <a:endParaRPr lang="en-US" dirty="0"/>
           </a:p>
@@ -12161,7 +12267,7 @@
           <a:p>
             <a:fld id="{BC7B5386-31E1-4864-BEEA-0A2503BE8982}" type="datetime1">
               <a:rPr lang="en-US" smtClean="0"/>
-              <a:t>3/9/2021</a:t>
+              <a:t>3/15/2021</a:t>
             </a:fld>
             <a:endParaRPr lang="en-US" dirty="0"/>
           </a:p>
@@ -12764,7 +12870,7 @@
           <a:p>
             <a:fld id="{3F45FC59-2C6C-4CFC-97B2-7495330B1920}" type="datetime1">
               <a:rPr lang="en-US" smtClean="0"/>
-              <a:t>3/9/2021</a:t>
+              <a:t>3/15/2021</a:t>
             </a:fld>
             <a:endParaRPr lang="en-US" dirty="0"/>
           </a:p>
@@ -12917,7 +13023,7 @@
           <a:p>
             <a:fld id="{0B6843E4-7820-4FA3-882D-A8E1DBF6C039}" type="datetime1">
               <a:rPr lang="en-US" smtClean="0"/>
-              <a:t>3/9/2021</a:t>
+              <a:t>3/15/2021</a:t>
             </a:fld>
             <a:endParaRPr lang="en-US" dirty="0"/>
           </a:p>
@@ -13080,7 +13186,7 @@
           <a:p>
             <a:fld id="{025B1807-1EB6-47E4-9EB4-BFBE8950796A}" type="datetime1">
               <a:rPr lang="en-US" smtClean="0"/>
-              <a:t>3/9/2021</a:t>
+              <a:t>3/15/2021</a:t>
             </a:fld>
             <a:endParaRPr lang="en-US" dirty="0"/>
           </a:p>
@@ -13225,7 +13331,7 @@
           <a:p>
             <a:fld id="{3646C7D3-9AED-4BB0-822A-DB0584141537}" type="datetime1">
               <a:rPr lang="en-US" smtClean="0"/>
-              <a:t>3/9/2021</a:t>
+              <a:t>3/15/2021</a:t>
             </a:fld>
             <a:endParaRPr lang="en-US" dirty="0"/>
           </a:p>
@@ -13334,7 +13440,7 @@
           <a:p>
             <a:fld id="{A9266AB0-8EC0-4E53-9BB5-8AB06AC04CE8}" type="datetime1">
               <a:rPr lang="en-US" smtClean="0"/>
-              <a:t>3/9/2021</a:t>
+              <a:t>3/15/2021</a:t>
             </a:fld>
             <a:endParaRPr lang="en-US" dirty="0"/>
           </a:p>
@@ -13585,7 +13691,7 @@
           <a:p>
             <a:fld id="{6FC65A29-5060-4B82-B2F7-205A03C5EEE2}" type="datetime1">
               <a:rPr lang="en-US" smtClean="0"/>
-              <a:t>3/9/2021</a:t>
+              <a:t>3/15/2021</a:t>
             </a:fld>
             <a:endParaRPr lang="en-US" dirty="0"/>
           </a:p>
@@ -13803,7 +13909,7 @@
           <a:p>
             <a:fld id="{8A2DE382-05E5-42AB-BF4D-918D49A6BC1E}" type="datetime1">
               <a:rPr lang="en-US" smtClean="0"/>
-              <a:t>3/9/2021</a:t>
+              <a:t>3/15/2021</a:t>
             </a:fld>
             <a:endParaRPr lang="en-US" dirty="0"/>
           </a:p>
@@ -13961,7 +14067,7 @@
           <a:p>
             <a:fld id="{8226453D-9892-446C-A9A2-98EF0AF9ABF6}" type="datetime1">
               <a:rPr lang="en-US" smtClean="0"/>
-              <a:t>3/9/2021</a:t>
+              <a:t>3/15/2021</a:t>
             </a:fld>
             <a:endParaRPr lang="en-US" dirty="0"/>
           </a:p>
@@ -14160,7 +14266,7 @@
           <a:p>
             <a:fld id="{979EB0C5-D963-4C06-AC58-B5754465B1B3}" type="datetime1">
               <a:rPr lang="en-US" smtClean="0"/>
-              <a:t>3/9/2021</a:t>
+              <a:t>3/15/2021</a:t>
             </a:fld>
             <a:endParaRPr lang="en-US" dirty="0"/>
           </a:p>
@@ -14384,7 +14490,7 @@
           <a:p>
             <a:fld id="{F4837737-E00D-4D54-B216-8E8C2CBA0E65}" type="datetime1">
               <a:rPr lang="en-US" smtClean="0"/>
-              <a:t>3/9/2021</a:t>
+              <a:t>3/15/2021</a:t>
             </a:fld>
             <a:endParaRPr lang="en-US" dirty="0"/>
           </a:p>
@@ -14723,7 +14829,7 @@
           <a:p>
             <a:fld id="{2E647835-B030-4FB2-B587-4553132A51C8}" type="datetime1">
               <a:rPr lang="en-US" smtClean="0"/>
-              <a:t>3/9/2021</a:t>
+              <a:t>3/15/2021</a:t>
             </a:fld>
             <a:endParaRPr lang="en-US" dirty="0"/>
           </a:p>
@@ -14867,7 +14973,7 @@
           <a:p>
             <a:fld id="{840862CF-03AD-40EC-B526-78BC0EB7334D}" type="datetime1">
               <a:rPr lang="en-US" smtClean="0"/>
-              <a:t>3/9/2021</a:t>
+              <a:t>3/15/2021</a:t>
             </a:fld>
             <a:endParaRPr lang="en-US" dirty="0"/>
           </a:p>
@@ -14947,7 +15053,7 @@
           <a:p>
             <a:fld id="{36BD547A-DDA9-4B27-B9EB-9EE142179056}" type="datetime1">
               <a:rPr lang="en-US" smtClean="0"/>
-              <a:t>3/9/2021</a:t>
+              <a:t>3/15/2021</a:t>
             </a:fld>
             <a:endParaRPr lang="en-US" dirty="0"/>
           </a:p>
@@ -15201,7 +15307,7 @@
           <a:p>
             <a:fld id="{0791F5BB-D737-412F-99E3-983471ABEBE6}" type="datetime1">
               <a:rPr lang="en-US" smtClean="0"/>
-              <a:t>3/9/2021</a:t>
+              <a:t>3/15/2021</a:t>
             </a:fld>
             <a:endParaRPr lang="en-US" dirty="0"/>
           </a:p>
@@ -15804,7 +15910,7 @@
           <a:p>
             <a:fld id="{BE1D173E-532B-4302-BA73-16ABAB22E837}" type="datetime1">
               <a:rPr lang="en-US" smtClean="0"/>
-              <a:t>3/9/2021</a:t>
+              <a:t>3/15/2021</a:t>
             </a:fld>
             <a:endParaRPr lang="en-US" dirty="0"/>
           </a:p>
@@ -15957,7 +16063,7 @@
           <a:p>
             <a:fld id="{5592696E-0715-4D15-9B18-F17CB36E6455}" type="datetime1">
               <a:rPr lang="en-US" smtClean="0"/>
-              <a:t>3/9/2021</a:t>
+              <a:t>3/15/2021</a:t>
             </a:fld>
             <a:endParaRPr lang="en-US" dirty="0"/>
           </a:p>
@@ -16318,7 +16424,7 @@
           <a:p>
             <a:fld id="{AAC29D29-9E24-41E6-AA72-870FCA31113A}" type="datetime1">
               <a:rPr lang="en-US" smtClean="0"/>
-              <a:t>3/9/2021</a:t>
+              <a:t>3/15/2021</a:t>
             </a:fld>
             <a:endParaRPr lang="en-US" dirty="0"/>
           </a:p>
@@ -16486,7 +16592,7 @@
           <a:p>
             <a:fld id="{78F1B687-04A6-4695-81FA-89D8646FACB0}" type="datetime1">
               <a:rPr lang="en-US" smtClean="0"/>
-              <a:t>3/9/2021</a:t>
+              <a:t>3/15/2021</a:t>
             </a:fld>
             <a:endParaRPr lang="en-US" dirty="0"/>
           </a:p>
@@ -16631,7 +16737,7 @@
           <a:p>
             <a:fld id="{CB060632-6F2F-48F9-BE79-9DEBEF1FE62F}" type="datetime1">
               <a:rPr lang="en-US" smtClean="0"/>
-              <a:t>3/9/2021</a:t>
+              <a:t>3/15/2021</a:t>
             </a:fld>
             <a:endParaRPr lang="en-US" dirty="0"/>
           </a:p>
@@ -16740,7 +16846,7 @@
           <a:p>
             <a:fld id="{EE981317-9BFD-4F8F-AF53-A661AA277C34}" type="datetime1">
               <a:rPr lang="en-US" smtClean="0"/>
-              <a:t>3/9/2021</a:t>
+              <a:t>3/15/2021</a:t>
             </a:fld>
             <a:endParaRPr lang="en-US" dirty="0"/>
           </a:p>
@@ -16879,7 +16985,7 @@
           <a:p>
             <a:fld id="{BB166E07-098A-495E-A573-45F923C526DE}" type="datetime1">
               <a:rPr lang="en-US" smtClean="0"/>
-              <a:t>3/9/2021</a:t>
+              <a:t>3/15/2021</a:t>
             </a:fld>
             <a:endParaRPr lang="en-US" dirty="0"/>
           </a:p>
@@ -16959,7 +17065,7 @@
           <a:p>
             <a:fld id="{5C23BC08-922B-426E-9679-B68B5D27F9F7}" type="datetime1">
               <a:rPr lang="en-US" smtClean="0"/>
-              <a:t>3/9/2021</a:t>
+              <a:t>3/15/2021</a:t>
             </a:fld>
             <a:endParaRPr lang="en-US" dirty="0"/>
           </a:p>
@@ -17213,7 +17319,7 @@
           <a:p>
             <a:fld id="{0EB93774-39E1-4978-8541-918733FCF43F}" type="datetime1">
               <a:rPr lang="en-US" smtClean="0"/>
-              <a:t>3/9/2021</a:t>
+              <a:t>3/15/2021</a:t>
             </a:fld>
             <a:endParaRPr lang="en-US" dirty="0"/>
           </a:p>
@@ -17446,7 +17552,7 @@
           <a:p>
             <a:fld id="{48A3B34D-5A8A-49D5-B2A5-8856625594B4}" type="datetime1">
               <a:rPr lang="en-US" smtClean="0"/>
-              <a:t>3/9/2021</a:t>
+              <a:t>3/15/2021</a:t>
             </a:fld>
             <a:endParaRPr lang="en-US" dirty="0"/>
           </a:p>
@@ -17457,7 +17563,7 @@
           <p:cNvPr id="2" name="Slide Number Placeholder 1">
             <a:extLst>
               <a:ext uri="{FF2B5EF4-FFF2-40B4-BE49-F238E27FC236}">
-                <a16:creationId xmlns:a16="http://schemas.microsoft.com/office/drawing/2014/main" id="{5B2059B5-D0A2-4DD1-8F2A-18C238FC0EF1}"/>
+                <a16:creationId xmlns:a16="http://schemas.microsoft.com/office/drawing/2014/main" xmlns="" id="{5B2059B5-D0A2-4DD1-8F2A-18C238FC0EF1}"/>
               </a:ext>
             </a:extLst>
           </p:cNvPr>
@@ -18076,7 +18182,7 @@
           <a:p>
             <a:fld id="{D19D8996-F68C-4235-BC6A-5B3BBA83157C}" type="datetime1">
               <a:rPr lang="en-US" smtClean="0"/>
-              <a:t>3/9/2021</a:t>
+              <a:t>3/15/2021</a:t>
             </a:fld>
             <a:endParaRPr lang="en-US"/>
           </a:p>
@@ -18087,7 +18193,7 @@
           <p:cNvPr id="2" name="Slide Number Placeholder 1">
             <a:extLst>
               <a:ext uri="{FF2B5EF4-FFF2-40B4-BE49-F238E27FC236}">
-                <a16:creationId xmlns:a16="http://schemas.microsoft.com/office/drawing/2014/main" id="{E0EBAFEB-87B8-49B0-84E0-7DD622DB5402}"/>
+                <a16:creationId xmlns:a16="http://schemas.microsoft.com/office/drawing/2014/main" xmlns="" id="{E0EBAFEB-87B8-49B0-84E0-7DD622DB5402}"/>
               </a:ext>
             </a:extLst>
           </p:cNvPr>
@@ -18554,7 +18660,7 @@
           <a:p>
             <a:fld id="{0841644F-D6F9-42A4-AFE7-76FEB6E19609}" type="datetime1">
               <a:rPr lang="en-US" smtClean="0"/>
-              <a:t>3/9/2021</a:t>
+              <a:t>3/15/2021</a:t>
             </a:fld>
             <a:endParaRPr lang="en-US"/>
           </a:p>
@@ -18565,7 +18671,7 @@
           <p:cNvPr id="2" name="Slide Number Placeholder 1">
             <a:extLst>
               <a:ext uri="{FF2B5EF4-FFF2-40B4-BE49-F238E27FC236}">
-                <a16:creationId xmlns:a16="http://schemas.microsoft.com/office/drawing/2014/main" id="{B0F08A14-F76B-4F8D-A4AD-CD04EB0C6428}"/>
+                <a16:creationId xmlns:a16="http://schemas.microsoft.com/office/drawing/2014/main" xmlns="" id="{B0F08A14-F76B-4F8D-A4AD-CD04EB0C6428}"/>
               </a:ext>
             </a:extLst>
           </p:cNvPr>
@@ -19064,7 +19170,7 @@
           <a:p>
             <a:fld id="{4A7AC1D9-9DF8-438E-A600-A9FA0CD8A1E6}" type="datetime1">
               <a:rPr lang="en-US" smtClean="0"/>
-              <a:t>3/9/2021</a:t>
+              <a:t>3/15/2021</a:t>
             </a:fld>
             <a:endParaRPr lang="en-US" dirty="0"/>
           </a:p>
@@ -19075,7 +19181,7 @@
           <p:cNvPr id="2" name="Slide Number Placeholder 1">
             <a:extLst>
               <a:ext uri="{FF2B5EF4-FFF2-40B4-BE49-F238E27FC236}">
-                <a16:creationId xmlns:a16="http://schemas.microsoft.com/office/drawing/2014/main" id="{7EA50A62-C469-4244-A9EA-F5E569FA41DE}"/>
+                <a16:creationId xmlns:a16="http://schemas.microsoft.com/office/drawing/2014/main" xmlns="" id="{7EA50A62-C469-4244-A9EA-F5E569FA41DE}"/>
               </a:ext>
             </a:extLst>
           </p:cNvPr>
@@ -19725,7 +19831,7 @@
           <a:p>
             <a:fld id="{A58D9B21-A6EB-4C33-9297-4F0743C15410}" type="datetime1">
               <a:rPr lang="en-US" smtClean="0"/>
-              <a:t>3/9/2021</a:t>
+              <a:t>3/15/2021</a:t>
             </a:fld>
             <a:endParaRPr lang="en-US" dirty="0"/>
           </a:p>
@@ -19736,7 +19842,7 @@
           <p:cNvPr id="2" name="Slide Number Placeholder 1">
             <a:extLst>
               <a:ext uri="{FF2B5EF4-FFF2-40B4-BE49-F238E27FC236}">
-                <a16:creationId xmlns:a16="http://schemas.microsoft.com/office/drawing/2014/main" id="{FE669F75-4A26-4B51-8B1F-3EACA69FB1AC}"/>
+                <a16:creationId xmlns:a16="http://schemas.microsoft.com/office/drawing/2014/main" xmlns="" id="{FE669F75-4A26-4B51-8B1F-3EACA69FB1AC}"/>
               </a:ext>
             </a:extLst>
           </p:cNvPr>
@@ -20271,8 +20377,141 @@
                 <a:latin typeface="Times New Roman" panose="02020603050405020304" pitchFamily="18" charset="0"/>
                 <a:cs typeface="Times New Roman" panose="02020603050405020304" pitchFamily="18" charset="0"/>
               </a:rPr>
-              <a:t>Sewage line Mapping and automatic block removal</a:t>
-            </a:r>
+              <a:t>Sewage line </a:t>
+            </a:r>
+            <a:r>
+              <a:rPr lang="en-IN" sz="4400" b="1" dirty="0" smtClean="0">
+                <a:solidFill>
+                  <a:schemeClr val="tx1"/>
+                </a:solidFill>
+                <a:effectLst>
+                  <a:outerShdw blurRad="38100" dist="38100" dir="2700000" algn="tl">
+                    <a:srgbClr val="000000">
+                      <a:alpha val="43137"/>
+                    </a:srgbClr>
+                  </a:outerShdw>
+                </a:effectLst>
+                <a:latin typeface="Times New Roman" panose="02020603050405020304" pitchFamily="18" charset="0"/>
+                <a:cs typeface="Times New Roman" panose="02020603050405020304" pitchFamily="18" charset="0"/>
+              </a:rPr>
+              <a:t>Mapping using GUI </a:t>
+            </a:r>
+            <a:r>
+              <a:rPr lang="en-IN" sz="4400" b="1" dirty="0">
+                <a:solidFill>
+                  <a:schemeClr val="tx1"/>
+                </a:solidFill>
+                <a:effectLst>
+                  <a:outerShdw blurRad="38100" dist="38100" dir="2700000" algn="tl">
+                    <a:srgbClr val="000000">
+                      <a:alpha val="43137"/>
+                    </a:srgbClr>
+                  </a:outerShdw>
+                </a:effectLst>
+                <a:latin typeface="Times New Roman" panose="02020603050405020304" pitchFamily="18" charset="0"/>
+                <a:cs typeface="Times New Roman" panose="02020603050405020304" pitchFamily="18" charset="0"/>
+              </a:rPr>
+              <a:t>and </a:t>
+            </a:r>
+            <a:r>
+              <a:rPr lang="en-IN" sz="4400" b="1" dirty="0" smtClean="0">
+                <a:solidFill>
+                  <a:schemeClr val="tx1"/>
+                </a:solidFill>
+                <a:effectLst>
+                  <a:outerShdw blurRad="38100" dist="38100" dir="2700000" algn="tl">
+                    <a:srgbClr val="000000">
+                      <a:alpha val="43137"/>
+                    </a:srgbClr>
+                  </a:outerShdw>
+                </a:effectLst>
+                <a:latin typeface="Times New Roman" panose="02020603050405020304" pitchFamily="18" charset="0"/>
+                <a:cs typeface="Times New Roman" panose="02020603050405020304" pitchFamily="18" charset="0"/>
+              </a:rPr>
+              <a:t>Automatic </a:t>
+            </a:r>
+            <a:r>
+              <a:rPr lang="en-IN" sz="4400" b="1" dirty="0">
+                <a:solidFill>
+                  <a:schemeClr val="tx1"/>
+                </a:solidFill>
+                <a:effectLst>
+                  <a:outerShdw blurRad="38100" dist="38100" dir="2700000" algn="tl">
+                    <a:srgbClr val="000000">
+                      <a:alpha val="43137"/>
+                    </a:srgbClr>
+                  </a:outerShdw>
+                </a:effectLst>
+                <a:latin typeface="Times New Roman" panose="02020603050405020304" pitchFamily="18" charset="0"/>
+                <a:cs typeface="Times New Roman" panose="02020603050405020304" pitchFamily="18" charset="0"/>
+              </a:rPr>
+              <a:t>block </a:t>
+            </a:r>
+            <a:r>
+              <a:rPr lang="en-IN" sz="4400" b="1" dirty="0" smtClean="0">
+                <a:solidFill>
+                  <a:schemeClr val="tx1"/>
+                </a:solidFill>
+                <a:effectLst>
+                  <a:outerShdw blurRad="38100" dist="38100" dir="2700000" algn="tl">
+                    <a:srgbClr val="000000">
+                      <a:alpha val="43137"/>
+                    </a:srgbClr>
+                  </a:outerShdw>
+                </a:effectLst>
+                <a:latin typeface="Times New Roman" panose="02020603050405020304" pitchFamily="18" charset="0"/>
+                <a:cs typeface="Times New Roman" panose="02020603050405020304" pitchFamily="18" charset="0"/>
+              </a:rPr>
+              <a:t>removal in </a:t>
+            </a:r>
+            <a:r>
+              <a:rPr lang="en-IN" sz="4400" dirty="0">
+                <a:solidFill>
+                  <a:schemeClr val="tx1"/>
+                </a:solidFill>
+                <a:effectLst>
+                  <a:outerShdw blurRad="38100" dist="38100" dir="2700000" algn="tl">
+                    <a:srgbClr val="000000">
+                      <a:alpha val="43137"/>
+                    </a:srgbClr>
+                  </a:outerShdw>
+                </a:effectLst>
+                <a:latin typeface="Times New Roman" panose="02020603050405020304" pitchFamily="18" charset="0"/>
+                <a:cs typeface="Times New Roman" panose="02020603050405020304" pitchFamily="18" charset="0"/>
+              </a:rPr>
+              <a:t>S</a:t>
+            </a:r>
+            <a:r>
+              <a:rPr lang="en-IN" sz="4400" b="1" dirty="0" smtClean="0">
+                <a:solidFill>
+                  <a:schemeClr val="tx1"/>
+                </a:solidFill>
+                <a:effectLst>
+                  <a:outerShdw blurRad="38100" dist="38100" dir="2700000" algn="tl">
+                    <a:srgbClr val="000000">
+                      <a:alpha val="43137"/>
+                    </a:srgbClr>
+                  </a:outerShdw>
+                </a:effectLst>
+                <a:latin typeface="Times New Roman" panose="02020603050405020304" pitchFamily="18" charset="0"/>
+                <a:cs typeface="Times New Roman" panose="02020603050405020304" pitchFamily="18" charset="0"/>
+              </a:rPr>
+              <a:t>ewage line</a:t>
+            </a:r>
+            <a:endParaRPr lang="en-IN" sz="4400" b="1" dirty="0">
+              <a:solidFill>
+                <a:schemeClr val="tx1"/>
+              </a:solidFill>
+              <a:effectLst>
+                <a:outerShdw blurRad="38100" dist="38100" dir="2700000" algn="tl">
+                  <a:srgbClr val="000000">
+                    <a:alpha val="43137"/>
+                  </a:srgbClr>
+                </a:outerShdw>
+              </a:effectLst>
+              <a:latin typeface="Times New Roman" panose="02020603050405020304" pitchFamily="18" charset="0"/>
+              <a:cs typeface="Times New Roman" panose="02020603050405020304" pitchFamily="18" charset="0"/>
+            </a:endParaRPr>
           </a:p>
         </p:txBody>
       </p:sp>
@@ -20329,7 +20568,7 @@
           <p:cNvPr id="10" name="Subtitle 2">
             <a:extLst>
               <a:ext uri="{FF2B5EF4-FFF2-40B4-BE49-F238E27FC236}">
-                <a16:creationId xmlns:a16="http://schemas.microsoft.com/office/drawing/2014/main" id="{CE50ED1C-A7C4-4A28-A156-E6D5E7A755F5}"/>
+                <a16:creationId xmlns:a16="http://schemas.microsoft.com/office/drawing/2014/main" xmlns="" id="{CE50ED1C-A7C4-4A28-A156-E6D5E7A755F5}"/>
               </a:ext>
             </a:extLst>
           </p:cNvPr>
@@ -20409,7 +20648,7 @@
               <a:t>  </a:t>
             </a:r>
             <a:r>
-              <a:rPr lang="en-US" sz="1800" dirty="0">
+              <a:rPr lang="en-US" sz="1800" dirty="0" smtClean="0">
                 <a:ln w="0"/>
                 <a:effectLst>
                   <a:outerShdw blurRad="38100" dist="19050" dir="2700000" algn="tl" rotWithShape="0">
@@ -20421,6 +20660,16 @@
               </a:rPr>
               <a:t>MANOJI T 18ECR094 </a:t>
             </a:r>
+            <a:endParaRPr lang="en-US" sz="1800" dirty="0">
+              <a:ln w="0"/>
+              <a:effectLst>
+                <a:outerShdw blurRad="38100" dist="19050" dir="2700000" algn="tl" rotWithShape="0">
+                  <a:schemeClr val="dk1">
+                    <a:alpha val="40000"/>
+                  </a:schemeClr>
+                </a:outerShdw>
+              </a:effectLst>
+            </a:endParaRPr>
           </a:p>
           <a:p>
             <a:pPr marR="0" algn="l" eaLnBrk="1" hangingPunct="1">
@@ -20532,7 +20781,7 @@
           <p:cNvPr id="11" name="TextBox 3">
             <a:extLst>
               <a:ext uri="{FF2B5EF4-FFF2-40B4-BE49-F238E27FC236}">
-                <a16:creationId xmlns:a16="http://schemas.microsoft.com/office/drawing/2014/main" id="{E7EABD99-B59A-4E14-B34E-A4D700FFD79E}"/>
+                <a16:creationId xmlns:a16="http://schemas.microsoft.com/office/drawing/2014/main" xmlns="" id="{E7EABD99-B59A-4E14-B34E-A4D700FFD79E}"/>
               </a:ext>
             </a:extLst>
           </p:cNvPr>
@@ -20692,7 +20941,7 @@
           <p:cNvPr id="12" name="TextBox 11">
             <a:extLst>
               <a:ext uri="{FF2B5EF4-FFF2-40B4-BE49-F238E27FC236}">
-                <a16:creationId xmlns:a16="http://schemas.microsoft.com/office/drawing/2014/main" id="{6A6C2E48-A565-4ADB-8CCD-EB33845009F0}"/>
+                <a16:creationId xmlns:a16="http://schemas.microsoft.com/office/drawing/2014/main" xmlns="" id="{6A6C2E48-A565-4ADB-8CCD-EB33845009F0}"/>
               </a:ext>
             </a:extLst>
           </p:cNvPr>
@@ -20739,7 +20988,7 @@
           <p:cNvPr id="13" name="TextBox 12">
             <a:extLst>
               <a:ext uri="{FF2B5EF4-FFF2-40B4-BE49-F238E27FC236}">
-                <a16:creationId xmlns:a16="http://schemas.microsoft.com/office/drawing/2014/main" id="{F103E8B9-599B-4597-9D37-B55BC21ADD07}"/>
+                <a16:creationId xmlns:a16="http://schemas.microsoft.com/office/drawing/2014/main" xmlns="" id="{F103E8B9-599B-4597-9D37-B55BC21ADD07}"/>
               </a:ext>
             </a:extLst>
           </p:cNvPr>
@@ -20780,6 +21029,13 @@
   <p:clrMapOvr>
     <a:masterClrMapping/>
   </p:clrMapOvr>
+  <p:timing>
+    <p:tnLst>
+      <p:par>
+        <p:cTn id="1" dur="indefinite" restart="never" nodeType="tmRoot"/>
+      </p:par>
+    </p:tnLst>
+  </p:timing>
 </p:sld>
 </file>
 
@@ -20997,7 +21253,7 @@
           <p:cNvPr id="8" name="Diagram 7">
             <a:extLst>
               <a:ext uri="{FF2B5EF4-FFF2-40B4-BE49-F238E27FC236}">
-                <a16:creationId xmlns:a16="http://schemas.microsoft.com/office/drawing/2014/main" id="{DB78AB59-B110-451B-BD87-4D22614EFF0B}"/>
+                <a16:creationId xmlns:a16="http://schemas.microsoft.com/office/drawing/2014/main" xmlns="" id="{DB78AB59-B110-451B-BD87-4D22614EFF0B}"/>
               </a:ext>
             </a:extLst>
           </p:cNvPr>
@@ -21025,7 +21281,7 @@
           <p:cNvPr id="7" name="TextBox 6">
             <a:extLst>
               <a:ext uri="{FF2B5EF4-FFF2-40B4-BE49-F238E27FC236}">
-                <a16:creationId xmlns:a16="http://schemas.microsoft.com/office/drawing/2014/main" id="{B9FCB3EE-9170-4079-8AB9-4584B2601189}"/>
+                <a16:creationId xmlns:a16="http://schemas.microsoft.com/office/drawing/2014/main" xmlns="" id="{B9FCB3EE-9170-4079-8AB9-4584B2601189}"/>
               </a:ext>
             </a:extLst>
           </p:cNvPr>
@@ -21136,7 +21392,7 @@
           <p:cNvPr id="4" name="Picture 7">
             <a:extLst>
               <a:ext uri="{FF2B5EF4-FFF2-40B4-BE49-F238E27FC236}">
-                <a16:creationId xmlns:a16="http://schemas.microsoft.com/office/drawing/2014/main" id="{5DC24BCA-796A-417D-B77E-9C9FCF8CC141}"/>
+                <a16:creationId xmlns:a16="http://schemas.microsoft.com/office/drawing/2014/main" xmlns="" id="{5DC24BCA-796A-417D-B77E-9C9FCF8CC141}"/>
               </a:ext>
             </a:extLst>
           </p:cNvPr>
@@ -21194,7 +21450,7 @@
           <p:cNvPr id="5" name="Rectangle 4">
             <a:extLst>
               <a:ext uri="{FF2B5EF4-FFF2-40B4-BE49-F238E27FC236}">
-                <a16:creationId xmlns:a16="http://schemas.microsoft.com/office/drawing/2014/main" id="{BFF8A18B-420E-48E8-9085-5720DB4BE0C4}"/>
+                <a16:creationId xmlns:a16="http://schemas.microsoft.com/office/drawing/2014/main" xmlns="" id="{BFF8A18B-420E-48E8-9085-5720DB4BE0C4}"/>
               </a:ext>
             </a:extLst>
           </p:cNvPr>
@@ -21255,7 +21511,7 @@
           <p:cNvPr id="6" name="Rectangle 5">
             <a:extLst>
               <a:ext uri="{FF2B5EF4-FFF2-40B4-BE49-F238E27FC236}">
-                <a16:creationId xmlns:a16="http://schemas.microsoft.com/office/drawing/2014/main" id="{6C3F0D56-2D88-4CEF-8D62-79A52D69208F}"/>
+                <a16:creationId xmlns:a16="http://schemas.microsoft.com/office/drawing/2014/main" xmlns="" id="{6C3F0D56-2D88-4CEF-8D62-79A52D69208F}"/>
               </a:ext>
             </a:extLst>
           </p:cNvPr>
@@ -21313,7 +21569,7 @@
           <p:cNvPr id="7" name="Oval 6">
             <a:extLst>
               <a:ext uri="{FF2B5EF4-FFF2-40B4-BE49-F238E27FC236}">
-                <a16:creationId xmlns:a16="http://schemas.microsoft.com/office/drawing/2014/main" id="{A1F4AD51-2207-40BE-B6CC-D781911DA499}"/>
+                <a16:creationId xmlns:a16="http://schemas.microsoft.com/office/drawing/2014/main" xmlns="" id="{A1F4AD51-2207-40BE-B6CC-D781911DA499}"/>
               </a:ext>
             </a:extLst>
           </p:cNvPr>
@@ -21360,7 +21616,7 @@
           <p:cNvPr id="8" name="Oval 7">
             <a:extLst>
               <a:ext uri="{FF2B5EF4-FFF2-40B4-BE49-F238E27FC236}">
-                <a16:creationId xmlns:a16="http://schemas.microsoft.com/office/drawing/2014/main" id="{39BB134E-A57E-43C8-9956-E8455A30526A}"/>
+                <a16:creationId xmlns:a16="http://schemas.microsoft.com/office/drawing/2014/main" xmlns="" id="{39BB134E-A57E-43C8-9956-E8455A30526A}"/>
               </a:ext>
             </a:extLst>
           </p:cNvPr>
@@ -21407,7 +21663,7 @@
           <p:cNvPr id="9" name="Oval 8">
             <a:extLst>
               <a:ext uri="{FF2B5EF4-FFF2-40B4-BE49-F238E27FC236}">
-                <a16:creationId xmlns:a16="http://schemas.microsoft.com/office/drawing/2014/main" id="{75934ABE-FF2D-4585-81A0-277457B3F2B4}"/>
+                <a16:creationId xmlns:a16="http://schemas.microsoft.com/office/drawing/2014/main" xmlns="" id="{75934ABE-FF2D-4585-81A0-277457B3F2B4}"/>
               </a:ext>
             </a:extLst>
           </p:cNvPr>
@@ -21457,7 +21713,7 @@
           <p:cNvPr id="10" name="Oval 9">
             <a:extLst>
               <a:ext uri="{FF2B5EF4-FFF2-40B4-BE49-F238E27FC236}">
-                <a16:creationId xmlns:a16="http://schemas.microsoft.com/office/drawing/2014/main" id="{20985F63-156A-46D7-8B3A-92FE67457CF0}"/>
+                <a16:creationId xmlns:a16="http://schemas.microsoft.com/office/drawing/2014/main" xmlns="" id="{20985F63-156A-46D7-8B3A-92FE67457CF0}"/>
               </a:ext>
             </a:extLst>
           </p:cNvPr>
@@ -21507,7 +21763,7 @@
           <p:cNvPr id="11" name="Rectangle 10">
             <a:extLst>
               <a:ext uri="{FF2B5EF4-FFF2-40B4-BE49-F238E27FC236}">
-                <a16:creationId xmlns:a16="http://schemas.microsoft.com/office/drawing/2014/main" id="{DE34AD6B-38D5-4729-9FDB-2276A2D0B385}"/>
+                <a16:creationId xmlns:a16="http://schemas.microsoft.com/office/drawing/2014/main" xmlns="" id="{DE34AD6B-38D5-4729-9FDB-2276A2D0B385}"/>
               </a:ext>
             </a:extLst>
           </p:cNvPr>
@@ -21554,7 +21810,7 @@
           <p:cNvPr id="12" name="Rectangle: Top Corners Snipped 11">
             <a:extLst>
               <a:ext uri="{FF2B5EF4-FFF2-40B4-BE49-F238E27FC236}">
-                <a16:creationId xmlns:a16="http://schemas.microsoft.com/office/drawing/2014/main" id="{C1F18544-8899-4832-AFF5-8D6FD762A223}"/>
+                <a16:creationId xmlns:a16="http://schemas.microsoft.com/office/drawing/2014/main" xmlns="" id="{C1F18544-8899-4832-AFF5-8D6FD762A223}"/>
               </a:ext>
             </a:extLst>
           </p:cNvPr>
@@ -21600,7 +21856,7 @@
           <p:cNvPr id="13" name="Straight Connector 12">
             <a:extLst>
               <a:ext uri="{FF2B5EF4-FFF2-40B4-BE49-F238E27FC236}">
-                <a16:creationId xmlns:a16="http://schemas.microsoft.com/office/drawing/2014/main" id="{E3334355-91F3-4011-8EB5-51CB946DDB73}"/>
+                <a16:creationId xmlns:a16="http://schemas.microsoft.com/office/drawing/2014/main" xmlns="" id="{E3334355-91F3-4011-8EB5-51CB946DDB73}"/>
               </a:ext>
             </a:extLst>
           </p:cNvPr>
@@ -21645,7 +21901,7 @@
           <p:cNvPr id="14" name="Straight Connector 13">
             <a:extLst>
               <a:ext uri="{FF2B5EF4-FFF2-40B4-BE49-F238E27FC236}">
-                <a16:creationId xmlns:a16="http://schemas.microsoft.com/office/drawing/2014/main" id="{B81227DC-9411-444A-A2B1-51B276279A30}"/>
+                <a16:creationId xmlns:a16="http://schemas.microsoft.com/office/drawing/2014/main" xmlns="" id="{B81227DC-9411-444A-A2B1-51B276279A30}"/>
               </a:ext>
             </a:extLst>
           </p:cNvPr>
@@ -21690,7 +21946,7 @@
           <p:cNvPr id="15" name="Straight Connector 14">
             <a:extLst>
               <a:ext uri="{FF2B5EF4-FFF2-40B4-BE49-F238E27FC236}">
-                <a16:creationId xmlns:a16="http://schemas.microsoft.com/office/drawing/2014/main" id="{C4172558-5015-44B9-9301-A86B6DE9FE71}"/>
+                <a16:creationId xmlns:a16="http://schemas.microsoft.com/office/drawing/2014/main" xmlns="" id="{C4172558-5015-44B9-9301-A86B6DE9FE71}"/>
               </a:ext>
             </a:extLst>
           </p:cNvPr>
@@ -21735,7 +21991,7 @@
           <p:cNvPr id="16" name="Straight Connector 22">
             <a:extLst>
               <a:ext uri="{FF2B5EF4-FFF2-40B4-BE49-F238E27FC236}">
-                <a16:creationId xmlns:a16="http://schemas.microsoft.com/office/drawing/2014/main" id="{047F6527-5FAF-48A4-AEFD-A176D70951DD}"/>
+                <a16:creationId xmlns:a16="http://schemas.microsoft.com/office/drawing/2014/main" xmlns="" id="{047F6527-5FAF-48A4-AEFD-A176D70951DD}"/>
               </a:ext>
             </a:extLst>
           </p:cNvPr>
@@ -21780,7 +22036,7 @@
           <p:cNvPr id="17" name="Straight Connector 26">
             <a:extLst>
               <a:ext uri="{FF2B5EF4-FFF2-40B4-BE49-F238E27FC236}">
-                <a16:creationId xmlns:a16="http://schemas.microsoft.com/office/drawing/2014/main" id="{8D91F46D-4B6E-4996-A47B-4EBBE770172B}"/>
+                <a16:creationId xmlns:a16="http://schemas.microsoft.com/office/drawing/2014/main" xmlns="" id="{8D91F46D-4B6E-4996-A47B-4EBBE770172B}"/>
               </a:ext>
             </a:extLst>
           </p:cNvPr>
@@ -21828,7 +22084,7 @@
           <p:cNvPr id="18" name="Straight Connector 32">
             <a:extLst>
               <a:ext uri="{FF2B5EF4-FFF2-40B4-BE49-F238E27FC236}">
-                <a16:creationId xmlns:a16="http://schemas.microsoft.com/office/drawing/2014/main" id="{56487288-25A0-487C-9F73-BA0D8A17D7D4}"/>
+                <a16:creationId xmlns:a16="http://schemas.microsoft.com/office/drawing/2014/main" xmlns="" id="{56487288-25A0-487C-9F73-BA0D8A17D7D4}"/>
               </a:ext>
             </a:extLst>
           </p:cNvPr>
@@ -21877,7 +22133,7 @@
           <p:cNvPr id="19" name="Rectangle 18">
             <a:extLst>
               <a:ext uri="{FF2B5EF4-FFF2-40B4-BE49-F238E27FC236}">
-                <a16:creationId xmlns:a16="http://schemas.microsoft.com/office/drawing/2014/main" id="{97947089-CCA8-4462-9CC4-0A10BABC350A}"/>
+                <a16:creationId xmlns:a16="http://schemas.microsoft.com/office/drawing/2014/main" xmlns="" id="{97947089-CCA8-4462-9CC4-0A10BABC350A}"/>
               </a:ext>
             </a:extLst>
           </p:cNvPr>
@@ -21940,7 +22196,7 @@
           <p:cNvPr id="20" name="Rectangle 19">
             <a:extLst>
               <a:ext uri="{FF2B5EF4-FFF2-40B4-BE49-F238E27FC236}">
-                <a16:creationId xmlns:a16="http://schemas.microsoft.com/office/drawing/2014/main" id="{52157B9E-E23B-4C7F-94B5-834E4F76627C}"/>
+                <a16:creationId xmlns:a16="http://schemas.microsoft.com/office/drawing/2014/main" xmlns="" id="{52157B9E-E23B-4C7F-94B5-834E4F76627C}"/>
               </a:ext>
             </a:extLst>
           </p:cNvPr>
@@ -21998,7 +22254,7 @@
           <p:cNvPr id="21" name="Rectangle 20">
             <a:extLst>
               <a:ext uri="{FF2B5EF4-FFF2-40B4-BE49-F238E27FC236}">
-                <a16:creationId xmlns:a16="http://schemas.microsoft.com/office/drawing/2014/main" id="{D8C09EAD-1031-406A-97AB-3D7D33192470}"/>
+                <a16:creationId xmlns:a16="http://schemas.microsoft.com/office/drawing/2014/main" xmlns="" id="{D8C09EAD-1031-406A-97AB-3D7D33192470}"/>
               </a:ext>
             </a:extLst>
           </p:cNvPr>
@@ -22055,7 +22311,7 @@
           <p:cNvPr id="22" name="Rectangle 21">
             <a:extLst>
               <a:ext uri="{FF2B5EF4-FFF2-40B4-BE49-F238E27FC236}">
-                <a16:creationId xmlns:a16="http://schemas.microsoft.com/office/drawing/2014/main" id="{87CF48E3-3B93-41E9-A967-2B2691C6BBFF}"/>
+                <a16:creationId xmlns:a16="http://schemas.microsoft.com/office/drawing/2014/main" xmlns="" id="{87CF48E3-3B93-41E9-A967-2B2691C6BBFF}"/>
               </a:ext>
             </a:extLst>
           </p:cNvPr>
@@ -22118,7 +22374,7 @@
           <p:cNvPr id="23" name="Rectangle 22">
             <a:extLst>
               <a:ext uri="{FF2B5EF4-FFF2-40B4-BE49-F238E27FC236}">
-                <a16:creationId xmlns:a16="http://schemas.microsoft.com/office/drawing/2014/main" id="{C76D2638-471D-449D-8FE4-C5B74786300A}"/>
+                <a16:creationId xmlns:a16="http://schemas.microsoft.com/office/drawing/2014/main" xmlns="" id="{C76D2638-471D-449D-8FE4-C5B74786300A}"/>
               </a:ext>
             </a:extLst>
           </p:cNvPr>
@@ -22181,7 +22437,7 @@
           <p:cNvPr id="24" name="Rectangle 23">
             <a:extLst>
               <a:ext uri="{FF2B5EF4-FFF2-40B4-BE49-F238E27FC236}">
-                <a16:creationId xmlns:a16="http://schemas.microsoft.com/office/drawing/2014/main" id="{1F7E6B52-1DEB-4092-9D70-FAC8AECAC8E8}"/>
+                <a16:creationId xmlns:a16="http://schemas.microsoft.com/office/drawing/2014/main" xmlns="" id="{1F7E6B52-1DEB-4092-9D70-FAC8AECAC8E8}"/>
               </a:ext>
             </a:extLst>
           </p:cNvPr>
@@ -22244,7 +22500,7 @@
           <p:cNvPr id="25" name="Rectangle 24">
             <a:extLst>
               <a:ext uri="{FF2B5EF4-FFF2-40B4-BE49-F238E27FC236}">
-                <a16:creationId xmlns:a16="http://schemas.microsoft.com/office/drawing/2014/main" id="{72B6E4D7-8FFE-4991-A1DB-CCE8EFBE6880}"/>
+                <a16:creationId xmlns:a16="http://schemas.microsoft.com/office/drawing/2014/main" xmlns="" id="{72B6E4D7-8FFE-4991-A1DB-CCE8EFBE6880}"/>
               </a:ext>
             </a:extLst>
           </p:cNvPr>
@@ -22307,7 +22563,7 @@
           <p:cNvPr id="26" name="Rectangle 25">
             <a:extLst>
               <a:ext uri="{FF2B5EF4-FFF2-40B4-BE49-F238E27FC236}">
-                <a16:creationId xmlns:a16="http://schemas.microsoft.com/office/drawing/2014/main" id="{FCDB9445-0B63-4E11-BCFC-A3CF34152240}"/>
+                <a16:creationId xmlns:a16="http://schemas.microsoft.com/office/drawing/2014/main" xmlns="" id="{FCDB9445-0B63-4E11-BCFC-A3CF34152240}"/>
               </a:ext>
             </a:extLst>
           </p:cNvPr>
@@ -22370,7 +22626,7 @@
           <p:cNvPr id="27" name="Rectangle 26">
             <a:extLst>
               <a:ext uri="{FF2B5EF4-FFF2-40B4-BE49-F238E27FC236}">
-                <a16:creationId xmlns:a16="http://schemas.microsoft.com/office/drawing/2014/main" id="{46D47AB8-0719-4155-989F-6354168CA6C5}"/>
+                <a16:creationId xmlns:a16="http://schemas.microsoft.com/office/drawing/2014/main" xmlns="" id="{46D47AB8-0719-4155-989F-6354168CA6C5}"/>
               </a:ext>
             </a:extLst>
           </p:cNvPr>
@@ -22417,7 +22673,7 @@
           <p:cNvPr id="28" name="Rectangle 27">
             <a:extLst>
               <a:ext uri="{FF2B5EF4-FFF2-40B4-BE49-F238E27FC236}">
-                <a16:creationId xmlns:a16="http://schemas.microsoft.com/office/drawing/2014/main" id="{F94BC0FC-000E-4B60-97A1-0A66C9F60D2B}"/>
+                <a16:creationId xmlns:a16="http://schemas.microsoft.com/office/drawing/2014/main" xmlns="" id="{F94BC0FC-000E-4B60-97A1-0A66C9F60D2B}"/>
               </a:ext>
             </a:extLst>
           </p:cNvPr>
@@ -22480,7 +22736,7 @@
           <p:cNvPr id="29" name="Rectangle 28">
             <a:extLst>
               <a:ext uri="{FF2B5EF4-FFF2-40B4-BE49-F238E27FC236}">
-                <a16:creationId xmlns:a16="http://schemas.microsoft.com/office/drawing/2014/main" id="{B18C415F-539F-49F9-8947-1C79FE497AE5}"/>
+                <a16:creationId xmlns:a16="http://schemas.microsoft.com/office/drawing/2014/main" xmlns="" id="{B18C415F-539F-49F9-8947-1C79FE497AE5}"/>
               </a:ext>
             </a:extLst>
           </p:cNvPr>
@@ -22527,7 +22783,7 @@
           <p:cNvPr id="30" name="Rectangle 29">
             <a:extLst>
               <a:ext uri="{FF2B5EF4-FFF2-40B4-BE49-F238E27FC236}">
-                <a16:creationId xmlns:a16="http://schemas.microsoft.com/office/drawing/2014/main" id="{1ACC192A-6B3B-471A-AC64-6AA6B3F1DC4B}"/>
+                <a16:creationId xmlns:a16="http://schemas.microsoft.com/office/drawing/2014/main" xmlns="" id="{1ACC192A-6B3B-471A-AC64-6AA6B3F1DC4B}"/>
               </a:ext>
             </a:extLst>
           </p:cNvPr>
@@ -22590,7 +22846,7 @@
           <p:cNvPr id="31" name="TextBox 30">
             <a:extLst>
               <a:ext uri="{FF2B5EF4-FFF2-40B4-BE49-F238E27FC236}">
-                <a16:creationId xmlns:a16="http://schemas.microsoft.com/office/drawing/2014/main" id="{CE527E09-2D90-4081-88E4-248B9F1C9184}"/>
+                <a16:creationId xmlns:a16="http://schemas.microsoft.com/office/drawing/2014/main" xmlns="" id="{CE527E09-2D90-4081-88E4-248B9F1C9184}"/>
               </a:ext>
             </a:extLst>
           </p:cNvPr>
@@ -22901,7 +23157,7 @@
           <p:cNvPr id="32" name="Rectangle 31">
             <a:extLst>
               <a:ext uri="{FF2B5EF4-FFF2-40B4-BE49-F238E27FC236}">
-                <a16:creationId xmlns:a16="http://schemas.microsoft.com/office/drawing/2014/main" id="{BE5BFA10-3EF0-46B1-B06D-02AEAA4A1F4B}"/>
+                <a16:creationId xmlns:a16="http://schemas.microsoft.com/office/drawing/2014/main" xmlns="" id="{BE5BFA10-3EF0-46B1-B06D-02AEAA4A1F4B}"/>
               </a:ext>
             </a:extLst>
           </p:cNvPr>
@@ -22948,7 +23204,7 @@
           <p:cNvPr id="34" name="Rectangle 33">
             <a:extLst>
               <a:ext uri="{FF2B5EF4-FFF2-40B4-BE49-F238E27FC236}">
-                <a16:creationId xmlns:a16="http://schemas.microsoft.com/office/drawing/2014/main" id="{A6247405-3D93-42AB-8544-BF8D6CE5058E}"/>
+                <a16:creationId xmlns:a16="http://schemas.microsoft.com/office/drawing/2014/main" xmlns="" id="{A6247405-3D93-42AB-8544-BF8D6CE5058E}"/>
               </a:ext>
             </a:extLst>
           </p:cNvPr>
@@ -23043,7 +23299,7 @@
           <p:cNvPr id="35" name="Rectangle 34">
             <a:extLst>
               <a:ext uri="{FF2B5EF4-FFF2-40B4-BE49-F238E27FC236}">
-                <a16:creationId xmlns:a16="http://schemas.microsoft.com/office/drawing/2014/main" id="{65135CC0-B236-4162-97E8-C8C6D71CE038}"/>
+                <a16:creationId xmlns:a16="http://schemas.microsoft.com/office/drawing/2014/main" xmlns="" id="{65135CC0-B236-4162-97E8-C8C6D71CE038}"/>
               </a:ext>
             </a:extLst>
           </p:cNvPr>
@@ -23122,7 +23378,7 @@
           <p:cNvPr id="36" name="Rectangle 35">
             <a:extLst>
               <a:ext uri="{FF2B5EF4-FFF2-40B4-BE49-F238E27FC236}">
-                <a16:creationId xmlns:a16="http://schemas.microsoft.com/office/drawing/2014/main" id="{7F80DF1B-3215-4C7E-9D8F-46A5A1DE5CD2}"/>
+                <a16:creationId xmlns:a16="http://schemas.microsoft.com/office/drawing/2014/main" xmlns="" id="{7F80DF1B-3215-4C7E-9D8F-46A5A1DE5CD2}"/>
               </a:ext>
             </a:extLst>
           </p:cNvPr>
@@ -23176,7 +23432,7 @@
           <p:cNvPr id="37" name="Rectangle 36">
             <a:extLst>
               <a:ext uri="{FF2B5EF4-FFF2-40B4-BE49-F238E27FC236}">
-                <a16:creationId xmlns:a16="http://schemas.microsoft.com/office/drawing/2014/main" id="{5415CD44-1B6A-4ADD-93F9-38AB0D03C270}"/>
+                <a16:creationId xmlns:a16="http://schemas.microsoft.com/office/drawing/2014/main" xmlns="" id="{5415CD44-1B6A-4ADD-93F9-38AB0D03C270}"/>
               </a:ext>
             </a:extLst>
           </p:cNvPr>
@@ -23223,7 +23479,7 @@
           <p:cNvPr id="38" name="Straight Connector 32">
             <a:extLst>
               <a:ext uri="{FF2B5EF4-FFF2-40B4-BE49-F238E27FC236}">
-                <a16:creationId xmlns:a16="http://schemas.microsoft.com/office/drawing/2014/main" id="{CB94ABC8-6418-4147-8C5D-7D7C1539A759}"/>
+                <a16:creationId xmlns:a16="http://schemas.microsoft.com/office/drawing/2014/main" xmlns="" id="{CB94ABC8-6418-4147-8C5D-7D7C1539A759}"/>
               </a:ext>
             </a:extLst>
           </p:cNvPr>
@@ -23271,7 +23527,7 @@
           <p:cNvPr id="43" name="Rectangle 42">
             <a:extLst>
               <a:ext uri="{FF2B5EF4-FFF2-40B4-BE49-F238E27FC236}">
-                <a16:creationId xmlns:a16="http://schemas.microsoft.com/office/drawing/2014/main" id="{B2DF9162-79CB-4B5A-86C6-66EA9689D279}"/>
+                <a16:creationId xmlns:a16="http://schemas.microsoft.com/office/drawing/2014/main" xmlns="" id="{B2DF9162-79CB-4B5A-86C6-66EA9689D279}"/>
               </a:ext>
             </a:extLst>
           </p:cNvPr>
@@ -23321,7 +23577,7 @@
           <p:cNvPr id="47" name="Straight Arrow Connector 46">
             <a:extLst>
               <a:ext uri="{FF2B5EF4-FFF2-40B4-BE49-F238E27FC236}">
-                <a16:creationId xmlns:a16="http://schemas.microsoft.com/office/drawing/2014/main" id="{161F06E3-A86F-4CB4-8FAF-7138EB26F9F5}"/>
+                <a16:creationId xmlns:a16="http://schemas.microsoft.com/office/drawing/2014/main" xmlns="" id="{161F06E3-A86F-4CB4-8FAF-7138EB26F9F5}"/>
               </a:ext>
             </a:extLst>
           </p:cNvPr>
@@ -23365,7 +23621,7 @@
           <p:cNvPr id="48" name="Rectangle 47">
             <a:extLst>
               <a:ext uri="{FF2B5EF4-FFF2-40B4-BE49-F238E27FC236}">
-                <a16:creationId xmlns:a16="http://schemas.microsoft.com/office/drawing/2014/main" id="{459C8B4E-5019-4C2B-8238-EC85EA728ED1}"/>
+                <a16:creationId xmlns:a16="http://schemas.microsoft.com/office/drawing/2014/main" xmlns="" id="{459C8B4E-5019-4C2B-8238-EC85EA728ED1}"/>
               </a:ext>
             </a:extLst>
           </p:cNvPr>
@@ -23415,7 +23671,7 @@
           <p:cNvPr id="42" name="TextBox 41">
             <a:extLst>
               <a:ext uri="{FF2B5EF4-FFF2-40B4-BE49-F238E27FC236}">
-                <a16:creationId xmlns:a16="http://schemas.microsoft.com/office/drawing/2014/main" id="{8FA6D670-28AE-4194-8A5C-F8875F0868A9}"/>
+                <a16:creationId xmlns:a16="http://schemas.microsoft.com/office/drawing/2014/main" xmlns="" id="{8FA6D670-28AE-4194-8A5C-F8875F0868A9}"/>
               </a:ext>
             </a:extLst>
           </p:cNvPr>
@@ -23515,7 +23771,7 @@
           <p:cNvPr id="6" name="Rectangle 5">
             <a:extLst>
               <a:ext uri="{FF2B5EF4-FFF2-40B4-BE49-F238E27FC236}">
-                <a16:creationId xmlns:a16="http://schemas.microsoft.com/office/drawing/2014/main" id="{C641E861-7C41-429F-8945-5631EB535E77}"/>
+                <a16:creationId xmlns:a16="http://schemas.microsoft.com/office/drawing/2014/main" xmlns="" id="{C641E861-7C41-429F-8945-5631EB535E77}"/>
               </a:ext>
             </a:extLst>
           </p:cNvPr>
@@ -23564,7 +23820,7 @@
           <p:cNvPr id="8" name="TextBox 7">
             <a:extLst>
               <a:ext uri="{FF2B5EF4-FFF2-40B4-BE49-F238E27FC236}">
-                <a16:creationId xmlns:a16="http://schemas.microsoft.com/office/drawing/2014/main" id="{A547A40C-67A3-4A85-80E9-05B56113BBB6}"/>
+                <a16:creationId xmlns:a16="http://schemas.microsoft.com/office/drawing/2014/main" xmlns="" id="{A547A40C-67A3-4A85-80E9-05B56113BBB6}"/>
               </a:ext>
             </a:extLst>
           </p:cNvPr>
@@ -23613,7 +23869,7 @@
           <p:cNvPr id="5" name="TextBox 4">
             <a:extLst>
               <a:ext uri="{FF2B5EF4-FFF2-40B4-BE49-F238E27FC236}">
-                <a16:creationId xmlns:a16="http://schemas.microsoft.com/office/drawing/2014/main" id="{C7ABF572-132D-4617-896C-AE6E03375CDD}"/>
+                <a16:creationId xmlns:a16="http://schemas.microsoft.com/office/drawing/2014/main" xmlns="" id="{C7ABF572-132D-4617-896C-AE6E03375CDD}"/>
               </a:ext>
             </a:extLst>
           </p:cNvPr>
@@ -23649,7 +23905,7 @@
           <p:cNvPr id="7" name="Rectangle 6">
             <a:extLst>
               <a:ext uri="{FF2B5EF4-FFF2-40B4-BE49-F238E27FC236}">
-                <a16:creationId xmlns:a16="http://schemas.microsoft.com/office/drawing/2014/main" id="{93CE2FBA-0967-45E0-8F26-DD4D89E2AB8B}"/>
+                <a16:creationId xmlns:a16="http://schemas.microsoft.com/office/drawing/2014/main" xmlns="" id="{93CE2FBA-0967-45E0-8F26-DD4D89E2AB8B}"/>
               </a:ext>
             </a:extLst>
           </p:cNvPr>
@@ -23861,7 +24117,7 @@
           <p:cNvPr id="4" name="Footer Placeholder 3">
             <a:extLst>
               <a:ext uri="{FF2B5EF4-FFF2-40B4-BE49-F238E27FC236}">
-                <a16:creationId xmlns:a16="http://schemas.microsoft.com/office/drawing/2014/main" id="{07E2D70D-CFC4-48EA-A48B-3EC4341B5EF3}"/>
+                <a16:creationId xmlns:a16="http://schemas.microsoft.com/office/drawing/2014/main" xmlns="" id="{07E2D70D-CFC4-48EA-A48B-3EC4341B5EF3}"/>
               </a:ext>
             </a:extLst>
           </p:cNvPr>
@@ -24059,676 +24315,10 @@
       </p:sp>
       <p:sp>
         <p:nvSpPr>
-          <p:cNvPr id="6" name="Google Shape;1410;p50">
-            <a:extLst>
-              <a:ext uri="{FF2B5EF4-FFF2-40B4-BE49-F238E27FC236}">
-                <a16:creationId xmlns:a16="http://schemas.microsoft.com/office/drawing/2014/main" id="{9794243D-623E-4E32-853C-9F365A085024}"/>
-              </a:ext>
-            </a:extLst>
-          </p:cNvPr>
-          <p:cNvSpPr txBox="1">
-            <a:spLocks noChangeArrowheads="1"/>
-          </p:cNvSpPr>
-          <p:nvPr/>
-        </p:nvSpPr>
-        <p:spPr bwMode="auto">
-          <a:xfrm>
-            <a:off x="2427288" y="3354388"/>
-            <a:ext cx="2206625" cy="481012"/>
-          </a:xfrm>
-          <a:prstGeom prst="rect">
-            <a:avLst/>
-          </a:prstGeom>
-          <a:noFill/>
-          <a:ln>
-            <a:noFill/>
-          </a:ln>
-          <a:extLst>
-            <a:ext uri="{909E8E84-426E-40DD-AFC4-6F175D3DCCD1}">
-              <a14:hiddenFill xmlns:a14="http://schemas.microsoft.com/office/drawing/2010/main">
-                <a:solidFill>
-                  <a:srgbClr val="FFFFFF"/>
-                </a:solidFill>
-              </a14:hiddenFill>
-            </a:ext>
-            <a:ext uri="{91240B29-F687-4F45-9708-019B960494DF}">
-              <a14:hiddenLine xmlns:a14="http://schemas.microsoft.com/office/drawing/2010/main" w="9525">
-                <a:solidFill>
-                  <a:srgbClr val="000000"/>
-                </a:solidFill>
-                <a:miter lim="800000"/>
-                <a:headEnd/>
-                <a:tailEnd/>
-              </a14:hiddenLine>
-            </a:ext>
-          </a:extLst>
-        </p:spPr>
-        <p:txBody>
-          <a:bodyPr lIns="0" tIns="0" rIns="0" bIns="0"/>
-          <a:lstStyle>
-            <a:lvl1pPr>
-              <a:defRPr>
-                <a:solidFill>
-                  <a:schemeClr val="tx1"/>
-                </a:solidFill>
-                <a:latin typeface="Arial" panose="020B0604020202020204" pitchFamily="34" charset="0"/>
-              </a:defRPr>
-            </a:lvl1pPr>
-            <a:lvl2pPr marL="742950" indent="-285750">
-              <a:defRPr>
-                <a:solidFill>
-                  <a:schemeClr val="tx1"/>
-                </a:solidFill>
-                <a:latin typeface="Arial" panose="020B0604020202020204" pitchFamily="34" charset="0"/>
-              </a:defRPr>
-            </a:lvl2pPr>
-            <a:lvl3pPr marL="1143000" indent="-228600">
-              <a:defRPr>
-                <a:solidFill>
-                  <a:schemeClr val="tx1"/>
-                </a:solidFill>
-                <a:latin typeface="Arial" panose="020B0604020202020204" pitchFamily="34" charset="0"/>
-              </a:defRPr>
-            </a:lvl3pPr>
-            <a:lvl4pPr marL="1600200" indent="-228600">
-              <a:defRPr>
-                <a:solidFill>
-                  <a:schemeClr val="tx1"/>
-                </a:solidFill>
-                <a:latin typeface="Arial" panose="020B0604020202020204" pitchFamily="34" charset="0"/>
-              </a:defRPr>
-            </a:lvl4pPr>
-            <a:lvl5pPr marL="2057400" indent="-228600">
-              <a:defRPr>
-                <a:solidFill>
-                  <a:schemeClr val="tx1"/>
-                </a:solidFill>
-                <a:latin typeface="Arial" panose="020B0604020202020204" pitchFamily="34" charset="0"/>
-              </a:defRPr>
-            </a:lvl5pPr>
-            <a:lvl6pPr marL="2514600" indent="-228600" defTabSz="457200" eaLnBrk="0" fontAlgn="base" hangingPunct="0">
-              <a:spcBef>
-                <a:spcPct val="0"/>
-              </a:spcBef>
-              <a:spcAft>
-                <a:spcPct val="0"/>
-              </a:spcAft>
-              <a:defRPr>
-                <a:solidFill>
-                  <a:schemeClr val="tx1"/>
-                </a:solidFill>
-                <a:latin typeface="Arial" panose="020B0604020202020204" pitchFamily="34" charset="0"/>
-              </a:defRPr>
-            </a:lvl6pPr>
-            <a:lvl7pPr marL="2971800" indent="-228600" defTabSz="457200" eaLnBrk="0" fontAlgn="base" hangingPunct="0">
-              <a:spcBef>
-                <a:spcPct val="0"/>
-              </a:spcBef>
-              <a:spcAft>
-                <a:spcPct val="0"/>
-              </a:spcAft>
-              <a:defRPr>
-                <a:solidFill>
-                  <a:schemeClr val="tx1"/>
-                </a:solidFill>
-                <a:latin typeface="Arial" panose="020B0604020202020204" pitchFamily="34" charset="0"/>
-              </a:defRPr>
-            </a:lvl7pPr>
-            <a:lvl8pPr marL="3429000" indent="-228600" defTabSz="457200" eaLnBrk="0" fontAlgn="base" hangingPunct="0">
-              <a:spcBef>
-                <a:spcPct val="0"/>
-              </a:spcBef>
-              <a:spcAft>
-                <a:spcPct val="0"/>
-              </a:spcAft>
-              <a:defRPr>
-                <a:solidFill>
-                  <a:schemeClr val="tx1"/>
-                </a:solidFill>
-                <a:latin typeface="Arial" panose="020B0604020202020204" pitchFamily="34" charset="0"/>
-              </a:defRPr>
-            </a:lvl8pPr>
-            <a:lvl9pPr marL="3886200" indent="-228600" defTabSz="457200" eaLnBrk="0" fontAlgn="base" hangingPunct="0">
-              <a:spcBef>
-                <a:spcPct val="0"/>
-              </a:spcBef>
-              <a:spcAft>
-                <a:spcPct val="0"/>
-              </a:spcAft>
-              <a:defRPr>
-                <a:solidFill>
-                  <a:schemeClr val="tx1"/>
-                </a:solidFill>
-                <a:latin typeface="Arial" panose="020B0604020202020204" pitchFamily="34" charset="0"/>
-              </a:defRPr>
-            </a:lvl9pPr>
-          </a:lstStyle>
-          <a:p>
-            <a:pPr algn="ctr" eaLnBrk="1" hangingPunct="1"/>
-            <a:r>
-              <a:rPr lang="en-US" altLang="en-US" sz="1200">
-                <a:solidFill>
-                  <a:srgbClr val="434343"/>
-                </a:solidFill>
-                <a:latin typeface="Montserrat" charset="0"/>
-                <a:cs typeface="Montserrat" charset="0"/>
-                <a:sym typeface="Montserrat" charset="0"/>
-              </a:rPr>
-              <a:t>MAPPING THE SEWAGE LINES </a:t>
-            </a:r>
-          </a:p>
-        </p:txBody>
-      </p:sp>
-      <p:pic>
-        <p:nvPicPr>
-          <p:cNvPr id="7" name="Graphic 5">
-            <a:extLst>
-              <a:ext uri="{FF2B5EF4-FFF2-40B4-BE49-F238E27FC236}">
-                <a16:creationId xmlns:a16="http://schemas.microsoft.com/office/drawing/2014/main" id="{6CE15C72-460F-497B-BA0C-74BD21AA4094}"/>
-              </a:ext>
-            </a:extLst>
-          </p:cNvPr>
-          <p:cNvPicPr>
-            <a:picLocks noChangeAspect="1" noChangeArrowheads="1"/>
-          </p:cNvPicPr>
-          <p:nvPr/>
-        </p:nvPicPr>
-        <p:blipFill>
-          <a:blip r:embed="rId3">
-            <a:extLst>
-              <a:ext uri="{28A0092B-C50C-407E-A947-70E740481C1C}">
-                <a14:useLocalDpi xmlns:a14="http://schemas.microsoft.com/office/drawing/2010/main" val="0"/>
-              </a:ext>
-            </a:extLst>
-          </a:blip>
-          <a:srcRect/>
-          <a:stretch>
-            <a:fillRect/>
-          </a:stretch>
-        </p:blipFill>
-        <p:spPr bwMode="auto">
-          <a:xfrm>
-            <a:off x="2828925" y="1720850"/>
-            <a:ext cx="1403350" cy="1403350"/>
-          </a:xfrm>
-          <a:prstGeom prst="rect">
-            <a:avLst/>
-          </a:prstGeom>
-          <a:noFill/>
-          <a:ln>
-            <a:noFill/>
-          </a:ln>
-          <a:extLst>
-            <a:ext uri="{909E8E84-426E-40DD-AFC4-6F175D3DCCD1}">
-              <a14:hiddenFill xmlns:a14="http://schemas.microsoft.com/office/drawing/2010/main">
-                <a:solidFill>
-                  <a:srgbClr val="FFFFFF"/>
-                </a:solidFill>
-              </a14:hiddenFill>
-            </a:ext>
-            <a:ext uri="{91240B29-F687-4F45-9708-019B960494DF}">
-              <a14:hiddenLine xmlns:a14="http://schemas.microsoft.com/office/drawing/2010/main" w="9525">
-                <a:solidFill>
-                  <a:srgbClr val="000000"/>
-                </a:solidFill>
-                <a:miter lim="800000"/>
-                <a:headEnd/>
-                <a:tailEnd/>
-              </a14:hiddenLine>
-            </a:ext>
-          </a:extLst>
-        </p:spPr>
-      </p:pic>
-      <p:pic>
-        <p:nvPicPr>
-          <p:cNvPr id="8" name="Graphic 6">
-            <a:extLst>
-              <a:ext uri="{FF2B5EF4-FFF2-40B4-BE49-F238E27FC236}">
-                <a16:creationId xmlns:a16="http://schemas.microsoft.com/office/drawing/2014/main" id="{A148CA3B-D6FE-48C0-8658-75FA4F568462}"/>
-              </a:ext>
-            </a:extLst>
-          </p:cNvPr>
-          <p:cNvPicPr>
-            <a:picLocks noChangeAspect="1" noChangeArrowheads="1"/>
-          </p:cNvPicPr>
-          <p:nvPr/>
-        </p:nvPicPr>
-        <p:blipFill>
-          <a:blip r:embed="rId4">
-            <a:extLst>
-              <a:ext uri="{28A0092B-C50C-407E-A947-70E740481C1C}">
-                <a14:useLocalDpi xmlns:a14="http://schemas.microsoft.com/office/drawing/2010/main" val="0"/>
-              </a:ext>
-            </a:extLst>
-          </a:blip>
-          <a:srcRect/>
-          <a:stretch>
-            <a:fillRect/>
-          </a:stretch>
-        </p:blipFill>
-        <p:spPr bwMode="auto">
-          <a:xfrm>
-            <a:off x="7961313" y="1839268"/>
-            <a:ext cx="1401762" cy="1403350"/>
-          </a:xfrm>
-          <a:prstGeom prst="rect">
-            <a:avLst/>
-          </a:prstGeom>
-          <a:noFill/>
-          <a:ln>
-            <a:noFill/>
-          </a:ln>
-          <a:extLst>
-            <a:ext uri="{909E8E84-426E-40DD-AFC4-6F175D3DCCD1}">
-              <a14:hiddenFill xmlns:a14="http://schemas.microsoft.com/office/drawing/2010/main">
-                <a:solidFill>
-                  <a:srgbClr val="FFFFFF"/>
-                </a:solidFill>
-              </a14:hiddenFill>
-            </a:ext>
-            <a:ext uri="{91240B29-F687-4F45-9708-019B960494DF}">
-              <a14:hiddenLine xmlns:a14="http://schemas.microsoft.com/office/drawing/2010/main" w="9525">
-                <a:solidFill>
-                  <a:srgbClr val="000000"/>
-                </a:solidFill>
-                <a:miter lim="800000"/>
-                <a:headEnd/>
-                <a:tailEnd/>
-              </a14:hiddenLine>
-            </a:ext>
-          </a:extLst>
-        </p:spPr>
-      </p:pic>
-      <p:sp>
-        <p:nvSpPr>
-          <p:cNvPr id="9" name="Google Shape;1410;p50">
-            <a:extLst>
-              <a:ext uri="{FF2B5EF4-FFF2-40B4-BE49-F238E27FC236}">
-                <a16:creationId xmlns:a16="http://schemas.microsoft.com/office/drawing/2014/main" id="{849AD0C9-489A-401D-B988-0180A183DF10}"/>
-              </a:ext>
-            </a:extLst>
-          </p:cNvPr>
-          <p:cNvSpPr txBox="1">
-            <a:spLocks noChangeArrowheads="1"/>
-          </p:cNvSpPr>
-          <p:nvPr/>
-        </p:nvSpPr>
-        <p:spPr bwMode="auto">
-          <a:xfrm>
-            <a:off x="7908925" y="3369627"/>
-            <a:ext cx="1506538" cy="371475"/>
-          </a:xfrm>
-          <a:prstGeom prst="rect">
-            <a:avLst/>
-          </a:prstGeom>
-          <a:noFill/>
-          <a:ln>
-            <a:noFill/>
-          </a:ln>
-          <a:extLst>
-            <a:ext uri="{909E8E84-426E-40DD-AFC4-6F175D3DCCD1}">
-              <a14:hiddenFill xmlns:a14="http://schemas.microsoft.com/office/drawing/2010/main">
-                <a:solidFill>
-                  <a:srgbClr val="FFFFFF"/>
-                </a:solidFill>
-              </a14:hiddenFill>
-            </a:ext>
-            <a:ext uri="{91240B29-F687-4F45-9708-019B960494DF}">
-              <a14:hiddenLine xmlns:a14="http://schemas.microsoft.com/office/drawing/2010/main" w="9525">
-                <a:solidFill>
-                  <a:srgbClr val="000000"/>
-                </a:solidFill>
-                <a:miter lim="800000"/>
-                <a:headEnd/>
-                <a:tailEnd/>
-              </a14:hiddenLine>
-            </a:ext>
-          </a:extLst>
-        </p:spPr>
-        <p:txBody>
-          <a:bodyPr lIns="0" tIns="0" rIns="0" bIns="0"/>
-          <a:lstStyle>
-            <a:lvl1pPr>
-              <a:defRPr>
-                <a:solidFill>
-                  <a:schemeClr val="tx1"/>
-                </a:solidFill>
-                <a:latin typeface="Arial" panose="020B0604020202020204" pitchFamily="34" charset="0"/>
-              </a:defRPr>
-            </a:lvl1pPr>
-            <a:lvl2pPr marL="742950" indent="-285750">
-              <a:defRPr>
-                <a:solidFill>
-                  <a:schemeClr val="tx1"/>
-                </a:solidFill>
-                <a:latin typeface="Arial" panose="020B0604020202020204" pitchFamily="34" charset="0"/>
-              </a:defRPr>
-            </a:lvl2pPr>
-            <a:lvl3pPr marL="1143000" indent="-228600">
-              <a:defRPr>
-                <a:solidFill>
-                  <a:schemeClr val="tx1"/>
-                </a:solidFill>
-                <a:latin typeface="Arial" panose="020B0604020202020204" pitchFamily="34" charset="0"/>
-              </a:defRPr>
-            </a:lvl3pPr>
-            <a:lvl4pPr marL="1600200" indent="-228600">
-              <a:defRPr>
-                <a:solidFill>
-                  <a:schemeClr val="tx1"/>
-                </a:solidFill>
-                <a:latin typeface="Arial" panose="020B0604020202020204" pitchFamily="34" charset="0"/>
-              </a:defRPr>
-            </a:lvl4pPr>
-            <a:lvl5pPr marL="2057400" indent="-228600">
-              <a:defRPr>
-                <a:solidFill>
-                  <a:schemeClr val="tx1"/>
-                </a:solidFill>
-                <a:latin typeface="Arial" panose="020B0604020202020204" pitchFamily="34" charset="0"/>
-              </a:defRPr>
-            </a:lvl5pPr>
-            <a:lvl6pPr marL="2514600" indent="-228600" defTabSz="457200" eaLnBrk="0" fontAlgn="base" hangingPunct="0">
-              <a:spcBef>
-                <a:spcPct val="0"/>
-              </a:spcBef>
-              <a:spcAft>
-                <a:spcPct val="0"/>
-              </a:spcAft>
-              <a:defRPr>
-                <a:solidFill>
-                  <a:schemeClr val="tx1"/>
-                </a:solidFill>
-                <a:latin typeface="Arial" panose="020B0604020202020204" pitchFamily="34" charset="0"/>
-              </a:defRPr>
-            </a:lvl6pPr>
-            <a:lvl7pPr marL="2971800" indent="-228600" defTabSz="457200" eaLnBrk="0" fontAlgn="base" hangingPunct="0">
-              <a:spcBef>
-                <a:spcPct val="0"/>
-              </a:spcBef>
-              <a:spcAft>
-                <a:spcPct val="0"/>
-              </a:spcAft>
-              <a:defRPr>
-                <a:solidFill>
-                  <a:schemeClr val="tx1"/>
-                </a:solidFill>
-                <a:latin typeface="Arial" panose="020B0604020202020204" pitchFamily="34" charset="0"/>
-              </a:defRPr>
-            </a:lvl7pPr>
-            <a:lvl8pPr marL="3429000" indent="-228600" defTabSz="457200" eaLnBrk="0" fontAlgn="base" hangingPunct="0">
-              <a:spcBef>
-                <a:spcPct val="0"/>
-              </a:spcBef>
-              <a:spcAft>
-                <a:spcPct val="0"/>
-              </a:spcAft>
-              <a:defRPr>
-                <a:solidFill>
-                  <a:schemeClr val="tx1"/>
-                </a:solidFill>
-                <a:latin typeface="Arial" panose="020B0604020202020204" pitchFamily="34" charset="0"/>
-              </a:defRPr>
-            </a:lvl8pPr>
-            <a:lvl9pPr marL="3886200" indent="-228600" defTabSz="457200" eaLnBrk="0" fontAlgn="base" hangingPunct="0">
-              <a:spcBef>
-                <a:spcPct val="0"/>
-              </a:spcBef>
-              <a:spcAft>
-                <a:spcPct val="0"/>
-              </a:spcAft>
-              <a:defRPr>
-                <a:solidFill>
-                  <a:schemeClr val="tx1"/>
-                </a:solidFill>
-                <a:latin typeface="Arial" panose="020B0604020202020204" pitchFamily="34" charset="0"/>
-              </a:defRPr>
-            </a:lvl9pPr>
-          </a:lstStyle>
-          <a:p>
-            <a:pPr algn="ctr" eaLnBrk="1" hangingPunct="1"/>
-            <a:r>
-              <a:rPr lang="en-US" altLang="en-US" sz="1200" dirty="0">
-                <a:solidFill>
-                  <a:srgbClr val="434343"/>
-                </a:solidFill>
-                <a:latin typeface="Montserrat" charset="0"/>
-                <a:cs typeface="Montserrat" charset="0"/>
-                <a:sym typeface="Montserrat" charset="0"/>
-              </a:rPr>
-              <a:t> CLEANING </a:t>
-            </a:r>
-          </a:p>
-        </p:txBody>
-      </p:sp>
-      <p:pic>
-        <p:nvPicPr>
-          <p:cNvPr id="10" name="Graphic 8">
-            <a:extLst>
-              <a:ext uri="{FF2B5EF4-FFF2-40B4-BE49-F238E27FC236}">
-                <a16:creationId xmlns:a16="http://schemas.microsoft.com/office/drawing/2014/main" id="{F04CE173-1A2E-43CF-A9E7-FDA1305C356C}"/>
-              </a:ext>
-            </a:extLst>
-          </p:cNvPr>
-          <p:cNvPicPr>
-            <a:picLocks noChangeAspect="1" noChangeArrowheads="1"/>
-          </p:cNvPicPr>
-          <p:nvPr/>
-        </p:nvPicPr>
-        <p:blipFill>
-          <a:blip r:embed="rId5">
-            <a:extLst>
-              <a:ext uri="{28A0092B-C50C-407E-A947-70E740481C1C}">
-                <a14:useLocalDpi xmlns:a14="http://schemas.microsoft.com/office/drawing/2010/main" val="0"/>
-              </a:ext>
-            </a:extLst>
-          </a:blip>
-          <a:srcRect/>
-          <a:stretch>
-            <a:fillRect/>
-          </a:stretch>
-        </p:blipFill>
-        <p:spPr bwMode="auto">
-          <a:xfrm>
-            <a:off x="5394325" y="1751806"/>
-            <a:ext cx="1403350" cy="1403350"/>
-          </a:xfrm>
-          <a:prstGeom prst="rect">
-            <a:avLst/>
-          </a:prstGeom>
-          <a:noFill/>
-          <a:ln>
-            <a:noFill/>
-          </a:ln>
-          <a:extLst>
-            <a:ext uri="{909E8E84-426E-40DD-AFC4-6F175D3DCCD1}">
-              <a14:hiddenFill xmlns:a14="http://schemas.microsoft.com/office/drawing/2010/main">
-                <a:solidFill>
-                  <a:srgbClr val="FFFFFF"/>
-                </a:solidFill>
-              </a14:hiddenFill>
-            </a:ext>
-            <a:ext uri="{91240B29-F687-4F45-9708-019B960494DF}">
-              <a14:hiddenLine xmlns:a14="http://schemas.microsoft.com/office/drawing/2010/main" w="9525">
-                <a:solidFill>
-                  <a:srgbClr val="000000"/>
-                </a:solidFill>
-                <a:miter lim="800000"/>
-                <a:headEnd/>
-                <a:tailEnd/>
-              </a14:hiddenLine>
-            </a:ext>
-          </a:extLst>
-        </p:spPr>
-      </p:pic>
-      <p:sp>
-        <p:nvSpPr>
-          <p:cNvPr id="11" name="Google Shape;1410;p50">
-            <a:extLst>
-              <a:ext uri="{FF2B5EF4-FFF2-40B4-BE49-F238E27FC236}">
-                <a16:creationId xmlns:a16="http://schemas.microsoft.com/office/drawing/2014/main" id="{5EBE6A24-4137-4C6C-B17C-F2288B2C58DF}"/>
-              </a:ext>
-            </a:extLst>
-          </p:cNvPr>
-          <p:cNvSpPr txBox="1">
-            <a:spLocks noChangeArrowheads="1"/>
-          </p:cNvSpPr>
-          <p:nvPr/>
-        </p:nvSpPr>
-        <p:spPr bwMode="auto">
-          <a:xfrm>
-            <a:off x="5308600" y="3354387"/>
-            <a:ext cx="1574800" cy="481013"/>
-          </a:xfrm>
-          <a:prstGeom prst="rect">
-            <a:avLst/>
-          </a:prstGeom>
-          <a:noFill/>
-          <a:ln>
-            <a:noFill/>
-          </a:ln>
-          <a:extLst>
-            <a:ext uri="{909E8E84-426E-40DD-AFC4-6F175D3DCCD1}">
-              <a14:hiddenFill xmlns:a14="http://schemas.microsoft.com/office/drawing/2010/main">
-                <a:solidFill>
-                  <a:srgbClr val="FFFFFF"/>
-                </a:solidFill>
-              </a14:hiddenFill>
-            </a:ext>
-            <a:ext uri="{91240B29-F687-4F45-9708-019B960494DF}">
-              <a14:hiddenLine xmlns:a14="http://schemas.microsoft.com/office/drawing/2010/main" w="9525">
-                <a:solidFill>
-                  <a:srgbClr val="000000"/>
-                </a:solidFill>
-                <a:miter lim="800000"/>
-                <a:headEnd/>
-                <a:tailEnd/>
-              </a14:hiddenLine>
-            </a:ext>
-          </a:extLst>
-        </p:spPr>
-        <p:txBody>
-          <a:bodyPr lIns="0" tIns="0" rIns="0" bIns="0"/>
-          <a:lstStyle>
-            <a:lvl1pPr>
-              <a:defRPr>
-                <a:solidFill>
-                  <a:schemeClr val="tx1"/>
-                </a:solidFill>
-                <a:latin typeface="Arial" panose="020B0604020202020204" pitchFamily="34" charset="0"/>
-              </a:defRPr>
-            </a:lvl1pPr>
-            <a:lvl2pPr marL="742950" indent="-285750">
-              <a:defRPr>
-                <a:solidFill>
-                  <a:schemeClr val="tx1"/>
-                </a:solidFill>
-                <a:latin typeface="Arial" panose="020B0604020202020204" pitchFamily="34" charset="0"/>
-              </a:defRPr>
-            </a:lvl2pPr>
-            <a:lvl3pPr marL="1143000" indent="-228600">
-              <a:defRPr>
-                <a:solidFill>
-                  <a:schemeClr val="tx1"/>
-                </a:solidFill>
-                <a:latin typeface="Arial" panose="020B0604020202020204" pitchFamily="34" charset="0"/>
-              </a:defRPr>
-            </a:lvl3pPr>
-            <a:lvl4pPr marL="1600200" indent="-228600">
-              <a:defRPr>
-                <a:solidFill>
-                  <a:schemeClr val="tx1"/>
-                </a:solidFill>
-                <a:latin typeface="Arial" panose="020B0604020202020204" pitchFamily="34" charset="0"/>
-              </a:defRPr>
-            </a:lvl4pPr>
-            <a:lvl5pPr marL="2057400" indent="-228600">
-              <a:defRPr>
-                <a:solidFill>
-                  <a:schemeClr val="tx1"/>
-                </a:solidFill>
-                <a:latin typeface="Arial" panose="020B0604020202020204" pitchFamily="34" charset="0"/>
-              </a:defRPr>
-            </a:lvl5pPr>
-            <a:lvl6pPr marL="2514600" indent="-228600" defTabSz="457200" eaLnBrk="0" fontAlgn="base" hangingPunct="0">
-              <a:spcBef>
-                <a:spcPct val="0"/>
-              </a:spcBef>
-              <a:spcAft>
-                <a:spcPct val="0"/>
-              </a:spcAft>
-              <a:defRPr>
-                <a:solidFill>
-                  <a:schemeClr val="tx1"/>
-                </a:solidFill>
-                <a:latin typeface="Arial" panose="020B0604020202020204" pitchFamily="34" charset="0"/>
-              </a:defRPr>
-            </a:lvl6pPr>
-            <a:lvl7pPr marL="2971800" indent="-228600" defTabSz="457200" eaLnBrk="0" fontAlgn="base" hangingPunct="0">
-              <a:spcBef>
-                <a:spcPct val="0"/>
-              </a:spcBef>
-              <a:spcAft>
-                <a:spcPct val="0"/>
-              </a:spcAft>
-              <a:defRPr>
-                <a:solidFill>
-                  <a:schemeClr val="tx1"/>
-                </a:solidFill>
-                <a:latin typeface="Arial" panose="020B0604020202020204" pitchFamily="34" charset="0"/>
-              </a:defRPr>
-            </a:lvl7pPr>
-            <a:lvl8pPr marL="3429000" indent="-228600" defTabSz="457200" eaLnBrk="0" fontAlgn="base" hangingPunct="0">
-              <a:spcBef>
-                <a:spcPct val="0"/>
-              </a:spcBef>
-              <a:spcAft>
-                <a:spcPct val="0"/>
-              </a:spcAft>
-              <a:defRPr>
-                <a:solidFill>
-                  <a:schemeClr val="tx1"/>
-                </a:solidFill>
-                <a:latin typeface="Arial" panose="020B0604020202020204" pitchFamily="34" charset="0"/>
-              </a:defRPr>
-            </a:lvl8pPr>
-            <a:lvl9pPr marL="3886200" indent="-228600" defTabSz="457200" eaLnBrk="0" fontAlgn="base" hangingPunct="0">
-              <a:spcBef>
-                <a:spcPct val="0"/>
-              </a:spcBef>
-              <a:spcAft>
-                <a:spcPct val="0"/>
-              </a:spcAft>
-              <a:defRPr>
-                <a:solidFill>
-                  <a:schemeClr val="tx1"/>
-                </a:solidFill>
-                <a:latin typeface="Arial" panose="020B0604020202020204" pitchFamily="34" charset="0"/>
-              </a:defRPr>
-            </a:lvl9pPr>
-          </a:lstStyle>
-          <a:p>
-            <a:pPr algn="ctr" eaLnBrk="1" hangingPunct="1"/>
-            <a:r>
-              <a:rPr lang="en-US" altLang="en-US" sz="1200" dirty="0">
-                <a:solidFill>
-                  <a:srgbClr val="434343"/>
-                </a:solidFill>
-                <a:latin typeface="Montserrat" charset="0"/>
-                <a:cs typeface="Montserrat" charset="0"/>
-                <a:sym typeface="Montserrat" charset="0"/>
-              </a:rPr>
-              <a:t>GUI REPRESENTATION</a:t>
-            </a:r>
-          </a:p>
-        </p:txBody>
-      </p:sp>
-      <p:sp>
-        <p:nvSpPr>
           <p:cNvPr id="12" name="Rectangle 11">
             <a:extLst>
               <a:ext uri="{FF2B5EF4-FFF2-40B4-BE49-F238E27FC236}">
-                <a16:creationId xmlns:a16="http://schemas.microsoft.com/office/drawing/2014/main" id="{17230064-BD25-4723-B232-D2BCBFB5DAAF}"/>
+                <a16:creationId xmlns:a16="http://schemas.microsoft.com/office/drawing/2014/main" xmlns="" id="{17230064-BD25-4723-B232-D2BCBFB5DAAF}"/>
               </a:ext>
             </a:extLst>
           </p:cNvPr>
@@ -24737,8 +24327,8 @@
         </p:nvSpPr>
         <p:spPr>
           <a:xfrm>
-            <a:off x="2146301" y="4233863"/>
-            <a:ext cx="7675562" cy="1631950"/>
+            <a:off x="2390446" y="2154724"/>
+            <a:ext cx="7669542" cy="3108543"/>
           </a:xfrm>
           <a:prstGeom prst="rect">
             <a:avLst/>
@@ -24746,18 +24336,18 @@
           <a:noFill/>
         </p:spPr>
         <p:txBody>
-          <a:bodyPr>
+          <a:bodyPr wrap="square">
             <a:spAutoFit/>
           </a:bodyPr>
           <a:lstStyle/>
           <a:p>
-            <a:pPr marL="342900" indent="-342900" eaLnBrk="1" hangingPunct="1">
+            <a:pPr marL="342900" indent="-342900" algn="just" eaLnBrk="1" hangingPunct="1">
               <a:buFont typeface="Arial" panose="020B0604020202020204" pitchFamily="34" charset="0"/>
               <a:buChar char="•"/>
               <a:defRPr/>
             </a:pPr>
             <a:r>
-              <a:rPr lang="en-US" sz="2000" dirty="0">
+              <a:rPr lang="en-US" sz="2800" dirty="0" smtClean="0">
                 <a:ln w="0"/>
                 <a:effectLst>
                   <a:outerShdw blurRad="38100" dist="19050" dir="2700000" algn="tl" rotWithShape="0">
@@ -24767,14 +24357,55 @@
                   </a:outerShdw>
                 </a:effectLst>
               </a:rPr>
-              <a:t>The main objective is to find the blockages in the sewage pipe.</a:t>
-            </a:r>
-          </a:p>
-          <a:p>
-            <a:pPr eaLnBrk="1" hangingPunct="1">
+              <a:t>The </a:t>
+            </a:r>
+            <a:r>
+              <a:rPr lang="en-US" sz="2800" dirty="0">
+                <a:ln w="0"/>
+                <a:effectLst>
+                  <a:outerShdw blurRad="38100" dist="19050" dir="2700000" algn="tl" rotWithShape="0">
+                    <a:schemeClr val="dk1">
+                      <a:alpha val="40000"/>
+                    </a:schemeClr>
+                  </a:outerShdw>
+                </a:effectLst>
+              </a:rPr>
+              <a:t>main objective is </a:t>
+            </a:r>
+            <a:r>
+              <a:rPr lang="en-US" sz="2800" dirty="0" smtClean="0">
+                <a:ln w="0"/>
+                <a:effectLst>
+                  <a:outerShdw blurRad="38100" dist="19050" dir="2700000" algn="tl" rotWithShape="0">
+                    <a:schemeClr val="dk1">
+                      <a:alpha val="40000"/>
+                    </a:schemeClr>
+                  </a:outerShdw>
+                </a:effectLst>
+              </a:rPr>
+              <a:t>to map the sewage pipe using GUI.</a:t>
+            </a:r>
+          </a:p>
+          <a:p>
+            <a:pPr marL="342900" indent="-342900" algn="just" eaLnBrk="1" hangingPunct="1">
+              <a:buFont typeface="Arial" panose="020B0604020202020204" pitchFamily="34" charset="0"/>
+              <a:buChar char="•"/>
               <a:defRPr/>
             </a:pPr>
-            <a:endParaRPr lang="en-US" sz="2000" dirty="0">
+            <a:r>
+              <a:rPr lang="en-US" sz="2800" dirty="0" smtClean="0">
+                <a:ln w="0"/>
+                <a:effectLst>
+                  <a:outerShdw blurRad="38100" dist="19050" dir="2700000" algn="tl" rotWithShape="0">
+                    <a:schemeClr val="dk1">
+                      <a:alpha val="40000"/>
+                    </a:schemeClr>
+                  </a:outerShdw>
+                </a:effectLst>
+              </a:rPr>
+              <a:t>And in the GUI the blockages in the sewage pipe is also mapped.</a:t>
+            </a:r>
+            <a:endParaRPr lang="en-US" sz="2800" dirty="0">
               <a:ln w="0"/>
               <a:effectLst>
                 <a:outerShdw blurRad="38100" dist="19050" dir="2700000" algn="tl" rotWithShape="0">
@@ -24786,13 +24417,13 @@
             </a:endParaRPr>
           </a:p>
           <a:p>
-            <a:pPr marL="342900" indent="-342900" eaLnBrk="1" hangingPunct="1">
+            <a:pPr marL="342900" indent="-342900" algn="just" eaLnBrk="1" hangingPunct="1">
               <a:buFont typeface="Arial" panose="020B0604020202020204" pitchFamily="34" charset="0"/>
               <a:buChar char="•"/>
               <a:defRPr/>
             </a:pPr>
             <a:r>
-              <a:rPr lang="en-US" sz="2000" dirty="0">
+              <a:rPr lang="en-US" sz="2800" dirty="0" smtClean="0">
                 <a:ln w="0"/>
                 <a:effectLst>
                   <a:outerShdw blurRad="38100" dist="19050" dir="2700000" algn="tl" rotWithShape="0">
@@ -24802,46 +24433,25 @@
                   </a:outerShdw>
                 </a:effectLst>
               </a:rPr>
-              <a:t>This project doesn't need humans to enter into the man-hole.</a:t>
-            </a:r>
-          </a:p>
-          <a:p>
-            <a:pPr eaLnBrk="1" hangingPunct="1">
-              <a:defRPr/>
-            </a:pPr>
-            <a:r>
-              <a:rPr lang="en-US" sz="2000" dirty="0">
-                <a:ln w="0"/>
-                <a:effectLst>
-                  <a:outerShdw blurRad="38100" dist="19050" dir="2700000" algn="tl" rotWithShape="0">
-                    <a:schemeClr val="dk1">
-                      <a:alpha val="40000"/>
-                    </a:schemeClr>
-                  </a:outerShdw>
-                </a:effectLst>
-              </a:rPr>
-              <a:t> </a:t>
-            </a:r>
-          </a:p>
-          <a:p>
-            <a:pPr marL="342900" indent="-342900" eaLnBrk="1" hangingPunct="1">
+              <a:t>The blockages in the sewage getting removed automatically.</a:t>
+            </a:r>
+          </a:p>
+          <a:p>
+            <a:pPr marL="342900" indent="-342900" algn="just" eaLnBrk="1" hangingPunct="1">
               <a:buFont typeface="Arial" panose="020B0604020202020204" pitchFamily="34" charset="0"/>
               <a:buChar char="•"/>
               <a:defRPr/>
             </a:pPr>
-            <a:r>
-              <a:rPr lang="en-US" sz="2000" dirty="0">
-                <a:ln w="0"/>
-                <a:effectLst>
-                  <a:outerShdw blurRad="38100" dist="19050" dir="2700000" algn="tl" rotWithShape="0">
-                    <a:schemeClr val="dk1">
-                      <a:alpha val="40000"/>
-                    </a:schemeClr>
-                  </a:outerShdw>
-                </a:effectLst>
-              </a:rPr>
-              <a:t>Thereby saving the health and life of the workers.</a:t>
-            </a:r>
+            <a:endParaRPr lang="en-US" sz="2800" dirty="0" smtClean="0">
+              <a:ln w="0"/>
+              <a:effectLst>
+                <a:outerShdw blurRad="38100" dist="19050" dir="2700000" algn="tl" rotWithShape="0">
+                  <a:schemeClr val="dk1">
+                    <a:alpha val="40000"/>
+                  </a:schemeClr>
+                </a:outerShdw>
+              </a:effectLst>
+            </a:endParaRPr>
           </a:p>
         </p:txBody>
       </p:sp>
@@ -24855,6 +24465,13 @@
   <p:clrMapOvr>
     <a:masterClrMapping/>
   </p:clrMapOvr>
+  <p:timing>
+    <p:tnLst>
+      <p:par>
+        <p:cTn id="1" dur="indefinite" restart="never" nodeType="tmRoot"/>
+      </p:par>
+    </p:tnLst>
+  </p:timing>
 </p:sld>
 </file>
 
@@ -24914,7 +24531,7 @@
           <p:cNvPr id="3" name="Rectangle 2">
             <a:extLst>
               <a:ext uri="{FF2B5EF4-FFF2-40B4-BE49-F238E27FC236}">
-                <a16:creationId xmlns:a16="http://schemas.microsoft.com/office/drawing/2014/main" id="{58D81CC5-0760-4DE3-8C1F-5163B28AD825}"/>
+                <a16:creationId xmlns:a16="http://schemas.microsoft.com/office/drawing/2014/main" xmlns="" id="{58D81CC5-0760-4DE3-8C1F-5163B28AD825}"/>
               </a:ext>
             </a:extLst>
           </p:cNvPr>
@@ -25048,7 +24665,7 @@
           <p:cNvPr id="4" name="TextBox 3">
             <a:extLst>
               <a:ext uri="{FF2B5EF4-FFF2-40B4-BE49-F238E27FC236}">
-                <a16:creationId xmlns:a16="http://schemas.microsoft.com/office/drawing/2014/main" id="{D600FEE4-2643-4C44-8C42-E0048724C5F8}"/>
+                <a16:creationId xmlns:a16="http://schemas.microsoft.com/office/drawing/2014/main" xmlns="" id="{D600FEE4-2643-4C44-8C42-E0048724C5F8}"/>
               </a:ext>
             </a:extLst>
           </p:cNvPr>
@@ -25089,6 +24706,13 @@
   <p:clrMapOvr>
     <a:masterClrMapping/>
   </p:clrMapOvr>
+  <p:timing>
+    <p:tnLst>
+      <p:par>
+        <p:cTn id="1" dur="indefinite" restart="never" nodeType="tmRoot"/>
+      </p:par>
+    </p:tnLst>
+  </p:timing>
 </p:sld>
 </file>
 
@@ -25153,7 +24777,7 @@
           <p:cNvPr id="4" name="Table 4">
             <a:extLst>
               <a:ext uri="{FF2B5EF4-FFF2-40B4-BE49-F238E27FC236}">
-                <a16:creationId xmlns:a16="http://schemas.microsoft.com/office/drawing/2014/main" id="{2C09F104-7E3C-4315-8BED-B6B78D43FDEB}"/>
+                <a16:creationId xmlns:a16="http://schemas.microsoft.com/office/drawing/2014/main" xmlns="" id="{2C09F104-7E3C-4315-8BED-B6B78D43FDEB}"/>
               </a:ext>
             </a:extLst>
           </p:cNvPr>
@@ -25182,28 +24806,28 @@
                 <a:gridCol w="620785">
                   <a:extLst>
                     <a:ext uri="{9D8B030D-6E8A-4147-A177-3AD203B41FA5}">
-                      <a16:colId xmlns:a16="http://schemas.microsoft.com/office/drawing/2014/main" val="1723871098"/>
+                      <a16:colId xmlns:a16="http://schemas.microsoft.com/office/drawing/2014/main" xmlns="" val="1723871098"/>
                     </a:ext>
                   </a:extLst>
                 </a:gridCol>
                 <a:gridCol w="3674379">
                   <a:extLst>
                     <a:ext uri="{9D8B030D-6E8A-4147-A177-3AD203B41FA5}">
-                      <a16:colId xmlns:a16="http://schemas.microsoft.com/office/drawing/2014/main" val="3531340686"/>
+                      <a16:colId xmlns:a16="http://schemas.microsoft.com/office/drawing/2014/main" xmlns="" val="3531340686"/>
                     </a:ext>
                   </a:extLst>
                 </a:gridCol>
                 <a:gridCol w="2783045">
                   <a:extLst>
                     <a:ext uri="{9D8B030D-6E8A-4147-A177-3AD203B41FA5}">
-                      <a16:colId xmlns:a16="http://schemas.microsoft.com/office/drawing/2014/main" val="483601646"/>
+                      <a16:colId xmlns:a16="http://schemas.microsoft.com/office/drawing/2014/main" xmlns="" val="483601646"/>
                     </a:ext>
                   </a:extLst>
                 </a:gridCol>
                 <a:gridCol w="2359403">
                   <a:extLst>
                     <a:ext uri="{9D8B030D-6E8A-4147-A177-3AD203B41FA5}">
-                      <a16:colId xmlns:a16="http://schemas.microsoft.com/office/drawing/2014/main" val="2349944421"/>
+                      <a16:colId xmlns:a16="http://schemas.microsoft.com/office/drawing/2014/main" xmlns="" val="2349944421"/>
                     </a:ext>
                   </a:extLst>
                 </a:gridCol>
@@ -25279,7 +24903,7 @@
                 </a:tc>
                 <a:extLst>
                   <a:ext uri="{0D108BD9-81ED-4DB2-BD59-A6C34878D82A}">
-                    <a16:rowId xmlns:a16="http://schemas.microsoft.com/office/drawing/2014/main" val="3728599536"/>
+                    <a16:rowId xmlns:a16="http://schemas.microsoft.com/office/drawing/2014/main" xmlns="" val="3728599536"/>
                   </a:ext>
                 </a:extLst>
               </a:tr>
@@ -25392,7 +25016,7 @@
                 </a:tc>
                 <a:extLst>
                   <a:ext uri="{0D108BD9-81ED-4DB2-BD59-A6C34878D82A}">
-                    <a16:rowId xmlns:a16="http://schemas.microsoft.com/office/drawing/2014/main" val="2518819764"/>
+                    <a16:rowId xmlns:a16="http://schemas.microsoft.com/office/drawing/2014/main" xmlns="" val="2518819764"/>
                   </a:ext>
                 </a:extLst>
               </a:tr>
@@ -25508,7 +25132,7 @@
                 </a:tc>
                 <a:extLst>
                   <a:ext uri="{0D108BD9-81ED-4DB2-BD59-A6C34878D82A}">
-                    <a16:rowId xmlns:a16="http://schemas.microsoft.com/office/drawing/2014/main" val="620004056"/>
+                    <a16:rowId xmlns:a16="http://schemas.microsoft.com/office/drawing/2014/main" xmlns="" val="620004056"/>
                   </a:ext>
                 </a:extLst>
               </a:tr>
@@ -25521,7 +25145,7 @@
           <p:cNvPr id="5" name="TextBox 4">
             <a:extLst>
               <a:ext uri="{FF2B5EF4-FFF2-40B4-BE49-F238E27FC236}">
-                <a16:creationId xmlns:a16="http://schemas.microsoft.com/office/drawing/2014/main" id="{065ED8B9-3CA0-4A78-9DC0-AF898768C792}"/>
+                <a16:creationId xmlns:a16="http://schemas.microsoft.com/office/drawing/2014/main" xmlns="" id="{065ED8B9-3CA0-4A78-9DC0-AF898768C792}"/>
               </a:ext>
             </a:extLst>
           </p:cNvPr>
@@ -25562,6 +25186,13 @@
   <p:clrMapOvr>
     <a:masterClrMapping/>
   </p:clrMapOvr>
+  <p:timing>
+    <p:tnLst>
+      <p:par>
+        <p:cTn id="1" dur="indefinite" restart="never" nodeType="tmRoot"/>
+      </p:par>
+    </p:tnLst>
+  </p:timing>
 </p:sld>
 </file>
 
@@ -25621,7 +25252,7 @@
           <p:cNvPr id="4" name="Rectangle 3">
             <a:extLst>
               <a:ext uri="{FF2B5EF4-FFF2-40B4-BE49-F238E27FC236}">
-                <a16:creationId xmlns:a16="http://schemas.microsoft.com/office/drawing/2014/main" id="{5394EEC9-8D5C-4B2E-9858-95AD56720360}"/>
+                <a16:creationId xmlns:a16="http://schemas.microsoft.com/office/drawing/2014/main" xmlns="" id="{5394EEC9-8D5C-4B2E-9858-95AD56720360}"/>
               </a:ext>
             </a:extLst>
           </p:cNvPr>
@@ -25631,7 +25262,7 @@
         <p:spPr>
           <a:xfrm>
             <a:off x="1370226" y="1699947"/>
-            <a:ext cx="9451547" cy="2062103"/>
+            <a:ext cx="9451547" cy="1569660"/>
           </a:xfrm>
           <a:prstGeom prst="rect">
             <a:avLst/>
@@ -25666,7 +25297,7 @@
               <a:buChar char="•"/>
             </a:pPr>
             <a:r>
-              <a:rPr lang="en-US" sz="3200" dirty="0">
+              <a:rPr lang="en-US" sz="3200" dirty="0" smtClean="0">
                 <a:ln w="0"/>
                 <a:effectLst>
                   <a:outerShdw blurRad="38100" dist="19050" dir="2700000" algn="tl" rotWithShape="0">
@@ -25678,7 +25309,7 @@
                 <a:latin typeface="Times New Roman" panose="02020603050405020304" pitchFamily="18" charset="0"/>
                 <a:cs typeface="Times New Roman" panose="02020603050405020304" pitchFamily="18" charset="0"/>
               </a:rPr>
-              <a:t>These sewage line as much vulnerable to blockages, at present it is difficult to identify the location of the block in the line. </a:t>
+              <a:t>Facing difficulty in identifying the location of blockage in the sewage pipe.</a:t>
             </a:r>
             <a:endParaRPr lang="en-US" sz="3200" b="0" cap="none" spc="0" dirty="0">
               <a:ln w="0"/>
@@ -25703,7 +25334,7 @@
           <p:cNvPr id="5" name="TextBox 4">
             <a:extLst>
               <a:ext uri="{FF2B5EF4-FFF2-40B4-BE49-F238E27FC236}">
-                <a16:creationId xmlns:a16="http://schemas.microsoft.com/office/drawing/2014/main" id="{EF4552B9-4CF5-40C2-872C-EA7B9A6F0E9B}"/>
+                <a16:creationId xmlns:a16="http://schemas.microsoft.com/office/drawing/2014/main" xmlns="" id="{EF4552B9-4CF5-40C2-872C-EA7B9A6F0E9B}"/>
               </a:ext>
             </a:extLst>
           </p:cNvPr>
@@ -25744,6 +25375,13 @@
   <p:clrMapOvr>
     <a:masterClrMapping/>
   </p:clrMapOvr>
+  <p:timing>
+    <p:tnLst>
+      <p:par>
+        <p:cTn id="1" dur="indefinite" restart="never" nodeType="tmRoot"/>
+      </p:par>
+    </p:tnLst>
+  </p:timing>
 </p:sld>
 </file>
 
@@ -25803,7 +25441,7 @@
           <p:cNvPr id="4" name="Table 4">
             <a:extLst>
               <a:ext uri="{FF2B5EF4-FFF2-40B4-BE49-F238E27FC236}">
-                <a16:creationId xmlns:a16="http://schemas.microsoft.com/office/drawing/2014/main" id="{A37B4D66-0486-4C4D-8A28-65D748EC22A1}"/>
+                <a16:creationId xmlns:a16="http://schemas.microsoft.com/office/drawing/2014/main" xmlns="" id="{A37B4D66-0486-4C4D-8A28-65D748EC22A1}"/>
               </a:ext>
             </a:extLst>
           </p:cNvPr>
@@ -25813,7 +25451,7 @@
           <p:nvPr>
             <p:extLst>
               <p:ext uri="{D42A27DB-BD31-4B8C-83A1-F6EECF244321}">
-                <p14:modId xmlns:p14="http://schemas.microsoft.com/office/powerpoint/2010/main" val="2004954186"/>
+                <p14:modId xmlns:p14="http://schemas.microsoft.com/office/powerpoint/2010/main" val="299958466"/>
               </p:ext>
             </p:extLst>
           </p:nvPr>
@@ -25832,28 +25470,28 @@
                 <a:gridCol w="875187">
                   <a:extLst>
                     <a:ext uri="{9D8B030D-6E8A-4147-A177-3AD203B41FA5}">
-                      <a16:colId xmlns:a16="http://schemas.microsoft.com/office/drawing/2014/main" val="1555941654"/>
+                      <a16:colId xmlns:a16="http://schemas.microsoft.com/office/drawing/2014/main" xmlns="" val="1555941654"/>
                     </a:ext>
                   </a:extLst>
                 </a:gridCol>
                 <a:gridCol w="2838189">
                   <a:extLst>
                     <a:ext uri="{9D8B030D-6E8A-4147-A177-3AD203B41FA5}">
-                      <a16:colId xmlns:a16="http://schemas.microsoft.com/office/drawing/2014/main" val="2026985615"/>
+                      <a16:colId xmlns:a16="http://schemas.microsoft.com/office/drawing/2014/main" xmlns="" val="2026985615"/>
                     </a:ext>
                   </a:extLst>
                 </a:gridCol>
                 <a:gridCol w="3286125">
                   <a:extLst>
                     <a:ext uri="{9D8B030D-6E8A-4147-A177-3AD203B41FA5}">
-                      <a16:colId xmlns:a16="http://schemas.microsoft.com/office/drawing/2014/main" val="1842543879"/>
+                      <a16:colId xmlns:a16="http://schemas.microsoft.com/office/drawing/2014/main" xmlns="" val="1842543879"/>
                     </a:ext>
                   </a:extLst>
                 </a:gridCol>
                 <a:gridCol w="3171097">
                   <a:extLst>
                     <a:ext uri="{9D8B030D-6E8A-4147-A177-3AD203B41FA5}">
-                      <a16:colId xmlns:a16="http://schemas.microsoft.com/office/drawing/2014/main" val="1684916612"/>
+                      <a16:colId xmlns:a16="http://schemas.microsoft.com/office/drawing/2014/main" xmlns="" val="1684916612"/>
                     </a:ext>
                   </a:extLst>
                 </a:gridCol>
@@ -25937,7 +25575,7 @@
                 </a:tc>
                 <a:extLst>
                   <a:ext uri="{0D108BD9-81ED-4DB2-BD59-A6C34878D82A}">
-                    <a16:rowId xmlns:a16="http://schemas.microsoft.com/office/drawing/2014/main" val="2611751014"/>
+                    <a16:rowId xmlns:a16="http://schemas.microsoft.com/office/drawing/2014/main" xmlns="" val="2611751014"/>
                   </a:ext>
                 </a:extLst>
               </a:tr>
@@ -25968,7 +25606,63 @@
                           <a:latin typeface="Times New Roman" panose="02020603050405020304" pitchFamily="18" charset="0"/>
                           <a:cs typeface="Times New Roman" panose="02020603050405020304" pitchFamily="18" charset="0"/>
                         </a:rPr>
-                        <a:t>Using water Pump with Diesel  Motor  </a:t>
+                        <a:t>Using water </a:t>
+                      </a:r>
+                      <a:r>
+                        <a:rPr lang="en-IN" sz="2000" dirty="0" smtClean="0">
+                          <a:latin typeface="Times New Roman" panose="02020603050405020304" pitchFamily="18" charset="0"/>
+                          <a:cs typeface="Times New Roman" panose="02020603050405020304" pitchFamily="18" charset="0"/>
+                        </a:rPr>
+                        <a:t>pump </a:t>
+                      </a:r>
+                      <a:r>
+                        <a:rPr lang="en-IN" sz="2000" dirty="0">
+                          <a:latin typeface="Times New Roman" panose="02020603050405020304" pitchFamily="18" charset="0"/>
+                          <a:cs typeface="Times New Roman" panose="02020603050405020304" pitchFamily="18" charset="0"/>
+                        </a:rPr>
+                        <a:t>with Diesel </a:t>
+                      </a:r>
+                      <a:r>
+                        <a:rPr lang="en-IN" sz="2000" dirty="0" smtClean="0">
+                          <a:latin typeface="Times New Roman" panose="02020603050405020304" pitchFamily="18" charset="0"/>
+                          <a:cs typeface="Times New Roman" panose="02020603050405020304" pitchFamily="18" charset="0"/>
+                        </a:rPr>
+                        <a:t>motor  </a:t>
+                      </a:r>
+                      <a:endParaRPr lang="en-IN" sz="2000" dirty="0">
+                        <a:latin typeface="Times New Roman" panose="02020603050405020304" pitchFamily="18" charset="0"/>
+                        <a:cs typeface="Times New Roman" panose="02020603050405020304" pitchFamily="18" charset="0"/>
+                      </a:endParaRPr>
+                    </a:p>
+                  </a:txBody>
+                  <a:tcPr marL="95546" marR="95546" marT="47773" marB="47773"/>
+                </a:tc>
+                <a:tc>
+                  <a:txBody>
+                    <a:bodyPr/>
+                    <a:lstStyle/>
+                    <a:p>
+                      <a:pPr algn="just"/>
+                      <a:r>
+                        <a:rPr lang="en-IN" sz="2000" dirty="0">
+                          <a:latin typeface="Times New Roman" panose="02020603050405020304" pitchFamily="18" charset="0"/>
+                          <a:cs typeface="Times New Roman" panose="02020603050405020304" pitchFamily="18" charset="0"/>
+                        </a:rPr>
+                        <a:t>This method uses a water pump with the help of a diesel motor, by which the municipality workers </a:t>
+                      </a:r>
+                      <a:r>
+                        <a:rPr lang="en-IN" sz="2000" dirty="0" smtClean="0">
+                          <a:latin typeface="Times New Roman" panose="02020603050405020304" pitchFamily="18" charset="0"/>
+                          <a:cs typeface="Times New Roman" panose="02020603050405020304" pitchFamily="18" charset="0"/>
+                        </a:rPr>
+                        <a:t>pump </a:t>
+                      </a:r>
+                      <a:r>
+                        <a:rPr lang="en-IN" sz="2000" dirty="0">
+                          <a:latin typeface="Times New Roman" panose="02020603050405020304" pitchFamily="18" charset="0"/>
+                          <a:cs typeface="Times New Roman" panose="02020603050405020304" pitchFamily="18" charset="0"/>
+                        </a:rPr>
+                        <a:t>water into sewage pipe, to remove the block</a:t>
                       </a:r>
                     </a:p>
                   </a:txBody>
@@ -25979,23 +25673,7 @@
                     <a:bodyPr/>
                     <a:lstStyle/>
                     <a:p>
-                      <a:r>
-                        <a:rPr lang="en-IN" sz="2000" dirty="0">
-                          <a:latin typeface="Times New Roman" panose="02020603050405020304" pitchFamily="18" charset="0"/>
-                          <a:cs typeface="Times New Roman" panose="02020603050405020304" pitchFamily="18" charset="0"/>
-                        </a:rPr>
-                        <a:t>This method uses a water pump with the help of a diesel motor, by which the municipality workers pump water into sewage pipe, to remove the block</a:t>
-                      </a:r>
-                    </a:p>
-                  </a:txBody>
-                  <a:tcPr marL="95546" marR="95546" marT="47773" marB="47773"/>
-                </a:tc>
-                <a:tc>
-                  <a:txBody>
-                    <a:bodyPr/>
-                    <a:lstStyle/>
-                    <a:p>
-                      <a:pPr marL="457200" indent="-457200">
+                      <a:pPr marL="457200" indent="-457200" algn="just">
                         <a:buFont typeface="+mj-lt"/>
                         <a:buAutoNum type="arabicPeriod"/>
                       </a:pPr>
@@ -26008,7 +25686,7 @@
                       </a:r>
                     </a:p>
                     <a:p>
-                      <a:pPr marL="457200" indent="-457200">
+                      <a:pPr marL="457200" indent="-457200" algn="just">
                         <a:buFont typeface="+mj-lt"/>
                         <a:buAutoNum type="arabicPeriod"/>
                       </a:pPr>
@@ -26017,7 +25695,21 @@
                           <a:latin typeface="Times New Roman" panose="02020603050405020304" pitchFamily="18" charset="0"/>
                           <a:cs typeface="Times New Roman" panose="02020603050405020304" pitchFamily="18" charset="0"/>
                         </a:rPr>
-                        <a:t>More Time is taken for the transportation of the  pump and other stuffs.</a:t>
+                        <a:t>More </a:t>
+                      </a:r>
+                      <a:r>
+                        <a:rPr lang="en-IN" sz="2000" dirty="0" smtClean="0">
+                          <a:latin typeface="Times New Roman" panose="02020603050405020304" pitchFamily="18" charset="0"/>
+                          <a:cs typeface="Times New Roman" panose="02020603050405020304" pitchFamily="18" charset="0"/>
+                        </a:rPr>
+                        <a:t>time </a:t>
+                      </a:r>
+                      <a:r>
+                        <a:rPr lang="en-IN" sz="2000" dirty="0">
+                          <a:latin typeface="Times New Roman" panose="02020603050405020304" pitchFamily="18" charset="0"/>
+                          <a:cs typeface="Times New Roman" panose="02020603050405020304" pitchFamily="18" charset="0"/>
+                        </a:rPr>
+                        <a:t>is taken for the transportation of the  pump and other stuffs.</a:t>
                       </a:r>
                     </a:p>
                   </a:txBody>
@@ -26025,7 +25717,7 @@
                 </a:tc>
                 <a:extLst>
                   <a:ext uri="{0D108BD9-81ED-4DB2-BD59-A6C34878D82A}">
-                    <a16:rowId xmlns:a16="http://schemas.microsoft.com/office/drawing/2014/main" val="3843607043"/>
+                    <a16:rowId xmlns:a16="http://schemas.microsoft.com/office/drawing/2014/main" xmlns="" val="3843607043"/>
                   </a:ext>
                 </a:extLst>
               </a:tr>
@@ -26056,7 +25748,21 @@
                           <a:latin typeface="Times New Roman" panose="02020603050405020304" pitchFamily="18" charset="0"/>
                           <a:cs typeface="Times New Roman" panose="02020603050405020304" pitchFamily="18" charset="0"/>
                         </a:rPr>
-                        <a:t>Manual Removal of the block.</a:t>
+                        <a:t>Manual </a:t>
+                      </a:r>
+                      <a:r>
+                        <a:rPr lang="en-IN" sz="2000" dirty="0" smtClean="0">
+                          <a:latin typeface="Times New Roman" panose="02020603050405020304" pitchFamily="18" charset="0"/>
+                          <a:cs typeface="Times New Roman" panose="02020603050405020304" pitchFamily="18" charset="0"/>
+                        </a:rPr>
+                        <a:t>removal </a:t>
+                      </a:r>
+                      <a:r>
+                        <a:rPr lang="en-IN" sz="2000" dirty="0">
+                          <a:latin typeface="Times New Roman" panose="02020603050405020304" pitchFamily="18" charset="0"/>
+                          <a:cs typeface="Times New Roman" panose="02020603050405020304" pitchFamily="18" charset="0"/>
+                        </a:rPr>
+                        <a:t>of the block.</a:t>
                       </a:r>
                     </a:p>
                   </a:txBody>
@@ -26067,12 +25773,27 @@
                     <a:bodyPr/>
                     <a:lstStyle/>
                     <a:p>
+                      <a:pPr algn="just"/>
                       <a:r>
                         <a:rPr lang="en-IN" sz="2000" dirty="0">
                           <a:latin typeface="Times New Roman" panose="02020603050405020304" pitchFamily="18" charset="0"/>
                           <a:cs typeface="Times New Roman" panose="02020603050405020304" pitchFamily="18" charset="0"/>
                         </a:rPr>
-                        <a:t>Here a Municipality Worker is made to get into the tunnel and had to remove the block.</a:t>
+                        <a:t>Here a Municipality </a:t>
+                      </a:r>
+                      <a:r>
+                        <a:rPr lang="en-IN" sz="2000" dirty="0" smtClean="0">
+                          <a:latin typeface="Times New Roman" panose="02020603050405020304" pitchFamily="18" charset="0"/>
+                          <a:cs typeface="Times New Roman" panose="02020603050405020304" pitchFamily="18" charset="0"/>
+                        </a:rPr>
+                        <a:t>worker </a:t>
+                      </a:r>
+                      <a:r>
+                        <a:rPr lang="en-IN" sz="2000" dirty="0">
+                          <a:latin typeface="Times New Roman" panose="02020603050405020304" pitchFamily="18" charset="0"/>
+                          <a:cs typeface="Times New Roman" panose="02020603050405020304" pitchFamily="18" charset="0"/>
+                        </a:rPr>
+                        <a:t>is made to get into the tunnel and had to remove the block.</a:t>
                       </a:r>
                     </a:p>
                   </a:txBody>
@@ -26083,7 +25804,7 @@
                     <a:bodyPr/>
                     <a:lstStyle/>
                     <a:p>
-                      <a:pPr marL="457200" indent="-457200">
+                      <a:pPr marL="457200" indent="-457200" algn="just">
                         <a:buFont typeface="+mj-lt"/>
                         <a:buAutoNum type="arabicPeriod"/>
                       </a:pPr>
@@ -26092,11 +25813,25 @@
                           <a:latin typeface="Times New Roman" panose="02020603050405020304" pitchFamily="18" charset="0"/>
                           <a:cs typeface="Times New Roman" panose="02020603050405020304" pitchFamily="18" charset="0"/>
                         </a:rPr>
-                        <a:t>Also No knowledge of the location of the block.</a:t>
+                        <a:t>Also </a:t>
+                      </a:r>
+                      <a:r>
+                        <a:rPr lang="en-IN" sz="2000" dirty="0" smtClean="0">
+                          <a:latin typeface="Times New Roman" panose="02020603050405020304" pitchFamily="18" charset="0"/>
+                          <a:cs typeface="Times New Roman" panose="02020603050405020304" pitchFamily="18" charset="0"/>
+                        </a:rPr>
+                        <a:t>no </a:t>
+                      </a:r>
+                      <a:r>
+                        <a:rPr lang="en-IN" sz="2000" dirty="0">
+                          <a:latin typeface="Times New Roman" panose="02020603050405020304" pitchFamily="18" charset="0"/>
+                          <a:cs typeface="Times New Roman" panose="02020603050405020304" pitchFamily="18" charset="0"/>
+                        </a:rPr>
+                        <a:t>knowledge of the location of the block.</a:t>
                       </a:r>
                     </a:p>
                     <a:p>
-                      <a:pPr marL="457200" indent="-457200">
+                      <a:pPr marL="457200" indent="-457200" algn="just">
                         <a:buFont typeface="+mj-lt"/>
                         <a:buAutoNum type="arabicPeriod"/>
                       </a:pPr>
@@ -26113,7 +25848,7 @@
                 </a:tc>
                 <a:extLst>
                   <a:ext uri="{0D108BD9-81ED-4DB2-BD59-A6C34878D82A}">
-                    <a16:rowId xmlns:a16="http://schemas.microsoft.com/office/drawing/2014/main" val="2166144097"/>
+                    <a16:rowId xmlns:a16="http://schemas.microsoft.com/office/drawing/2014/main" xmlns="" val="2166144097"/>
                   </a:ext>
                 </a:extLst>
               </a:tr>
@@ -26126,7 +25861,7 @@
           <p:cNvPr id="5" name="TextBox 4">
             <a:extLst>
               <a:ext uri="{FF2B5EF4-FFF2-40B4-BE49-F238E27FC236}">
-                <a16:creationId xmlns:a16="http://schemas.microsoft.com/office/drawing/2014/main" id="{8FC681B6-DE35-4718-A23C-668CE722A768}"/>
+                <a16:creationId xmlns:a16="http://schemas.microsoft.com/office/drawing/2014/main" xmlns="" id="{8FC681B6-DE35-4718-A23C-668CE722A768}"/>
               </a:ext>
             </a:extLst>
           </p:cNvPr>
@@ -26167,6 +25902,13 @@
   <p:clrMapOvr>
     <a:masterClrMapping/>
   </p:clrMapOvr>
+  <p:timing>
+    <p:tnLst>
+      <p:par>
+        <p:cTn id="1" dur="indefinite" restart="never" nodeType="tmRoot"/>
+      </p:par>
+    </p:tnLst>
+  </p:timing>
 </p:sld>
 </file>
 
@@ -26226,7 +25968,7 @@
           <p:cNvPr id="4" name="Rectangle 3">
             <a:extLst>
               <a:ext uri="{FF2B5EF4-FFF2-40B4-BE49-F238E27FC236}">
-                <a16:creationId xmlns:a16="http://schemas.microsoft.com/office/drawing/2014/main" id="{B797C609-7BE1-4E57-A075-97F0D26BCD5E}"/>
+                <a16:creationId xmlns:a16="http://schemas.microsoft.com/office/drawing/2014/main" xmlns="" id="{B797C609-7BE1-4E57-A075-97F0D26BCD5E}"/>
               </a:ext>
             </a:extLst>
           </p:cNvPr>
@@ -26284,7 +26026,7 @@
           <p:cNvPr id="5" name="Rectangle 4">
             <a:extLst>
               <a:ext uri="{FF2B5EF4-FFF2-40B4-BE49-F238E27FC236}">
-                <a16:creationId xmlns:a16="http://schemas.microsoft.com/office/drawing/2014/main" id="{96A63379-E145-4F10-BA63-1E45608E95A0}"/>
+                <a16:creationId xmlns:a16="http://schemas.microsoft.com/office/drawing/2014/main" xmlns="" id="{96A63379-E145-4F10-BA63-1E45608E95A0}"/>
               </a:ext>
             </a:extLst>
           </p:cNvPr>
@@ -26339,7 +26081,7 @@
           <p:cNvPr id="7" name="Rectangle 6">
             <a:extLst>
               <a:ext uri="{FF2B5EF4-FFF2-40B4-BE49-F238E27FC236}">
-                <a16:creationId xmlns:a16="http://schemas.microsoft.com/office/drawing/2014/main" id="{B1FEC3DC-DD0A-488F-9255-63F5DD6BE8EA}"/>
+                <a16:creationId xmlns:a16="http://schemas.microsoft.com/office/drawing/2014/main" xmlns="" id="{B1FEC3DC-DD0A-488F-9255-63F5DD6BE8EA}"/>
               </a:ext>
             </a:extLst>
           </p:cNvPr>
@@ -26395,7 +26137,7 @@
           <p:cNvPr id="8" name="Rectangle 7">
             <a:extLst>
               <a:ext uri="{FF2B5EF4-FFF2-40B4-BE49-F238E27FC236}">
-                <a16:creationId xmlns:a16="http://schemas.microsoft.com/office/drawing/2014/main" id="{4BA6C228-EF86-4839-8DB1-33C3DE95FED2}"/>
+                <a16:creationId xmlns:a16="http://schemas.microsoft.com/office/drawing/2014/main" xmlns="" id="{4BA6C228-EF86-4839-8DB1-33C3DE95FED2}"/>
               </a:ext>
             </a:extLst>
           </p:cNvPr>
@@ -26450,7 +26192,7 @@
           <p:cNvPr id="9" name="Flowchart: Magnetic Disk 8">
             <a:extLst>
               <a:ext uri="{FF2B5EF4-FFF2-40B4-BE49-F238E27FC236}">
-                <a16:creationId xmlns:a16="http://schemas.microsoft.com/office/drawing/2014/main" id="{5F856761-D1FC-47C5-8F6C-9B21F65C09B0}"/>
+                <a16:creationId xmlns:a16="http://schemas.microsoft.com/office/drawing/2014/main" xmlns="" id="{5F856761-D1FC-47C5-8F6C-9B21F65C09B0}"/>
               </a:ext>
             </a:extLst>
           </p:cNvPr>
@@ -26504,7 +26246,7 @@
           <p:cNvPr id="10" name="Oval 9">
             <a:extLst>
               <a:ext uri="{FF2B5EF4-FFF2-40B4-BE49-F238E27FC236}">
-                <a16:creationId xmlns:a16="http://schemas.microsoft.com/office/drawing/2014/main" id="{FD148577-4E56-471A-B921-4D04A1C254AC}"/>
+                <a16:creationId xmlns:a16="http://schemas.microsoft.com/office/drawing/2014/main" xmlns="" id="{FD148577-4E56-471A-B921-4D04A1C254AC}"/>
               </a:ext>
             </a:extLst>
           </p:cNvPr>
@@ -26556,7 +26298,7 @@
           <p:cNvPr id="12" name="Rectangle: Rounded Corners 11">
             <a:extLst>
               <a:ext uri="{FF2B5EF4-FFF2-40B4-BE49-F238E27FC236}">
-                <a16:creationId xmlns:a16="http://schemas.microsoft.com/office/drawing/2014/main" id="{EA2B016B-4041-49D3-8235-86BE04307D23}"/>
+                <a16:creationId xmlns:a16="http://schemas.microsoft.com/office/drawing/2014/main" xmlns="" id="{EA2B016B-4041-49D3-8235-86BE04307D23}"/>
               </a:ext>
             </a:extLst>
           </p:cNvPr>
@@ -26609,7 +26351,7 @@
           <p:cNvPr id="13" name="Rectangle: Top Corners One Rounded and One Snipped 12">
             <a:extLst>
               <a:ext uri="{FF2B5EF4-FFF2-40B4-BE49-F238E27FC236}">
-                <a16:creationId xmlns:a16="http://schemas.microsoft.com/office/drawing/2014/main" id="{EDB7784A-DEDF-4682-BE8F-9D6ACAE8CEB9}"/>
+                <a16:creationId xmlns:a16="http://schemas.microsoft.com/office/drawing/2014/main" xmlns="" id="{EDB7784A-DEDF-4682-BE8F-9D6ACAE8CEB9}"/>
               </a:ext>
             </a:extLst>
           </p:cNvPr>
@@ -26658,7 +26400,7 @@
           <p:cNvPr id="14" name="Oval 13">
             <a:extLst>
               <a:ext uri="{FF2B5EF4-FFF2-40B4-BE49-F238E27FC236}">
-                <a16:creationId xmlns:a16="http://schemas.microsoft.com/office/drawing/2014/main" id="{5E3301AB-A837-400A-85AB-8D7E852ACF89}"/>
+                <a16:creationId xmlns:a16="http://schemas.microsoft.com/office/drawing/2014/main" xmlns="" id="{5E3301AB-A837-400A-85AB-8D7E852ACF89}"/>
               </a:ext>
             </a:extLst>
           </p:cNvPr>
@@ -26710,7 +26452,7 @@
           <p:cNvPr id="15" name="Rectangle 14">
             <a:extLst>
               <a:ext uri="{FF2B5EF4-FFF2-40B4-BE49-F238E27FC236}">
-                <a16:creationId xmlns:a16="http://schemas.microsoft.com/office/drawing/2014/main" id="{E0DA9C0F-F1A3-4A39-8DA5-69A03A7AA910}"/>
+                <a16:creationId xmlns:a16="http://schemas.microsoft.com/office/drawing/2014/main" xmlns="" id="{E0DA9C0F-F1A3-4A39-8DA5-69A03A7AA910}"/>
               </a:ext>
             </a:extLst>
           </p:cNvPr>
@@ -26758,7 +26500,7 @@
           <p:cNvPr id="16" name="Rectangle 15">
             <a:extLst>
               <a:ext uri="{FF2B5EF4-FFF2-40B4-BE49-F238E27FC236}">
-                <a16:creationId xmlns:a16="http://schemas.microsoft.com/office/drawing/2014/main" id="{629FED0A-0CD9-40FE-A3F0-053496C85546}"/>
+                <a16:creationId xmlns:a16="http://schemas.microsoft.com/office/drawing/2014/main" xmlns="" id="{629FED0A-0CD9-40FE-A3F0-053496C85546}"/>
               </a:ext>
             </a:extLst>
           </p:cNvPr>
@@ -26806,7 +26548,7 @@
           <p:cNvPr id="17" name="TextBox 16">
             <a:extLst>
               <a:ext uri="{FF2B5EF4-FFF2-40B4-BE49-F238E27FC236}">
-                <a16:creationId xmlns:a16="http://schemas.microsoft.com/office/drawing/2014/main" id="{A5EAB824-808D-4DEA-9563-D921ADDA3EE5}"/>
+                <a16:creationId xmlns:a16="http://schemas.microsoft.com/office/drawing/2014/main" xmlns="" id="{A5EAB824-808D-4DEA-9563-D921ADDA3EE5}"/>
               </a:ext>
             </a:extLst>
           </p:cNvPr>
@@ -26847,6 +26589,13 @@
   <p:clrMapOvr>
     <a:masterClrMapping/>
   </p:clrMapOvr>
+  <p:timing>
+    <p:tnLst>
+      <p:par>
+        <p:cTn id="1" dur="indefinite" restart="never" nodeType="tmRoot"/>
+      </p:par>
+    </p:tnLst>
+  </p:timing>
 </p:sld>
 </file>
 
@@ -26906,7 +26655,7 @@
           <p:cNvPr id="3" name="TextBox 2">
             <a:extLst>
               <a:ext uri="{FF2B5EF4-FFF2-40B4-BE49-F238E27FC236}">
-                <a16:creationId xmlns:a16="http://schemas.microsoft.com/office/drawing/2014/main" id="{3F82F9B8-D21C-43BB-940C-B9352C56B37B}"/>
+                <a16:creationId xmlns:a16="http://schemas.microsoft.com/office/drawing/2014/main" xmlns="" id="{3F82F9B8-D21C-43BB-940C-B9352C56B37B}"/>
               </a:ext>
             </a:extLst>
           </p:cNvPr>
@@ -26915,8 +26664,8 @@
         </p:nvSpPr>
         <p:spPr>
           <a:xfrm>
-            <a:off x="1480845" y="1119728"/>
-            <a:ext cx="9961830" cy="4524315"/>
+            <a:off x="1438459" y="1890224"/>
+            <a:ext cx="9961830" cy="3416320"/>
           </a:xfrm>
           <a:prstGeom prst="rect">
             <a:avLst/>
@@ -27028,12 +26777,65 @@
               <a:buChar char="•"/>
             </a:pPr>
             <a:r>
+              <a:rPr lang="en-US" sz="2400" dirty="0" smtClean="0">
+                <a:latin typeface="Times New Roman" panose="02020603050405020304" pitchFamily="18" charset="0"/>
+                <a:cs typeface="Times New Roman" panose="02020603050405020304" pitchFamily="18" charset="0"/>
+              </a:rPr>
+              <a:t>In </a:t>
+            </a:r>
+            <a:r>
               <a:rPr lang="en-US" sz="2400" dirty="0">
                 <a:latin typeface="Times New Roman" panose="02020603050405020304" pitchFamily="18" charset="0"/>
                 <a:cs typeface="Times New Roman" panose="02020603050405020304" pitchFamily="18" charset="0"/>
               </a:rPr>
-              <a:t>The sewage water is getting collected from every house and poured into the man-hole</a:t>
-            </a:r>
+              <a:t>this project a set of </a:t>
+            </a:r>
+            <a:r>
+              <a:rPr lang="en-US" sz="2400" dirty="0" smtClean="0">
+                <a:latin typeface="Times New Roman" panose="02020603050405020304" pitchFamily="18" charset="0"/>
+                <a:cs typeface="Times New Roman" panose="02020603050405020304" pitchFamily="18" charset="0"/>
+              </a:rPr>
+              <a:t>conducting </a:t>
+            </a:r>
+            <a:r>
+              <a:rPr lang="en-US" sz="2400" dirty="0">
+                <a:latin typeface="Times New Roman" panose="02020603050405020304" pitchFamily="18" charset="0"/>
+                <a:cs typeface="Times New Roman" panose="02020603050405020304" pitchFamily="18" charset="0"/>
+              </a:rPr>
+              <a:t>plates </a:t>
+            </a:r>
+            <a:r>
+              <a:rPr lang="en-US" sz="2400" dirty="0" smtClean="0">
+                <a:latin typeface="Times New Roman" panose="02020603050405020304" pitchFamily="18" charset="0"/>
+                <a:cs typeface="Times New Roman" panose="02020603050405020304" pitchFamily="18" charset="0"/>
+              </a:rPr>
+              <a:t>is</a:t>
+            </a:r>
+            <a:r>
+              <a:rPr lang="en-US" sz="2400" dirty="0" smtClean="0">
+                <a:latin typeface="Times New Roman" panose="02020603050405020304" pitchFamily="18" charset="0"/>
+                <a:cs typeface="Times New Roman" panose="02020603050405020304" pitchFamily="18" charset="0"/>
+              </a:rPr>
+              <a:t> fitted </a:t>
+            </a:r>
+            <a:r>
+              <a:rPr lang="en-US" sz="2400" dirty="0">
+                <a:latin typeface="Times New Roman" panose="02020603050405020304" pitchFamily="18" charset="0"/>
+                <a:cs typeface="Times New Roman" panose="02020603050405020304" pitchFamily="18" charset="0"/>
+              </a:rPr>
+              <a:t>inside the pipe. So that if any blockage is </a:t>
+            </a:r>
+            <a:r>
+              <a:rPr lang="en-US" sz="2400" dirty="0" smtClean="0">
+                <a:latin typeface="Times New Roman" panose="02020603050405020304" pitchFamily="18" charset="0"/>
+                <a:cs typeface="Times New Roman" panose="02020603050405020304" pitchFamily="18" charset="0"/>
+              </a:rPr>
+              <a:t>there, the conducting plates gets submerged in the water thereby causing the conduction between the plates.</a:t>
+            </a:r>
+            <a:endParaRPr lang="en-US" sz="2400" dirty="0">
+              <a:latin typeface="Times New Roman" panose="02020603050405020304" pitchFamily="18" charset="0"/>
+              <a:cs typeface="Times New Roman" panose="02020603050405020304" pitchFamily="18" charset="0"/>
+            </a:endParaRPr>
           </a:p>
           <a:p>
             <a:pPr marL="342900" indent="-342900">
@@ -27045,33 +26847,35 @@
                 <a:latin typeface="Times New Roman" panose="02020603050405020304" pitchFamily="18" charset="0"/>
                 <a:cs typeface="Times New Roman" panose="02020603050405020304" pitchFamily="18" charset="0"/>
               </a:rPr>
-              <a:t>Whenever there is any blockage in these connecting pipes there the pressure develops and the man-hole beyond the pipe gets filled. </a:t>
-            </a:r>
-          </a:p>
-          <a:p>
-            <a:pPr marL="342900" indent="-342900">
-              <a:buFont typeface="Arial" panose="020B0604020202020204" pitchFamily="34" charset="0"/>
-              <a:buChar char="•"/>
-            </a:pPr>
+              <a:t>By mapping </a:t>
+            </a:r>
+            <a:r>
+              <a:rPr lang="en-US" sz="2400" dirty="0" smtClean="0">
+                <a:latin typeface="Times New Roman" panose="02020603050405020304" pitchFamily="18" charset="0"/>
+                <a:cs typeface="Times New Roman" panose="02020603050405020304" pitchFamily="18" charset="0"/>
+              </a:rPr>
+              <a:t>the output </a:t>
+            </a:r>
             <a:r>
               <a:rPr lang="en-US" sz="2400" dirty="0">
                 <a:latin typeface="Times New Roman" panose="02020603050405020304" pitchFamily="18" charset="0"/>
                 <a:cs typeface="Times New Roman" panose="02020603050405020304" pitchFamily="18" charset="0"/>
               </a:rPr>
-              <a:t>In this project a set of Conducting plates are connected inside the pipe. So that if any blockage is there the liquid inside the pipe gets filled and the .</a:t>
-            </a:r>
-          </a:p>
-          <a:p>
-            <a:pPr marL="342900" indent="-342900">
-              <a:buFont typeface="Arial" panose="020B0604020202020204" pitchFamily="34" charset="0"/>
-              <a:buChar char="•"/>
-            </a:pPr>
+              <a:t>voltages in a GUI we may come to know about the </a:t>
+            </a:r>
+            <a:r>
+              <a:rPr lang="en-US" sz="2400" dirty="0" smtClean="0">
+                <a:latin typeface="Times New Roman" panose="02020603050405020304" pitchFamily="18" charset="0"/>
+                <a:cs typeface="Times New Roman" panose="02020603050405020304" pitchFamily="18" charset="0"/>
+              </a:rPr>
+              <a:t>location of blockage </a:t>
+            </a:r>
             <a:r>
               <a:rPr lang="en-US" sz="2400" dirty="0">
                 <a:latin typeface="Times New Roman" panose="02020603050405020304" pitchFamily="18" charset="0"/>
                 <a:cs typeface="Times New Roman" panose="02020603050405020304" pitchFamily="18" charset="0"/>
               </a:rPr>
-              <a:t>By mapping these voltages in a GUI we may come to know about the blockage in the pipe. </a:t>
+              <a:t>in the pipe. </a:t>
             </a:r>
           </a:p>
           <a:p>
@@ -27097,7 +26901,28 @@
                 <a:latin typeface="Times New Roman" panose="02020603050405020304" pitchFamily="18" charset="0"/>
                 <a:cs typeface="Times New Roman" panose="02020603050405020304" pitchFamily="18" charset="0"/>
               </a:rPr>
-              <a:t>With the help of GUI, the motor is made ON.</a:t>
+              <a:t>With the help of GUI, the motor is </a:t>
+            </a:r>
+            <a:r>
+              <a:rPr lang="en-US" sz="2400" dirty="0" smtClean="0">
+                <a:latin typeface="Times New Roman" panose="02020603050405020304" pitchFamily="18" charset="0"/>
+                <a:cs typeface="Times New Roman" panose="02020603050405020304" pitchFamily="18" charset="0"/>
+              </a:rPr>
+              <a:t>turned</a:t>
+            </a:r>
+            <a:r>
+              <a:rPr lang="en-US" sz="2400" dirty="0" smtClean="0">
+                <a:latin typeface="Times New Roman" panose="02020603050405020304" pitchFamily="18" charset="0"/>
+                <a:cs typeface="Times New Roman" panose="02020603050405020304" pitchFamily="18" charset="0"/>
+              </a:rPr>
+              <a:t> </a:t>
+            </a:r>
+            <a:r>
+              <a:rPr lang="en-US" sz="2400" dirty="0">
+                <a:latin typeface="Times New Roman" panose="02020603050405020304" pitchFamily="18" charset="0"/>
+                <a:cs typeface="Times New Roman" panose="02020603050405020304" pitchFamily="18" charset="0"/>
+              </a:rPr>
+              <a:t>ON.</a:t>
             </a:r>
           </a:p>
           <a:p>
@@ -27110,7 +26935,35 @@
                 <a:latin typeface="Times New Roman" panose="02020603050405020304" pitchFamily="18" charset="0"/>
                 <a:cs typeface="Times New Roman" panose="02020603050405020304" pitchFamily="18" charset="0"/>
               </a:rPr>
-              <a:t>Using flow sensor the water is directed into the node were the block is located.</a:t>
+              <a:t>Using flow sensor the water is directed into the node </a:t>
+            </a:r>
+            <a:r>
+              <a:rPr lang="en-US" sz="2400" dirty="0" smtClean="0">
+                <a:latin typeface="Times New Roman" panose="02020603050405020304" pitchFamily="18" charset="0"/>
+                <a:cs typeface="Times New Roman" panose="02020603050405020304" pitchFamily="18" charset="0"/>
+              </a:rPr>
+              <a:t>where </a:t>
+            </a:r>
+            <a:r>
+              <a:rPr lang="en-US" sz="2400" dirty="0">
+                <a:latin typeface="Times New Roman" panose="02020603050405020304" pitchFamily="18" charset="0"/>
+                <a:cs typeface="Times New Roman" panose="02020603050405020304" pitchFamily="18" charset="0"/>
+              </a:rPr>
+              <a:t>the </a:t>
+            </a:r>
+            <a:r>
+              <a:rPr lang="en-US" sz="2400" dirty="0" smtClean="0">
+                <a:latin typeface="Times New Roman" panose="02020603050405020304" pitchFamily="18" charset="0"/>
+                <a:cs typeface="Times New Roman" panose="02020603050405020304" pitchFamily="18" charset="0"/>
+              </a:rPr>
+              <a:t>blockage </a:t>
+            </a:r>
+            <a:r>
+              <a:rPr lang="en-US" sz="2400" dirty="0">
+                <a:latin typeface="Times New Roman" panose="02020603050405020304" pitchFamily="18" charset="0"/>
+                <a:cs typeface="Times New Roman" panose="02020603050405020304" pitchFamily="18" charset="0"/>
+              </a:rPr>
+              <a:t>is located.</a:t>
             </a:r>
           </a:p>
         </p:txBody>
@@ -27120,7 +26973,7 @@
           <p:cNvPr id="4" name="TextBox 3">
             <a:extLst>
               <a:ext uri="{FF2B5EF4-FFF2-40B4-BE49-F238E27FC236}">
-                <a16:creationId xmlns:a16="http://schemas.microsoft.com/office/drawing/2014/main" id="{5E7EA9E2-D091-4131-9D36-BAB695C51AC2}"/>
+                <a16:creationId xmlns:a16="http://schemas.microsoft.com/office/drawing/2014/main" xmlns="" id="{5E7EA9E2-D091-4131-9D36-BAB695C51AC2}"/>
               </a:ext>
             </a:extLst>
           </p:cNvPr>
@@ -27161,6 +27014,13 @@
   <p:clrMapOvr>
     <a:masterClrMapping/>
   </p:clrMapOvr>
+  <p:timing>
+    <p:tnLst>
+      <p:par>
+        <p:cTn id="1" dur="indefinite" restart="never" nodeType="tmRoot"/>
+      </p:par>
+    </p:tnLst>
+  </p:timing>
 </p:sld>
 </file>
 
@@ -27186,7 +27046,7 @@
           <p:cNvPr id="29" name="Rectangle 28">
             <a:extLst>
               <a:ext uri="{FF2B5EF4-FFF2-40B4-BE49-F238E27FC236}">
-                <a16:creationId xmlns:a16="http://schemas.microsoft.com/office/drawing/2014/main" id="{098A187B-A068-49AC-A7B6-2473A1301551}"/>
+                <a16:creationId xmlns:a16="http://schemas.microsoft.com/office/drawing/2014/main" xmlns="" id="{098A187B-A068-49AC-A7B6-2473A1301551}"/>
               </a:ext>
             </a:extLst>
           </p:cNvPr>
@@ -27269,7 +27129,7 @@
           <p:cNvPr id="6" name="Rectangle: Rounded Corners 5">
             <a:extLst>
               <a:ext uri="{FF2B5EF4-FFF2-40B4-BE49-F238E27FC236}">
-                <a16:creationId xmlns:a16="http://schemas.microsoft.com/office/drawing/2014/main" id="{57290FA5-4C6F-449D-92F5-D803F13C185D}"/>
+                <a16:creationId xmlns:a16="http://schemas.microsoft.com/office/drawing/2014/main" xmlns="" id="{57290FA5-4C6F-449D-92F5-D803F13C185D}"/>
               </a:ext>
             </a:extLst>
           </p:cNvPr>
@@ -27325,7 +27185,7 @@
           <p:cNvPr id="7" name="Rectangle: Top Corners Snipped 6">
             <a:extLst>
               <a:ext uri="{FF2B5EF4-FFF2-40B4-BE49-F238E27FC236}">
-                <a16:creationId xmlns:a16="http://schemas.microsoft.com/office/drawing/2014/main" id="{474DD10A-D845-4D86-A362-BA1D94EF09AB}"/>
+                <a16:creationId xmlns:a16="http://schemas.microsoft.com/office/drawing/2014/main" xmlns="" id="{474DD10A-D845-4D86-A362-BA1D94EF09AB}"/>
               </a:ext>
             </a:extLst>
           </p:cNvPr>
@@ -27381,7 +27241,7 @@
           <p:cNvPr id="8" name="Rectangle 7">
             <a:extLst>
               <a:ext uri="{FF2B5EF4-FFF2-40B4-BE49-F238E27FC236}">
-                <a16:creationId xmlns:a16="http://schemas.microsoft.com/office/drawing/2014/main" id="{0B2DB707-94F6-4569-A91D-3A05381F0D2F}"/>
+                <a16:creationId xmlns:a16="http://schemas.microsoft.com/office/drawing/2014/main" xmlns="" id="{0B2DB707-94F6-4569-A91D-3A05381F0D2F}"/>
               </a:ext>
             </a:extLst>
           </p:cNvPr>
@@ -27437,7 +27297,7 @@
           <p:cNvPr id="9" name="Isosceles Triangle 8">
             <a:extLst>
               <a:ext uri="{FF2B5EF4-FFF2-40B4-BE49-F238E27FC236}">
-                <a16:creationId xmlns:a16="http://schemas.microsoft.com/office/drawing/2014/main" id="{EE6957A2-FABF-43B7-9830-DF9477183776}"/>
+                <a16:creationId xmlns:a16="http://schemas.microsoft.com/office/drawing/2014/main" xmlns="" id="{EE6957A2-FABF-43B7-9830-DF9477183776}"/>
               </a:ext>
             </a:extLst>
           </p:cNvPr>
@@ -27493,7 +27353,7 @@
           <p:cNvPr id="10" name="Rectangle 9">
             <a:extLst>
               <a:ext uri="{FF2B5EF4-FFF2-40B4-BE49-F238E27FC236}">
-                <a16:creationId xmlns:a16="http://schemas.microsoft.com/office/drawing/2014/main" id="{D6B5CD8B-E9BD-44B5-B6E7-AB1A00185CE9}"/>
+                <a16:creationId xmlns:a16="http://schemas.microsoft.com/office/drawing/2014/main" xmlns="" id="{D6B5CD8B-E9BD-44B5-B6E7-AB1A00185CE9}"/>
               </a:ext>
             </a:extLst>
           </p:cNvPr>
@@ -27549,7 +27409,7 @@
           <p:cNvPr id="11" name="Isosceles Triangle 10">
             <a:extLst>
               <a:ext uri="{FF2B5EF4-FFF2-40B4-BE49-F238E27FC236}">
-                <a16:creationId xmlns:a16="http://schemas.microsoft.com/office/drawing/2014/main" id="{FD9EB10E-94CA-477B-8094-AF69D43CB0A7}"/>
+                <a16:creationId xmlns:a16="http://schemas.microsoft.com/office/drawing/2014/main" xmlns="" id="{FD9EB10E-94CA-477B-8094-AF69D43CB0A7}"/>
               </a:ext>
             </a:extLst>
           </p:cNvPr>
@@ -27605,7 +27465,7 @@
           <p:cNvPr id="12" name="Rectangle: Rounded Corners 11">
             <a:extLst>
               <a:ext uri="{FF2B5EF4-FFF2-40B4-BE49-F238E27FC236}">
-                <a16:creationId xmlns:a16="http://schemas.microsoft.com/office/drawing/2014/main" id="{4F97CBB0-F85B-4437-954A-64255EDF082E}"/>
+                <a16:creationId xmlns:a16="http://schemas.microsoft.com/office/drawing/2014/main" xmlns="" id="{4F97CBB0-F85B-4437-954A-64255EDF082E}"/>
               </a:ext>
             </a:extLst>
           </p:cNvPr>
@@ -27661,7 +27521,7 @@
           <p:cNvPr id="13" name="Rectangle: Top Corners Snipped 12">
             <a:extLst>
               <a:ext uri="{FF2B5EF4-FFF2-40B4-BE49-F238E27FC236}">
-                <a16:creationId xmlns:a16="http://schemas.microsoft.com/office/drawing/2014/main" id="{B787FB0F-00EC-48D9-8B9B-4BE54FCBA1C1}"/>
+                <a16:creationId xmlns:a16="http://schemas.microsoft.com/office/drawing/2014/main" xmlns="" id="{B787FB0F-00EC-48D9-8B9B-4BE54FCBA1C1}"/>
               </a:ext>
             </a:extLst>
           </p:cNvPr>
@@ -27717,7 +27577,7 @@
           <p:cNvPr id="14" name="Rectangle 13">
             <a:extLst>
               <a:ext uri="{FF2B5EF4-FFF2-40B4-BE49-F238E27FC236}">
-                <a16:creationId xmlns:a16="http://schemas.microsoft.com/office/drawing/2014/main" id="{6F11B73A-7B79-4555-B0C1-188B72039541}"/>
+                <a16:creationId xmlns:a16="http://schemas.microsoft.com/office/drawing/2014/main" xmlns="" id="{6F11B73A-7B79-4555-B0C1-188B72039541}"/>
               </a:ext>
             </a:extLst>
           </p:cNvPr>
@@ -27773,7 +27633,7 @@
           <p:cNvPr id="15" name="Isosceles Triangle 14">
             <a:extLst>
               <a:ext uri="{FF2B5EF4-FFF2-40B4-BE49-F238E27FC236}">
-                <a16:creationId xmlns:a16="http://schemas.microsoft.com/office/drawing/2014/main" id="{1BD77ADD-5992-449E-B8FE-91DC16E260E9}"/>
+                <a16:creationId xmlns:a16="http://schemas.microsoft.com/office/drawing/2014/main" xmlns="" id="{1BD77ADD-5992-449E-B8FE-91DC16E260E9}"/>
               </a:ext>
             </a:extLst>
           </p:cNvPr>
@@ -27829,7 +27689,7 @@
           <p:cNvPr id="16" name="Rectangle 15">
             <a:extLst>
               <a:ext uri="{FF2B5EF4-FFF2-40B4-BE49-F238E27FC236}">
-                <a16:creationId xmlns:a16="http://schemas.microsoft.com/office/drawing/2014/main" id="{FFCD7010-B643-4417-BE20-9834375C362C}"/>
+                <a16:creationId xmlns:a16="http://schemas.microsoft.com/office/drawing/2014/main" xmlns="" id="{FFCD7010-B643-4417-BE20-9834375C362C}"/>
               </a:ext>
             </a:extLst>
           </p:cNvPr>
@@ -27885,7 +27745,7 @@
           <p:cNvPr id="17" name="Isosceles Triangle 16">
             <a:extLst>
               <a:ext uri="{FF2B5EF4-FFF2-40B4-BE49-F238E27FC236}">
-                <a16:creationId xmlns:a16="http://schemas.microsoft.com/office/drawing/2014/main" id="{3EA79137-C00F-4F4D-AB1E-27B3B3D28FAD}"/>
+                <a16:creationId xmlns:a16="http://schemas.microsoft.com/office/drawing/2014/main" xmlns="" id="{3EA79137-C00F-4F4D-AB1E-27B3B3D28FAD}"/>
               </a:ext>
             </a:extLst>
           </p:cNvPr>
@@ -27941,7 +27801,7 @@
           <p:cNvPr id="18" name="Rectangle: Rounded Corners 17">
             <a:extLst>
               <a:ext uri="{FF2B5EF4-FFF2-40B4-BE49-F238E27FC236}">
-                <a16:creationId xmlns:a16="http://schemas.microsoft.com/office/drawing/2014/main" id="{ABB06CE2-CE3D-43E9-B560-93D93163AA91}"/>
+                <a16:creationId xmlns:a16="http://schemas.microsoft.com/office/drawing/2014/main" xmlns="" id="{ABB06CE2-CE3D-43E9-B560-93D93163AA91}"/>
               </a:ext>
             </a:extLst>
           </p:cNvPr>
@@ -27997,7 +27857,7 @@
           <p:cNvPr id="19" name="Rectangle: Top Corners Snipped 18">
             <a:extLst>
               <a:ext uri="{FF2B5EF4-FFF2-40B4-BE49-F238E27FC236}">
-                <a16:creationId xmlns:a16="http://schemas.microsoft.com/office/drawing/2014/main" id="{6A34222A-B5B3-43DF-9E5C-8E68CADF15C3}"/>
+                <a16:creationId xmlns:a16="http://schemas.microsoft.com/office/drawing/2014/main" xmlns="" id="{6A34222A-B5B3-43DF-9E5C-8E68CADF15C3}"/>
               </a:ext>
             </a:extLst>
           </p:cNvPr>
@@ -28053,7 +27913,7 @@
           <p:cNvPr id="20" name="Rectangle 19">
             <a:extLst>
               <a:ext uri="{FF2B5EF4-FFF2-40B4-BE49-F238E27FC236}">
-                <a16:creationId xmlns:a16="http://schemas.microsoft.com/office/drawing/2014/main" id="{D3CEDB5F-7931-4173-B824-8E220AA05B7F}"/>
+                <a16:creationId xmlns:a16="http://schemas.microsoft.com/office/drawing/2014/main" xmlns="" id="{D3CEDB5F-7931-4173-B824-8E220AA05B7F}"/>
               </a:ext>
             </a:extLst>
           </p:cNvPr>
@@ -28109,7 +27969,7 @@
           <p:cNvPr id="21" name="Isosceles Triangle 20">
             <a:extLst>
               <a:ext uri="{FF2B5EF4-FFF2-40B4-BE49-F238E27FC236}">
-                <a16:creationId xmlns:a16="http://schemas.microsoft.com/office/drawing/2014/main" id="{C0E3949B-84DB-45BC-B840-265DB2521242}"/>
+                <a16:creationId xmlns:a16="http://schemas.microsoft.com/office/drawing/2014/main" xmlns="" id="{C0E3949B-84DB-45BC-B840-265DB2521242}"/>
               </a:ext>
             </a:extLst>
           </p:cNvPr>
@@ -28165,7 +28025,7 @@
           <p:cNvPr id="22" name="Rectangle 21">
             <a:extLst>
               <a:ext uri="{FF2B5EF4-FFF2-40B4-BE49-F238E27FC236}">
-                <a16:creationId xmlns:a16="http://schemas.microsoft.com/office/drawing/2014/main" id="{9A6471F0-F025-4AD7-B887-FD34F2E90651}"/>
+                <a16:creationId xmlns:a16="http://schemas.microsoft.com/office/drawing/2014/main" xmlns="" id="{9A6471F0-F025-4AD7-B887-FD34F2E90651}"/>
               </a:ext>
             </a:extLst>
           </p:cNvPr>
@@ -28221,7 +28081,7 @@
           <p:cNvPr id="23" name="Isosceles Triangle 22">
             <a:extLst>
               <a:ext uri="{FF2B5EF4-FFF2-40B4-BE49-F238E27FC236}">
-                <a16:creationId xmlns:a16="http://schemas.microsoft.com/office/drawing/2014/main" id="{35A20E99-5E7D-4E37-9591-F472750C6E68}"/>
+                <a16:creationId xmlns:a16="http://schemas.microsoft.com/office/drawing/2014/main" xmlns="" id="{35A20E99-5E7D-4E37-9591-F472750C6E68}"/>
               </a:ext>
             </a:extLst>
           </p:cNvPr>
@@ -28277,7 +28137,7 @@
           <p:cNvPr id="24" name="TextBox 25">
             <a:extLst>
               <a:ext uri="{FF2B5EF4-FFF2-40B4-BE49-F238E27FC236}">
-                <a16:creationId xmlns:a16="http://schemas.microsoft.com/office/drawing/2014/main" id="{66C58002-ECE9-4C17-9820-EAB9183F521D}"/>
+                <a16:creationId xmlns:a16="http://schemas.microsoft.com/office/drawing/2014/main" xmlns="" id="{66C58002-ECE9-4C17-9820-EAB9183F521D}"/>
               </a:ext>
             </a:extLst>
           </p:cNvPr>
@@ -28441,7 +28301,7 @@
           <p:cNvPr id="25" name="Straight Arrow Connector 24">
             <a:extLst>
               <a:ext uri="{FF2B5EF4-FFF2-40B4-BE49-F238E27FC236}">
-                <a16:creationId xmlns:a16="http://schemas.microsoft.com/office/drawing/2014/main" id="{08BEA183-D64E-4D02-9A71-A6B9C75E8499}"/>
+                <a16:creationId xmlns:a16="http://schemas.microsoft.com/office/drawing/2014/main" xmlns="" id="{08BEA183-D64E-4D02-9A71-A6B9C75E8499}"/>
               </a:ext>
             </a:extLst>
           </p:cNvPr>
@@ -28483,7 +28343,7 @@
           <p:cNvPr id="26" name="Rectangle 25">
             <a:extLst>
               <a:ext uri="{FF2B5EF4-FFF2-40B4-BE49-F238E27FC236}">
-                <a16:creationId xmlns:a16="http://schemas.microsoft.com/office/drawing/2014/main" id="{9C3E4DD5-D39B-4330-A21D-69C79B7F06E2}"/>
+                <a16:creationId xmlns:a16="http://schemas.microsoft.com/office/drawing/2014/main" xmlns="" id="{9C3E4DD5-D39B-4330-A21D-69C79B7F06E2}"/>
               </a:ext>
             </a:extLst>
           </p:cNvPr>
@@ -28537,7 +28397,7 @@
           <p:cNvPr id="27" name="Rectangle 26">
             <a:extLst>
               <a:ext uri="{FF2B5EF4-FFF2-40B4-BE49-F238E27FC236}">
-                <a16:creationId xmlns:a16="http://schemas.microsoft.com/office/drawing/2014/main" id="{CBC217C8-8BBE-4606-A630-6F5F60265435}"/>
+                <a16:creationId xmlns:a16="http://schemas.microsoft.com/office/drawing/2014/main" xmlns="" id="{CBC217C8-8BBE-4606-A630-6F5F60265435}"/>
               </a:ext>
             </a:extLst>
           </p:cNvPr>
@@ -28591,7 +28451,7 @@
           <p:cNvPr id="28" name="Flowchart: Manual Operation 27">
             <a:extLst>
               <a:ext uri="{FF2B5EF4-FFF2-40B4-BE49-F238E27FC236}">
-                <a16:creationId xmlns:a16="http://schemas.microsoft.com/office/drawing/2014/main" id="{C85E4322-DECD-4387-8A1B-876AE49B5D23}"/>
+                <a16:creationId xmlns:a16="http://schemas.microsoft.com/office/drawing/2014/main" xmlns="" id="{C85E4322-DECD-4387-8A1B-876AE49B5D23}"/>
               </a:ext>
             </a:extLst>
           </p:cNvPr>
@@ -28645,7 +28505,7 @@
           <p:cNvPr id="49" name="TextBox 48">
             <a:extLst>
               <a:ext uri="{FF2B5EF4-FFF2-40B4-BE49-F238E27FC236}">
-                <a16:creationId xmlns:a16="http://schemas.microsoft.com/office/drawing/2014/main" id="{17347D27-C103-4A21-ABE5-FC0400EE51F4}"/>
+                <a16:creationId xmlns:a16="http://schemas.microsoft.com/office/drawing/2014/main" xmlns="" id="{17347D27-C103-4A21-ABE5-FC0400EE51F4}"/>
               </a:ext>
             </a:extLst>
           </p:cNvPr>
@@ -28694,7 +28554,7 @@
           <p:cNvPr id="51" name="TextBox 50">
             <a:extLst>
               <a:ext uri="{FF2B5EF4-FFF2-40B4-BE49-F238E27FC236}">
-                <a16:creationId xmlns:a16="http://schemas.microsoft.com/office/drawing/2014/main" id="{08D7C07D-CD8E-444C-84AD-2DD20B5FB9AB}"/>
+                <a16:creationId xmlns:a16="http://schemas.microsoft.com/office/drawing/2014/main" xmlns="" id="{08D7C07D-CD8E-444C-84AD-2DD20B5FB9AB}"/>
               </a:ext>
             </a:extLst>
           </p:cNvPr>
@@ -28743,7 +28603,7 @@
           <p:cNvPr id="52" name="Straight Arrow Connector 51">
             <a:extLst>
               <a:ext uri="{FF2B5EF4-FFF2-40B4-BE49-F238E27FC236}">
-                <a16:creationId xmlns:a16="http://schemas.microsoft.com/office/drawing/2014/main" id="{D9449AF0-ABEA-4C0E-9D2A-DE64B646FD15}"/>
+                <a16:creationId xmlns:a16="http://schemas.microsoft.com/office/drawing/2014/main" xmlns="" id="{D9449AF0-ABEA-4C0E-9D2A-DE64B646FD15}"/>
               </a:ext>
             </a:extLst>
           </p:cNvPr>
@@ -28786,7 +28646,7 @@
           <p:cNvPr id="53" name="TextBox 54">
             <a:extLst>
               <a:ext uri="{FF2B5EF4-FFF2-40B4-BE49-F238E27FC236}">
-                <a16:creationId xmlns:a16="http://schemas.microsoft.com/office/drawing/2014/main" id="{20FA504D-656B-42E9-8758-654D757BA142}"/>
+                <a16:creationId xmlns:a16="http://schemas.microsoft.com/office/drawing/2014/main" xmlns="" id="{20FA504D-656B-42E9-8758-654D757BA142}"/>
               </a:ext>
             </a:extLst>
           </p:cNvPr>
@@ -28950,7 +28810,7 @@
           <p:cNvPr id="54" name="Straight Arrow Connector 53">
             <a:extLst>
               <a:ext uri="{FF2B5EF4-FFF2-40B4-BE49-F238E27FC236}">
-                <a16:creationId xmlns:a16="http://schemas.microsoft.com/office/drawing/2014/main" id="{282F7EE6-908E-4F83-A33B-F7D34DBE637B}"/>
+                <a16:creationId xmlns:a16="http://schemas.microsoft.com/office/drawing/2014/main" xmlns="" id="{282F7EE6-908E-4F83-A33B-F7D34DBE637B}"/>
               </a:ext>
             </a:extLst>
           </p:cNvPr>
@@ -28992,7 +28852,7 @@
           <p:cNvPr id="55" name="Rectangle: Rounded Corners 54">
             <a:extLst>
               <a:ext uri="{FF2B5EF4-FFF2-40B4-BE49-F238E27FC236}">
-                <a16:creationId xmlns:a16="http://schemas.microsoft.com/office/drawing/2014/main" id="{7F87C06E-AA8D-416E-AA84-48C4D5160FBF}"/>
+                <a16:creationId xmlns:a16="http://schemas.microsoft.com/office/drawing/2014/main" xmlns="" id="{7F87C06E-AA8D-416E-AA84-48C4D5160FBF}"/>
               </a:ext>
             </a:extLst>
           </p:cNvPr>
@@ -29050,7 +28910,7 @@
           <p:cNvPr id="56" name="Rectangle 55">
             <a:extLst>
               <a:ext uri="{FF2B5EF4-FFF2-40B4-BE49-F238E27FC236}">
-                <a16:creationId xmlns:a16="http://schemas.microsoft.com/office/drawing/2014/main" id="{7C54B9B0-3265-483F-BE21-16FA66E80B2E}"/>
+                <a16:creationId xmlns:a16="http://schemas.microsoft.com/office/drawing/2014/main" xmlns="" id="{7C54B9B0-3265-483F-BE21-16FA66E80B2E}"/>
               </a:ext>
             </a:extLst>
           </p:cNvPr>
@@ -29110,7 +28970,7 @@
           <p:cNvPr id="57" name="Rectangle 56">
             <a:extLst>
               <a:ext uri="{FF2B5EF4-FFF2-40B4-BE49-F238E27FC236}">
-                <a16:creationId xmlns:a16="http://schemas.microsoft.com/office/drawing/2014/main" id="{6A7DB6DC-2C0E-4505-A8BB-CDC9C09E9756}"/>
+                <a16:creationId xmlns:a16="http://schemas.microsoft.com/office/drawing/2014/main" xmlns="" id="{6A7DB6DC-2C0E-4505-A8BB-CDC9C09E9756}"/>
               </a:ext>
             </a:extLst>
           </p:cNvPr>
@@ -29166,7 +29026,7 @@
           <p:cNvPr id="58" name="Straight Arrow Connector 57">
             <a:extLst>
               <a:ext uri="{FF2B5EF4-FFF2-40B4-BE49-F238E27FC236}">
-                <a16:creationId xmlns:a16="http://schemas.microsoft.com/office/drawing/2014/main" id="{C9D6163C-8CE3-427B-B5E0-5873C61D3E30}"/>
+                <a16:creationId xmlns:a16="http://schemas.microsoft.com/office/drawing/2014/main" xmlns="" id="{C9D6163C-8CE3-427B-B5E0-5873C61D3E30}"/>
               </a:ext>
             </a:extLst>
           </p:cNvPr>
@@ -29205,7 +29065,7 @@
           <p:cNvPr id="59" name="TextBox 60">
             <a:extLst>
               <a:ext uri="{FF2B5EF4-FFF2-40B4-BE49-F238E27FC236}">
-                <a16:creationId xmlns:a16="http://schemas.microsoft.com/office/drawing/2014/main" id="{E6680093-7A66-4D0F-A217-F4BDE6824796}"/>
+                <a16:creationId xmlns:a16="http://schemas.microsoft.com/office/drawing/2014/main" xmlns="" id="{E6680093-7A66-4D0F-A217-F4BDE6824796}"/>
               </a:ext>
             </a:extLst>
           </p:cNvPr>
@@ -29216,7 +29076,7 @@
         </p:nvSpPr>
         <p:spPr bwMode="auto">
           <a:xfrm>
-            <a:off x="5265927" y="5626244"/>
+            <a:off x="5221199" y="5599168"/>
             <a:ext cx="2020888" cy="307975"/>
           </a:xfrm>
           <a:prstGeom prst="rect">
@@ -29361,7 +29221,7 @@
           <p:cNvPr id="60" name="Rectangle 59">
             <a:extLst>
               <a:ext uri="{FF2B5EF4-FFF2-40B4-BE49-F238E27FC236}">
-                <a16:creationId xmlns:a16="http://schemas.microsoft.com/office/drawing/2014/main" id="{A1FD554D-EB47-46AB-9CB1-28A18629C498}"/>
+                <a16:creationId xmlns:a16="http://schemas.microsoft.com/office/drawing/2014/main" xmlns="" id="{A1FD554D-EB47-46AB-9CB1-28A18629C498}"/>
               </a:ext>
             </a:extLst>
           </p:cNvPr>
@@ -29424,7 +29284,7 @@
           <p:cNvPr id="61" name="Rectangle 60">
             <a:extLst>
               <a:ext uri="{FF2B5EF4-FFF2-40B4-BE49-F238E27FC236}">
-                <a16:creationId xmlns:a16="http://schemas.microsoft.com/office/drawing/2014/main" id="{95480878-FC76-48F2-B015-8539E0C3D19D}"/>
+                <a16:creationId xmlns:a16="http://schemas.microsoft.com/office/drawing/2014/main" xmlns="" id="{95480878-FC76-48F2-B015-8539E0C3D19D}"/>
               </a:ext>
             </a:extLst>
           </p:cNvPr>
@@ -29487,7 +29347,7 @@
           <p:cNvPr id="62" name="Rectangle 61">
             <a:extLst>
               <a:ext uri="{FF2B5EF4-FFF2-40B4-BE49-F238E27FC236}">
-                <a16:creationId xmlns:a16="http://schemas.microsoft.com/office/drawing/2014/main" id="{E6CE93D6-7D6A-431E-93FC-D98942A48B4C}"/>
+                <a16:creationId xmlns:a16="http://schemas.microsoft.com/office/drawing/2014/main" xmlns="" id="{E6CE93D6-7D6A-431E-93FC-D98942A48B4C}"/>
               </a:ext>
             </a:extLst>
           </p:cNvPr>
@@ -29550,7 +29410,7 @@
           <p:cNvPr id="63" name="Rectangle 62">
             <a:extLst>
               <a:ext uri="{FF2B5EF4-FFF2-40B4-BE49-F238E27FC236}">
-                <a16:creationId xmlns:a16="http://schemas.microsoft.com/office/drawing/2014/main" id="{20357E09-9282-48F6-AF11-761E4112A8B9}"/>
+                <a16:creationId xmlns:a16="http://schemas.microsoft.com/office/drawing/2014/main" xmlns="" id="{20357E09-9282-48F6-AF11-761E4112A8B9}"/>
               </a:ext>
             </a:extLst>
           </p:cNvPr>
@@ -29613,7 +29473,7 @@
           <p:cNvPr id="64" name="Rectangle 63">
             <a:extLst>
               <a:ext uri="{FF2B5EF4-FFF2-40B4-BE49-F238E27FC236}">
-                <a16:creationId xmlns:a16="http://schemas.microsoft.com/office/drawing/2014/main" id="{B6F6E047-C7B9-4067-B102-CC8CE10EE47D}"/>
+                <a16:creationId xmlns:a16="http://schemas.microsoft.com/office/drawing/2014/main" xmlns="" id="{B6F6E047-C7B9-4067-B102-CC8CE10EE47D}"/>
               </a:ext>
             </a:extLst>
           </p:cNvPr>
@@ -29676,7 +29536,7 @@
           <p:cNvPr id="65" name="Rectangle 64">
             <a:extLst>
               <a:ext uri="{FF2B5EF4-FFF2-40B4-BE49-F238E27FC236}">
-                <a16:creationId xmlns:a16="http://schemas.microsoft.com/office/drawing/2014/main" id="{CBB0348D-D002-43B0-8B15-4FCA4FE9C220}"/>
+                <a16:creationId xmlns:a16="http://schemas.microsoft.com/office/drawing/2014/main" xmlns="" id="{CBB0348D-D002-43B0-8B15-4FCA4FE9C220}"/>
               </a:ext>
             </a:extLst>
           </p:cNvPr>
@@ -29739,7 +29599,7 @@
           <p:cNvPr id="66" name="Rectangle 65">
             <a:extLst>
               <a:ext uri="{FF2B5EF4-FFF2-40B4-BE49-F238E27FC236}">
-                <a16:creationId xmlns:a16="http://schemas.microsoft.com/office/drawing/2014/main" id="{AC2F0229-8EA1-45B6-BACA-133F860CDEA2}"/>
+                <a16:creationId xmlns:a16="http://schemas.microsoft.com/office/drawing/2014/main" xmlns="" id="{AC2F0229-8EA1-45B6-BACA-133F860CDEA2}"/>
               </a:ext>
             </a:extLst>
           </p:cNvPr>
@@ -29802,7 +29662,7 @@
           <p:cNvPr id="67" name="TextBox 66">
             <a:extLst>
               <a:ext uri="{FF2B5EF4-FFF2-40B4-BE49-F238E27FC236}">
-                <a16:creationId xmlns:a16="http://schemas.microsoft.com/office/drawing/2014/main" id="{C7C9FE87-9535-467A-A9FE-EA2E56A47ED5}"/>
+                <a16:creationId xmlns:a16="http://schemas.microsoft.com/office/drawing/2014/main" xmlns="" id="{C7C9FE87-9535-467A-A9FE-EA2E56A47ED5}"/>
               </a:ext>
             </a:extLst>
           </p:cNvPr>
@@ -29851,7 +29711,7 @@
           <p:cNvPr id="68" name="TextBox 67">
             <a:extLst>
               <a:ext uri="{FF2B5EF4-FFF2-40B4-BE49-F238E27FC236}">
-                <a16:creationId xmlns:a16="http://schemas.microsoft.com/office/drawing/2014/main" id="{5F7DAA3A-7835-443C-B0A4-E7185118592A}"/>
+                <a16:creationId xmlns:a16="http://schemas.microsoft.com/office/drawing/2014/main" xmlns="" id="{5F7DAA3A-7835-443C-B0A4-E7185118592A}"/>
               </a:ext>
             </a:extLst>
           </p:cNvPr>
@@ -29900,7 +29760,7 @@
           <p:cNvPr id="70" name="Rectangle: Rounded Corners 69">
             <a:extLst>
               <a:ext uri="{FF2B5EF4-FFF2-40B4-BE49-F238E27FC236}">
-                <a16:creationId xmlns:a16="http://schemas.microsoft.com/office/drawing/2014/main" id="{1DED7A48-F999-484A-A233-27A4B52A19F2}"/>
+                <a16:creationId xmlns:a16="http://schemas.microsoft.com/office/drawing/2014/main" xmlns="" id="{1DED7A48-F999-484A-A233-27A4B52A19F2}"/>
               </a:ext>
             </a:extLst>
           </p:cNvPr>
@@ -29958,7 +29818,7 @@
           <p:cNvPr id="71" name="Rectangle 70">
             <a:extLst>
               <a:ext uri="{FF2B5EF4-FFF2-40B4-BE49-F238E27FC236}">
-                <a16:creationId xmlns:a16="http://schemas.microsoft.com/office/drawing/2014/main" id="{5B891183-24C6-443A-AC7D-8CFF6084FFA9}"/>
+                <a16:creationId xmlns:a16="http://schemas.microsoft.com/office/drawing/2014/main" xmlns="" id="{5B891183-24C6-443A-AC7D-8CFF6084FFA9}"/>
               </a:ext>
             </a:extLst>
           </p:cNvPr>
@@ -30018,7 +29878,7 @@
           <p:cNvPr id="72" name="Rectangle 71">
             <a:extLst>
               <a:ext uri="{FF2B5EF4-FFF2-40B4-BE49-F238E27FC236}">
-                <a16:creationId xmlns:a16="http://schemas.microsoft.com/office/drawing/2014/main" id="{67E7CF54-CFEE-4EAF-9613-11FD2CE5A062}"/>
+                <a16:creationId xmlns:a16="http://schemas.microsoft.com/office/drawing/2014/main" xmlns="" id="{67E7CF54-CFEE-4EAF-9613-11FD2CE5A062}"/>
               </a:ext>
             </a:extLst>
           </p:cNvPr>
@@ -30074,7 +29934,7 @@
           <p:cNvPr id="35" name="Rectangle 34">
             <a:extLst>
               <a:ext uri="{FF2B5EF4-FFF2-40B4-BE49-F238E27FC236}">
-                <a16:creationId xmlns:a16="http://schemas.microsoft.com/office/drawing/2014/main" id="{DCD67DE1-F9C4-4242-B419-BE9FA8A83D8B}"/>
+                <a16:creationId xmlns:a16="http://schemas.microsoft.com/office/drawing/2014/main" xmlns="" id="{DCD67DE1-F9C4-4242-B419-BE9FA8A83D8B}"/>
               </a:ext>
             </a:extLst>
           </p:cNvPr>
@@ -30123,7 +29983,7 @@
           <p:cNvPr id="98" name="Rectangle 97">
             <a:extLst>
               <a:ext uri="{FF2B5EF4-FFF2-40B4-BE49-F238E27FC236}">
-                <a16:creationId xmlns:a16="http://schemas.microsoft.com/office/drawing/2014/main" id="{FAF48B2B-775A-43F1-A415-253DB853D0ED}"/>
+                <a16:creationId xmlns:a16="http://schemas.microsoft.com/office/drawing/2014/main" xmlns="" id="{FAF48B2B-775A-43F1-A415-253DB853D0ED}"/>
               </a:ext>
             </a:extLst>
           </p:cNvPr>
@@ -30172,7 +30032,7 @@
           <p:cNvPr id="99" name="Rectangle 98">
             <a:extLst>
               <a:ext uri="{FF2B5EF4-FFF2-40B4-BE49-F238E27FC236}">
-                <a16:creationId xmlns:a16="http://schemas.microsoft.com/office/drawing/2014/main" id="{35722EB2-7852-43EA-97CD-302807F98669}"/>
+                <a16:creationId xmlns:a16="http://schemas.microsoft.com/office/drawing/2014/main" xmlns="" id="{35722EB2-7852-43EA-97CD-302807F98669}"/>
               </a:ext>
             </a:extLst>
           </p:cNvPr>
@@ -30221,7 +30081,7 @@
           <p:cNvPr id="100" name="Rectangle 99">
             <a:extLst>
               <a:ext uri="{FF2B5EF4-FFF2-40B4-BE49-F238E27FC236}">
-                <a16:creationId xmlns:a16="http://schemas.microsoft.com/office/drawing/2014/main" id="{0D8B654C-52EA-42C3-966D-486133FF625F}"/>
+                <a16:creationId xmlns:a16="http://schemas.microsoft.com/office/drawing/2014/main" xmlns="" id="{0D8B654C-52EA-42C3-966D-486133FF625F}"/>
               </a:ext>
             </a:extLst>
           </p:cNvPr>
@@ -30270,7 +30130,7 @@
           <p:cNvPr id="101" name="Rectangle 100">
             <a:extLst>
               <a:ext uri="{FF2B5EF4-FFF2-40B4-BE49-F238E27FC236}">
-                <a16:creationId xmlns:a16="http://schemas.microsoft.com/office/drawing/2014/main" id="{A4531325-D66E-417C-AAA0-B5809F427E11}"/>
+                <a16:creationId xmlns:a16="http://schemas.microsoft.com/office/drawing/2014/main" xmlns="" id="{A4531325-D66E-417C-AAA0-B5809F427E11}"/>
               </a:ext>
             </a:extLst>
           </p:cNvPr>
@@ -30319,7 +30179,7 @@
           <p:cNvPr id="102" name="Rectangle 101">
             <a:extLst>
               <a:ext uri="{FF2B5EF4-FFF2-40B4-BE49-F238E27FC236}">
-                <a16:creationId xmlns:a16="http://schemas.microsoft.com/office/drawing/2014/main" id="{60CCC597-2806-4B45-94A4-59EB4C20759B}"/>
+                <a16:creationId xmlns:a16="http://schemas.microsoft.com/office/drawing/2014/main" xmlns="" id="{60CCC597-2806-4B45-94A4-59EB4C20759B}"/>
               </a:ext>
             </a:extLst>
           </p:cNvPr>
@@ -30368,7 +30228,7 @@
           <p:cNvPr id="36" name="L-Shape 35">
             <a:extLst>
               <a:ext uri="{FF2B5EF4-FFF2-40B4-BE49-F238E27FC236}">
-                <a16:creationId xmlns:a16="http://schemas.microsoft.com/office/drawing/2014/main" id="{A69CD83C-039E-4AAF-A18A-AF3BDA374007}"/>
+                <a16:creationId xmlns:a16="http://schemas.microsoft.com/office/drawing/2014/main" xmlns="" id="{A69CD83C-039E-4AAF-A18A-AF3BDA374007}"/>
               </a:ext>
             </a:extLst>
           </p:cNvPr>
@@ -30420,7 +30280,7 @@
           <p:cNvPr id="103" name="TextBox 102">
             <a:extLst>
               <a:ext uri="{FF2B5EF4-FFF2-40B4-BE49-F238E27FC236}">
-                <a16:creationId xmlns:a16="http://schemas.microsoft.com/office/drawing/2014/main" id="{91A247ED-DE18-4187-82F3-A06ED9C9E8D7}"/>
+                <a16:creationId xmlns:a16="http://schemas.microsoft.com/office/drawing/2014/main" xmlns="" id="{91A247ED-DE18-4187-82F3-A06ED9C9E8D7}"/>
               </a:ext>
             </a:extLst>
           </p:cNvPr>
@@ -30456,7 +30316,7 @@
           <p:cNvPr id="39" name="Straight Arrow Connector 38">
             <a:extLst>
               <a:ext uri="{FF2B5EF4-FFF2-40B4-BE49-F238E27FC236}">
-                <a16:creationId xmlns:a16="http://schemas.microsoft.com/office/drawing/2014/main" id="{BB93928D-3A20-4BE2-940B-58827A427124}"/>
+                <a16:creationId xmlns:a16="http://schemas.microsoft.com/office/drawing/2014/main" xmlns="" id="{BB93928D-3A20-4BE2-940B-58827A427124}"/>
               </a:ext>
             </a:extLst>
           </p:cNvPr>
@@ -30503,7 +30363,7 @@
           <p:cNvPr id="40" name="Rectangle 39">
             <a:extLst>
               <a:ext uri="{FF2B5EF4-FFF2-40B4-BE49-F238E27FC236}">
-                <a16:creationId xmlns:a16="http://schemas.microsoft.com/office/drawing/2014/main" id="{CD8294B1-9F53-480F-A14A-A913002578A8}"/>
+                <a16:creationId xmlns:a16="http://schemas.microsoft.com/office/drawing/2014/main" xmlns="" id="{CD8294B1-9F53-480F-A14A-A913002578A8}"/>
               </a:ext>
             </a:extLst>
           </p:cNvPr>
@@ -30551,7 +30411,7 @@
           <p:cNvPr id="42" name="Straight Arrow Connector 41">
             <a:extLst>
               <a:ext uri="{FF2B5EF4-FFF2-40B4-BE49-F238E27FC236}">
-                <a16:creationId xmlns:a16="http://schemas.microsoft.com/office/drawing/2014/main" id="{5C1558B7-8BEA-4926-B170-A241E80FB055}"/>
+                <a16:creationId xmlns:a16="http://schemas.microsoft.com/office/drawing/2014/main" xmlns="" id="{5C1558B7-8BEA-4926-B170-A241E80FB055}"/>
               </a:ext>
             </a:extLst>
           </p:cNvPr>
@@ -30594,7 +30454,7 @@
           <p:cNvPr id="43" name="Rectangle 42">
             <a:extLst>
               <a:ext uri="{FF2B5EF4-FFF2-40B4-BE49-F238E27FC236}">
-                <a16:creationId xmlns:a16="http://schemas.microsoft.com/office/drawing/2014/main" id="{90BED0BF-62F2-4C4C-9C82-DABAEF2FEE4D}"/>
+                <a16:creationId xmlns:a16="http://schemas.microsoft.com/office/drawing/2014/main" xmlns="" id="{90BED0BF-62F2-4C4C-9C82-DABAEF2FEE4D}"/>
               </a:ext>
             </a:extLst>
           </p:cNvPr>
@@ -30642,7 +30502,7 @@
           <p:cNvPr id="46" name="Straight Arrow Connector 45">
             <a:extLst>
               <a:ext uri="{FF2B5EF4-FFF2-40B4-BE49-F238E27FC236}">
-                <a16:creationId xmlns:a16="http://schemas.microsoft.com/office/drawing/2014/main" id="{E126F6DF-07E4-488D-B750-5C2BAEB811F3}"/>
+                <a16:creationId xmlns:a16="http://schemas.microsoft.com/office/drawing/2014/main" xmlns="" id="{E126F6DF-07E4-488D-B750-5C2BAEB811F3}"/>
               </a:ext>
             </a:extLst>
           </p:cNvPr>
@@ -30685,7 +30545,7 @@
           <p:cNvPr id="50" name="Straight Arrow Connector 49">
             <a:extLst>
               <a:ext uri="{FF2B5EF4-FFF2-40B4-BE49-F238E27FC236}">
-                <a16:creationId xmlns:a16="http://schemas.microsoft.com/office/drawing/2014/main" id="{F41532EB-556B-4467-8ACF-92762DBD57F8}"/>
+                <a16:creationId xmlns:a16="http://schemas.microsoft.com/office/drawing/2014/main" xmlns="" id="{F41532EB-556B-4467-8ACF-92762DBD57F8}"/>
               </a:ext>
             </a:extLst>
           </p:cNvPr>
@@ -30728,7 +30588,7 @@
           <p:cNvPr id="104" name="Rectangle: Single Corner Rounded 103">
             <a:extLst>
               <a:ext uri="{FF2B5EF4-FFF2-40B4-BE49-F238E27FC236}">
-                <a16:creationId xmlns:a16="http://schemas.microsoft.com/office/drawing/2014/main" id="{1057482B-60B8-4B5C-AFC2-60B2FBBF9BC3}"/>
+                <a16:creationId xmlns:a16="http://schemas.microsoft.com/office/drawing/2014/main" xmlns="" id="{1057482B-60B8-4B5C-AFC2-60B2FBBF9BC3}"/>
               </a:ext>
             </a:extLst>
           </p:cNvPr>
@@ -30772,7 +30632,7 @@
           <p:cNvPr id="107" name="Rectangle 106">
             <a:extLst>
               <a:ext uri="{FF2B5EF4-FFF2-40B4-BE49-F238E27FC236}">
-                <a16:creationId xmlns:a16="http://schemas.microsoft.com/office/drawing/2014/main" id="{46C2CAF3-4F58-4B80-A805-59D89DAEB30C}"/>
+                <a16:creationId xmlns:a16="http://schemas.microsoft.com/office/drawing/2014/main" xmlns="" id="{46C2CAF3-4F58-4B80-A805-59D89DAEB30C}"/>
               </a:ext>
             </a:extLst>
           </p:cNvPr>
@@ -30814,6 +30674,126 @@
               </a:rPr>
               <a:t>FLOW SENSOR</a:t>
             </a:r>
+          </a:p>
+        </p:txBody>
+      </p:sp>
+      <p:sp>
+        <p:nvSpPr>
+          <p:cNvPr id="3" name="TextBox 2"/>
+          <p:cNvSpPr txBox="1"/>
+          <p:nvPr/>
+        </p:nvSpPr>
+        <p:spPr>
+          <a:xfrm>
+            <a:off x="5433782" y="1269951"/>
+            <a:ext cx="2780215" cy="646331"/>
+          </a:xfrm>
+          <a:prstGeom prst="rect">
+            <a:avLst/>
+          </a:prstGeom>
+          <a:noFill/>
+        </p:spPr>
+        <p:txBody>
+          <a:bodyPr wrap="square" rtlCol="0">
+            <a:spAutoFit/>
+          </a:bodyPr>
+          <a:lstStyle/>
+          <a:p>
+            <a:r>
+              <a:rPr lang="en-IN" dirty="0" smtClean="0"/>
+              <a:t>½ inch water flow sensor YF-S201</a:t>
+            </a:r>
+            <a:endParaRPr lang="en-IN" dirty="0"/>
+          </a:p>
+        </p:txBody>
+      </p:sp>
+      <p:sp>
+        <p:nvSpPr>
+          <p:cNvPr id="4" name="TextBox 3"/>
+          <p:cNvSpPr txBox="1"/>
+          <p:nvPr/>
+        </p:nvSpPr>
+        <p:spPr>
+          <a:xfrm>
+            <a:off x="9415604" y="5626244"/>
+            <a:ext cx="2205258" cy="376204"/>
+          </a:xfrm>
+          <a:prstGeom prst="rect">
+            <a:avLst/>
+          </a:prstGeom>
+          <a:noFill/>
+        </p:spPr>
+        <p:txBody>
+          <a:bodyPr wrap="square" rtlCol="0">
+            <a:spAutoFit/>
+          </a:bodyPr>
+          <a:lstStyle/>
+          <a:p>
+            <a:r>
+              <a:rPr lang="en-IN" dirty="0" smtClean="0"/>
+              <a:t>PIC 16F877A</a:t>
+            </a:r>
+            <a:endParaRPr lang="en-IN" dirty="0"/>
+          </a:p>
+        </p:txBody>
+      </p:sp>
+      <p:sp>
+        <p:nvSpPr>
+          <p:cNvPr id="5" name="TextBox 4"/>
+          <p:cNvSpPr txBox="1"/>
+          <p:nvPr/>
+        </p:nvSpPr>
+        <p:spPr>
+          <a:xfrm>
+            <a:off x="5203530" y="6043669"/>
+            <a:ext cx="2285583" cy="369332"/>
+          </a:xfrm>
+          <a:prstGeom prst="rect">
+            <a:avLst/>
+          </a:prstGeom>
+          <a:noFill/>
+        </p:spPr>
+        <p:txBody>
+          <a:bodyPr wrap="square" rtlCol="0">
+            <a:spAutoFit/>
+          </a:bodyPr>
+          <a:lstStyle/>
+          <a:p>
+            <a:r>
+              <a:rPr lang="en-IN" dirty="0" smtClean="0"/>
+              <a:t>12V supply</a:t>
+            </a:r>
+            <a:endParaRPr lang="en-IN" dirty="0"/>
+          </a:p>
+        </p:txBody>
+      </p:sp>
+      <p:sp>
+        <p:nvSpPr>
+          <p:cNvPr id="30" name="TextBox 29"/>
+          <p:cNvSpPr txBox="1"/>
+          <p:nvPr/>
+        </p:nvSpPr>
+        <p:spPr>
+          <a:xfrm>
+            <a:off x="10126920" y="4850296"/>
+            <a:ext cx="1647233" cy="369332"/>
+          </a:xfrm>
+          <a:prstGeom prst="rect">
+            <a:avLst/>
+          </a:prstGeom>
+          <a:noFill/>
+        </p:spPr>
+        <p:txBody>
+          <a:bodyPr wrap="square" rtlCol="0">
+            <a:spAutoFit/>
+          </a:bodyPr>
+          <a:lstStyle/>
+          <a:p>
+            <a:r>
+              <a:rPr lang="en-IN" dirty="0" smtClean="0"/>
+              <a:t>12V DC motor</a:t>
+            </a:r>
+            <a:endParaRPr lang="en-IN" dirty="0"/>
           </a:p>
         </p:txBody>
       </p:sp>
